--- a/poster/Data Dictionary Poster.pptx
+++ b/poster/Data Dictionary Poster.pptx
@@ -15,20 +15,15 @@
   <p:notesSz cx="6858000" cy="9144000"/>
   <p:embeddedFontLst>
     <p:embeddedFont>
-      <p:font typeface="Abril Fatface" panose="020B0604020202020204" charset="0"/>
+      <p:font typeface="Abril Fatface" panose="02000503000000020003" pitchFamily="2" charset="77"/>
       <p:regular r:id="rId5"/>
     </p:embeddedFont>
     <p:embeddedFont>
-      <p:font typeface="Arial Black" panose="020B0A04020102020204" pitchFamily="34" charset="0"/>
+      <p:font typeface="Calibri" panose="020F0502020204030204" pitchFamily="34" charset="0"/>
       <p:regular r:id="rId6"/>
       <p:bold r:id="rId7"/>
-    </p:embeddedFont>
-    <p:embeddedFont>
-      <p:font typeface="Calibri" panose="020F0502020204030204" pitchFamily="34" charset="0"/>
-      <p:regular r:id="rId8"/>
-      <p:bold r:id="rId9"/>
-      <p:italic r:id="rId10"/>
-      <p:boldItalic r:id="rId11"/>
+      <p:italic r:id="rId8"/>
+      <p:boldItalic r:id="rId9"/>
     </p:embeddedFont>
   </p:embeddedFontLst>
   <p:defaultTextStyle>
@@ -274,6 +269,251 @@
   <p:cmAuthor id="1" name="Amber Gillenwaters" initials="" lastIdx="7" clrIdx="1"/>
   <p:cmAuthor id="2" name="Addie Wikowsky" initials="" lastIdx="1" clrIdx="2"/>
 </p:cmAuthorLst>
+</file>
+
+<file path=ppt/revisionInfo.xml><?xml version="1.0" encoding="utf-8"?>
+<p1510:revInfo xmlns:a="http://schemas.openxmlformats.org/drawingml/2006/main" xmlns:r="http://schemas.openxmlformats.org/officeDocument/2006/relationships" xmlns:p1510="http://schemas.microsoft.com/office/powerpoint/2015/10/main">
+  <p1510:revLst>
+    <p1510:client id="{785FA902-6E67-944C-8DEF-C55885C0C45E}" v="14" dt="2019-03-03T23:54:41.928"/>
+  </p1510:revLst>
+</p1510:revInfo>
+</file>
+
+<file path=ppt/changesInfos/changesInfo1.xml><?xml version="1.0" encoding="utf-8"?>
+<pc:chgInfo xmlns:a="http://schemas.openxmlformats.org/drawingml/2006/main" xmlns:r="http://schemas.openxmlformats.org/officeDocument/2006/relationships" xmlns:ac="http://schemas.microsoft.com/office/drawing/2013/main/command" xmlns:pc="http://schemas.microsoft.com/office/powerpoint/2013/main/command">
+  <pc:docChgLst>
+    <pc:chgData name="Erin Buchanan" userId="a202a620-6e05-42b1-a3fc-fcfad0b42cdc" providerId="ADAL" clId="{785FA902-6E67-944C-8DEF-C55885C0C45E}"/>
+    <pc:docChg chg="undo redo custSel modSld">
+      <pc:chgData name="Erin Buchanan" userId="a202a620-6e05-42b1-a3fc-fcfad0b42cdc" providerId="ADAL" clId="{785FA902-6E67-944C-8DEF-C55885C0C45E}" dt="2019-03-03T23:54:52.370" v="646" actId="255"/>
+      <pc:docMkLst>
+        <pc:docMk/>
+      </pc:docMkLst>
+      <pc:sldChg chg="addSp delSp modSp">
+        <pc:chgData name="Erin Buchanan" userId="a202a620-6e05-42b1-a3fc-fcfad0b42cdc" providerId="ADAL" clId="{785FA902-6E67-944C-8DEF-C55885C0C45E}" dt="2019-03-03T23:54:52.370" v="646" actId="255"/>
+        <pc:sldMkLst>
+          <pc:docMk/>
+          <pc:sldMk cId="0" sldId="256"/>
+        </pc:sldMkLst>
+        <pc:spChg chg="add del mod">
+          <ac:chgData name="Erin Buchanan" userId="a202a620-6e05-42b1-a3fc-fcfad0b42cdc" providerId="ADAL" clId="{785FA902-6E67-944C-8DEF-C55885C0C45E}" dt="2019-03-03T23:45:15.765" v="49" actId="767"/>
+          <ac:spMkLst>
+            <pc:docMk/>
+            <pc:sldMk cId="0" sldId="256"/>
+            <ac:spMk id="3" creationId="{D69ABCCD-64B8-4E4B-A8B2-7B34697C0106}"/>
+          </ac:spMkLst>
+        </pc:spChg>
+        <pc:spChg chg="add mod">
+          <ac:chgData name="Erin Buchanan" userId="a202a620-6e05-42b1-a3fc-fcfad0b42cdc" providerId="ADAL" clId="{785FA902-6E67-944C-8DEF-C55885C0C45E}" dt="2019-03-03T23:49:28.273" v="297" actId="1076"/>
+          <ac:spMkLst>
+            <pc:docMk/>
+            <pc:sldMk cId="0" sldId="256"/>
+            <ac:spMk id="6" creationId="{25B93DDB-6AB4-AA4F-88F6-FA31A959BD77}"/>
+          </ac:spMkLst>
+        </pc:spChg>
+        <pc:spChg chg="mod">
+          <ac:chgData name="Erin Buchanan" userId="a202a620-6e05-42b1-a3fc-fcfad0b42cdc" providerId="ADAL" clId="{785FA902-6E67-944C-8DEF-C55885C0C45E}" dt="2019-03-03T23:45:53.545" v="54" actId="1076"/>
+          <ac:spMkLst>
+            <pc:docMk/>
+            <pc:sldMk cId="0" sldId="256"/>
+            <ac:spMk id="25" creationId="{48AD9D28-03F5-4E19-90F2-DD1044A73D6B}"/>
+          </ac:spMkLst>
+        </pc:spChg>
+        <pc:spChg chg="mod">
+          <ac:chgData name="Erin Buchanan" userId="a202a620-6e05-42b1-a3fc-fcfad0b42cdc" providerId="ADAL" clId="{785FA902-6E67-944C-8DEF-C55885C0C45E}" dt="2019-03-03T23:51:44.313" v="336" actId="14100"/>
+          <ac:spMkLst>
+            <pc:docMk/>
+            <pc:sldMk cId="0" sldId="256"/>
+            <ac:spMk id="30" creationId="{221D9526-32FC-4392-A9A9-E38AD721D2CF}"/>
+          </ac:spMkLst>
+        </pc:spChg>
+        <pc:spChg chg="add del">
+          <ac:chgData name="Erin Buchanan" userId="a202a620-6e05-42b1-a3fc-fcfad0b42cdc" providerId="ADAL" clId="{785FA902-6E67-944C-8DEF-C55885C0C45E}" dt="2019-03-03T23:46:18.543" v="65"/>
+          <ac:spMkLst>
+            <pc:docMk/>
+            <pc:sldMk cId="0" sldId="256"/>
+            <ac:spMk id="31" creationId="{74D299DA-9644-E84D-B779-2C1016E60810}"/>
+          </ac:spMkLst>
+        </pc:spChg>
+        <pc:spChg chg="add mod">
+          <ac:chgData name="Erin Buchanan" userId="a202a620-6e05-42b1-a3fc-fcfad0b42cdc" providerId="ADAL" clId="{785FA902-6E67-944C-8DEF-C55885C0C45E}" dt="2019-03-03T23:52:55.473" v="577" actId="20577"/>
+          <ac:spMkLst>
+            <pc:docMk/>
+            <pc:sldMk cId="0" sldId="256"/>
+            <ac:spMk id="32" creationId="{B765583D-9F0C-9C49-BBC7-2AFD24FD671E}"/>
+          </ac:spMkLst>
+        </pc:spChg>
+        <pc:spChg chg="mod">
+          <ac:chgData name="Erin Buchanan" userId="a202a620-6e05-42b1-a3fc-fcfad0b42cdc" providerId="ADAL" clId="{785FA902-6E67-944C-8DEF-C55885C0C45E}" dt="2019-03-03T23:45:28.457" v="52" actId="14100"/>
+          <ac:spMkLst>
+            <pc:docMk/>
+            <pc:sldMk cId="0" sldId="256"/>
+            <ac:spMk id="130" creationId="{00000000-0000-0000-0000-000000000000}"/>
+          </ac:spMkLst>
+        </pc:spChg>
+        <pc:spChg chg="add del">
+          <ac:chgData name="Erin Buchanan" userId="a202a620-6e05-42b1-a3fc-fcfad0b42cdc" providerId="ADAL" clId="{785FA902-6E67-944C-8DEF-C55885C0C45E}" dt="2019-03-03T23:39:03.499" v="10" actId="478"/>
+          <ac:spMkLst>
+            <pc:docMk/>
+            <pc:sldMk cId="0" sldId="256"/>
+            <ac:spMk id="131" creationId="{00000000-0000-0000-0000-000000000000}"/>
+          </ac:spMkLst>
+        </pc:spChg>
+        <pc:spChg chg="mod">
+          <ac:chgData name="Erin Buchanan" userId="a202a620-6e05-42b1-a3fc-fcfad0b42cdc" providerId="ADAL" clId="{785FA902-6E67-944C-8DEF-C55885C0C45E}" dt="2019-03-03T23:47:11.725" v="187" actId="1076"/>
+          <ac:spMkLst>
+            <pc:docMk/>
+            <pc:sldMk cId="0" sldId="256"/>
+            <ac:spMk id="133" creationId="{00000000-0000-0000-0000-000000000000}"/>
+          </ac:spMkLst>
+        </pc:spChg>
+        <pc:spChg chg="mod">
+          <ac:chgData name="Erin Buchanan" userId="a202a620-6e05-42b1-a3fc-fcfad0b42cdc" providerId="ADAL" clId="{785FA902-6E67-944C-8DEF-C55885C0C45E}" dt="2019-03-03T23:48:18.429" v="199" actId="1076"/>
+          <ac:spMkLst>
+            <pc:docMk/>
+            <pc:sldMk cId="0" sldId="256"/>
+            <ac:spMk id="136" creationId="{00000000-0000-0000-0000-000000000000}"/>
+          </ac:spMkLst>
+        </pc:spChg>
+        <pc:spChg chg="mod">
+          <ac:chgData name="Erin Buchanan" userId="a202a620-6e05-42b1-a3fc-fcfad0b42cdc" providerId="ADAL" clId="{785FA902-6E67-944C-8DEF-C55885C0C45E}" dt="2019-03-03T23:47:11.725" v="187" actId="1076"/>
+          <ac:spMkLst>
+            <pc:docMk/>
+            <pc:sldMk cId="0" sldId="256"/>
+            <ac:spMk id="137" creationId="{00000000-0000-0000-0000-000000000000}"/>
+          </ac:spMkLst>
+        </pc:spChg>
+        <pc:spChg chg="mod">
+          <ac:chgData name="Erin Buchanan" userId="a202a620-6e05-42b1-a3fc-fcfad0b42cdc" providerId="ADAL" clId="{785FA902-6E67-944C-8DEF-C55885C0C45E}" dt="2019-03-03T23:47:33.347" v="190" actId="14100"/>
+          <ac:spMkLst>
+            <pc:docMk/>
+            <pc:sldMk cId="0" sldId="256"/>
+            <ac:spMk id="138" creationId="{00000000-0000-0000-0000-000000000000}"/>
+          </ac:spMkLst>
+        </pc:spChg>
+        <pc:spChg chg="del mod">
+          <ac:chgData name="Erin Buchanan" userId="a202a620-6e05-42b1-a3fc-fcfad0b42cdc" providerId="ADAL" clId="{785FA902-6E67-944C-8DEF-C55885C0C45E}" dt="2019-03-03T23:44:01.234" v="38" actId="478"/>
+          <ac:spMkLst>
+            <pc:docMk/>
+            <pc:sldMk cId="0" sldId="256"/>
+            <ac:spMk id="139" creationId="{00000000-0000-0000-0000-000000000000}"/>
+          </ac:spMkLst>
+        </pc:spChg>
+        <pc:spChg chg="del">
+          <ac:chgData name="Erin Buchanan" userId="a202a620-6e05-42b1-a3fc-fcfad0b42cdc" providerId="ADAL" clId="{785FA902-6E67-944C-8DEF-C55885C0C45E}" dt="2019-03-03T23:43:57.861" v="37"/>
+          <ac:spMkLst>
+            <pc:docMk/>
+            <pc:sldMk cId="0" sldId="256"/>
+            <ac:spMk id="140" creationId="{00000000-0000-0000-0000-000000000000}"/>
+          </ac:spMkLst>
+        </pc:spChg>
+        <pc:spChg chg="mod">
+          <ac:chgData name="Erin Buchanan" userId="a202a620-6e05-42b1-a3fc-fcfad0b42cdc" providerId="ADAL" clId="{785FA902-6E67-944C-8DEF-C55885C0C45E}" dt="2019-03-03T23:51:58.332" v="340" actId="20577"/>
+          <ac:spMkLst>
+            <pc:docMk/>
+            <pc:sldMk cId="0" sldId="256"/>
+            <ac:spMk id="141" creationId="{00000000-0000-0000-0000-000000000000}"/>
+          </ac:spMkLst>
+        </pc:spChg>
+        <pc:spChg chg="mod">
+          <ac:chgData name="Erin Buchanan" userId="a202a620-6e05-42b1-a3fc-fcfad0b42cdc" providerId="ADAL" clId="{785FA902-6E67-944C-8DEF-C55885C0C45E}" dt="2019-03-03T23:51:36.395" v="335" actId="14100"/>
+          <ac:spMkLst>
+            <pc:docMk/>
+            <pc:sldMk cId="0" sldId="256"/>
+            <ac:spMk id="144" creationId="{00000000-0000-0000-0000-000000000000}"/>
+          </ac:spMkLst>
+        </pc:spChg>
+        <pc:spChg chg="mod">
+          <ac:chgData name="Erin Buchanan" userId="a202a620-6e05-42b1-a3fc-fcfad0b42cdc" providerId="ADAL" clId="{785FA902-6E67-944C-8DEF-C55885C0C45E}" dt="2019-03-03T23:54:52.370" v="646" actId="255"/>
+          <ac:spMkLst>
+            <pc:docMk/>
+            <pc:sldMk cId="0" sldId="256"/>
+            <ac:spMk id="146" creationId="{00000000-0000-0000-0000-000000000000}"/>
+          </ac:spMkLst>
+        </pc:spChg>
+        <pc:spChg chg="mod">
+          <ac:chgData name="Erin Buchanan" userId="a202a620-6e05-42b1-a3fc-fcfad0b42cdc" providerId="ADAL" clId="{785FA902-6E67-944C-8DEF-C55885C0C45E}" dt="2019-03-03T23:48:05.170" v="196" actId="1076"/>
+          <ac:spMkLst>
+            <pc:docMk/>
+            <pc:sldMk cId="0" sldId="256"/>
+            <ac:spMk id="151" creationId="{00000000-0000-0000-0000-000000000000}"/>
+          </ac:spMkLst>
+        </pc:spChg>
+        <pc:graphicFrameChg chg="mod modGraphic">
+          <ac:chgData name="Erin Buchanan" userId="a202a620-6e05-42b1-a3fc-fcfad0b42cdc" providerId="ADAL" clId="{785FA902-6E67-944C-8DEF-C55885C0C45E}" dt="2019-03-03T23:48:42.533" v="203" actId="14100"/>
+          <ac:graphicFrameMkLst>
+            <pc:docMk/>
+            <pc:sldMk cId="0" sldId="256"/>
+            <ac:graphicFrameMk id="2" creationId="{AFB9EB68-DA19-4713-9623-1B5958025316}"/>
+          </ac:graphicFrameMkLst>
+        </pc:graphicFrameChg>
+        <pc:picChg chg="mod">
+          <ac:chgData name="Erin Buchanan" userId="a202a620-6e05-42b1-a3fc-fcfad0b42cdc" providerId="ADAL" clId="{785FA902-6E67-944C-8DEF-C55885C0C45E}" dt="2019-03-03T23:38:12.953" v="2" actId="1076"/>
+          <ac:picMkLst>
+            <pc:docMk/>
+            <pc:sldMk cId="0" sldId="256"/>
+            <ac:picMk id="148" creationId="{00000000-0000-0000-0000-000000000000}"/>
+          </ac:picMkLst>
+        </pc:picChg>
+        <pc:picChg chg="mod">
+          <ac:chgData name="Erin Buchanan" userId="a202a620-6e05-42b1-a3fc-fcfad0b42cdc" providerId="ADAL" clId="{785FA902-6E67-944C-8DEF-C55885C0C45E}" dt="2019-03-03T23:48:10.277" v="197" actId="1076"/>
+          <ac:picMkLst>
+            <pc:docMk/>
+            <pc:sldMk cId="0" sldId="256"/>
+            <ac:picMk id="1026" creationId="{D64819FC-E0BA-478E-96F5-681F0A38A19D}"/>
+          </ac:picMkLst>
+        </pc:picChg>
+        <pc:picChg chg="mod">
+          <ac:chgData name="Erin Buchanan" userId="a202a620-6e05-42b1-a3fc-fcfad0b42cdc" providerId="ADAL" clId="{785FA902-6E67-944C-8DEF-C55885C0C45E}" dt="2019-03-03T23:49:39.652" v="298" actId="1076"/>
+          <ac:picMkLst>
+            <pc:docMk/>
+            <pc:sldMk cId="0" sldId="256"/>
+            <ac:picMk id="1030" creationId="{E255322A-97DD-4731-B27D-4CBAFDCF2A22}"/>
+          </ac:picMkLst>
+        </pc:picChg>
+        <pc:picChg chg="mod">
+          <ac:chgData name="Erin Buchanan" userId="a202a620-6e05-42b1-a3fc-fcfad0b42cdc" providerId="ADAL" clId="{785FA902-6E67-944C-8DEF-C55885C0C45E}" dt="2019-03-03T23:51:11.999" v="330" actId="1076"/>
+          <ac:picMkLst>
+            <pc:docMk/>
+            <pc:sldMk cId="0" sldId="256"/>
+            <ac:picMk id="1032" creationId="{7AB8D16F-E4FA-49BB-AE0C-C8C2EA0B9216}"/>
+          </ac:picMkLst>
+        </pc:picChg>
+        <pc:picChg chg="mod">
+          <ac:chgData name="Erin Buchanan" userId="a202a620-6e05-42b1-a3fc-fcfad0b42cdc" providerId="ADAL" clId="{785FA902-6E67-944C-8DEF-C55885C0C45E}" dt="2019-03-03T23:49:48.867" v="299" actId="1076"/>
+          <ac:picMkLst>
+            <pc:docMk/>
+            <pc:sldMk cId="0" sldId="256"/>
+            <ac:picMk id="1036" creationId="{91751721-4DA0-4B34-9EF5-442121D3ECF0}"/>
+          </ac:picMkLst>
+        </pc:picChg>
+        <pc:picChg chg="mod">
+          <ac:chgData name="Erin Buchanan" userId="a202a620-6e05-42b1-a3fc-fcfad0b42cdc" providerId="ADAL" clId="{785FA902-6E67-944C-8DEF-C55885C0C45E}" dt="2019-03-03T23:51:23.161" v="332" actId="1076"/>
+          <ac:picMkLst>
+            <pc:docMk/>
+            <pc:sldMk cId="0" sldId="256"/>
+            <ac:picMk id="1040" creationId="{71F878EC-8922-4849-8398-B4526FCCFBB5}"/>
+          </ac:picMkLst>
+        </pc:picChg>
+        <pc:picChg chg="mod">
+          <ac:chgData name="Erin Buchanan" userId="a202a620-6e05-42b1-a3fc-fcfad0b42cdc" providerId="ADAL" clId="{785FA902-6E67-944C-8DEF-C55885C0C45E}" dt="2019-03-03T23:51:23.161" v="332" actId="1076"/>
+          <ac:picMkLst>
+            <pc:docMk/>
+            <pc:sldMk cId="0" sldId="256"/>
+            <ac:picMk id="1044" creationId="{037631C4-FB21-4EF7-B97E-80CF74AC50C1}"/>
+          </ac:picMkLst>
+        </pc:picChg>
+        <pc:cxnChg chg="add mod">
+          <ac:chgData name="Erin Buchanan" userId="a202a620-6e05-42b1-a3fc-fcfad0b42cdc" providerId="ADAL" clId="{785FA902-6E67-944C-8DEF-C55885C0C45E}" dt="2019-03-03T23:45:45.215" v="53" actId="11529"/>
+          <ac:cxnSpMkLst>
+            <pc:docMk/>
+            <pc:sldMk cId="0" sldId="256"/>
+            <ac:cxnSpMk id="5" creationId="{5EC58430-0BAD-1647-BD3C-EE1DE58A2980}"/>
+          </ac:cxnSpMkLst>
+        </pc:cxnChg>
+      </pc:sldChg>
+    </pc:docChg>
+  </pc:docChgLst>
+</pc:chgInfo>
 </file>
 
 <file path=ppt/notesMasters/notesMaster1.xml><?xml version="1.0" encoding="utf-8"?>
@@ -19097,26 +19337,13 @@
         </p:nvSpPr>
         <p:spPr>
           <a:xfrm>
-            <a:off x="-118800" y="0"/>
-            <a:ext cx="44010000" cy="3886200"/>
+            <a:off x="0" y="0"/>
+            <a:ext cx="43891200" cy="3886200"/>
           </a:xfrm>
           <a:prstGeom prst="rect">
             <a:avLst/>
           </a:prstGeom>
-          <a:gradFill>
-            <a:gsLst>
-              <a:gs pos="0">
-                <a:srgbClr val="B6DDE7"/>
-              </a:gs>
-              <a:gs pos="100000">
-                <a:srgbClr val="53AFC8"/>
-              </a:gs>
-            </a:gsLst>
-            <a:path path="circle">
-              <a:fillToRect l="50000" t="50000" r="50000" b="50000"/>
-            </a:path>
-            <a:tileRect/>
-          </a:gradFill>
+          <a:noFill/>
           <a:ln>
             <a:noFill/>
           </a:ln>
@@ -19128,10 +19355,22 @@
           <a:lstStyle/>
           <a:p>
             <a:pPr lvl="0" algn="ctr"/>
+            <a:endParaRPr lang="en-US" sz="7000" b="1" dirty="0">
+              <a:solidFill>
+                <a:schemeClr val="tx1"/>
+              </a:solidFill>
+              <a:latin typeface="Times New Roman" panose="02020603050405020304" pitchFamily="18" charset="0"/>
+              <a:ea typeface="Arial Black"/>
+              <a:cs typeface="Times New Roman" panose="02020603050405020304" pitchFamily="18" charset="0"/>
+              <a:sym typeface="Arial Black"/>
+            </a:endParaRPr>
+          </a:p>
+          <a:p>
+            <a:pPr lvl="0" algn="ctr"/>
             <a:r>
               <a:rPr lang="en-US" sz="7000" b="1" dirty="0">
                 <a:solidFill>
-                  <a:srgbClr val="3F3F3F"/>
+                  <a:schemeClr val="tx1"/>
                 </a:solidFill>
                 <a:latin typeface="Times New Roman" panose="02020603050405020304" pitchFamily="18" charset="0"/>
                 <a:ea typeface="Arial Black"/>
@@ -19142,7 +19381,7 @@
             </a:r>
             <a:endParaRPr sz="1100" b="0" i="0" u="none" strike="noStrike" cap="none" dirty="0">
               <a:solidFill>
-                <a:srgbClr val="0070C0"/>
+                <a:schemeClr val="tx1"/>
               </a:solidFill>
               <a:latin typeface="Abril Fatface"/>
               <a:ea typeface="Abril Fatface"/>
@@ -19212,54 +19451,6 @@
               <a:ea typeface="Arial Black"/>
               <a:cs typeface="Times New Roman" panose="02020603050405020304" pitchFamily="18" charset="0"/>
               <a:sym typeface="Arial Black"/>
-            </a:endParaRPr>
-          </a:p>
-        </p:txBody>
-      </p:sp>
-      <p:sp>
-        <p:nvSpPr>
-          <p:cNvPr id="131" name="Shape 131"/>
-          <p:cNvSpPr txBox="1"/>
-          <p:nvPr/>
-        </p:nvSpPr>
-        <p:spPr>
-          <a:xfrm>
-            <a:off x="0" y="9005401"/>
-            <a:ext cx="43891200" cy="23913000"/>
-          </a:xfrm>
-          <a:prstGeom prst="rect">
-            <a:avLst/>
-          </a:prstGeom>
-          <a:solidFill>
-            <a:srgbClr val="F0F8FA"/>
-          </a:solidFill>
-          <a:ln>
-            <a:noFill/>
-          </a:ln>
-        </p:spPr>
-        <p:txBody>
-          <a:bodyPr spcFirstLastPara="1" wrap="square" lIns="927875" tIns="464025" rIns="464025" bIns="464025" anchor="t" anchorCtr="0">
-            <a:noAutofit/>
-          </a:bodyPr>
-          <a:lstStyle/>
-          <a:p>
-            <a:pPr marL="0" marR="0" lvl="0" indent="0" algn="l" rtl="0">
-              <a:spcBef>
-                <a:spcPts val="1100"/>
-              </a:spcBef>
-              <a:spcAft>
-                <a:spcPts val="0"/>
-              </a:spcAft>
-              <a:buNone/>
-            </a:pPr>
-            <a:endParaRPr sz="3700" b="1" i="0" u="none" strike="noStrike" cap="none">
-              <a:solidFill>
-                <a:srgbClr val="0000FF"/>
-              </a:solidFill>
-              <a:latin typeface="Calibri"/>
-              <a:ea typeface="Calibri"/>
-              <a:cs typeface="Calibri"/>
-              <a:sym typeface="Calibri"/>
             </a:endParaRPr>
           </a:p>
         </p:txBody>
@@ -19318,7 +19509,7 @@
         </p:nvSpPr>
         <p:spPr>
           <a:xfrm>
-            <a:off x="19384050" y="9228523"/>
+            <a:off x="19096800" y="4106942"/>
             <a:ext cx="5260800" cy="1123800"/>
           </a:xfrm>
           <a:prstGeom prst="rect">
@@ -19376,7 +19567,7 @@
         </p:nvSpPr>
         <p:spPr>
           <a:xfrm>
-            <a:off x="3832324" y="17117119"/>
+            <a:off x="3567546" y="19989421"/>
             <a:ext cx="7326600" cy="1123800"/>
           </a:xfrm>
           <a:prstGeom prst="rect">
@@ -19446,7 +19637,7 @@
         </p:nvSpPr>
         <p:spPr>
           <a:xfrm>
-            <a:off x="34137600" y="9165056"/>
+            <a:off x="33850350" y="4043475"/>
             <a:ext cx="5260800" cy="1123800"/>
           </a:xfrm>
           <a:prstGeom prst="rect">
@@ -19504,8 +19695,8 @@
         </p:nvSpPr>
         <p:spPr>
           <a:xfrm>
-            <a:off x="15308972" y="18988904"/>
-            <a:ext cx="13410600" cy="3188632"/>
+            <a:off x="15180899" y="14446173"/>
+            <a:ext cx="13410600" cy="5311398"/>
           </a:xfrm>
           <a:prstGeom prst="rect">
             <a:avLst/>
@@ -19542,244 +19733,13 @@
       </p:sp>
       <p:sp>
         <p:nvSpPr>
-          <p:cNvPr id="139" name="Shape 139"/>
-          <p:cNvSpPr/>
-          <p:nvPr/>
-        </p:nvSpPr>
-        <p:spPr>
-          <a:xfrm>
-            <a:off x="-256650" y="3886200"/>
-            <a:ext cx="44310300" cy="5119200"/>
-          </a:xfrm>
-          <a:prstGeom prst="rect">
-            <a:avLst/>
-          </a:prstGeom>
-          <a:solidFill>
-            <a:schemeClr val="lt1"/>
-          </a:solidFill>
-          <a:ln w="9525" cap="flat" cmpd="sng">
-            <a:solidFill>
-              <a:schemeClr val="dk2"/>
-            </a:solidFill>
-            <a:prstDash val="solid"/>
-            <a:round/>
-            <a:headEnd type="none" w="sm" len="sm"/>
-            <a:tailEnd type="none" w="sm" len="sm"/>
-          </a:ln>
-        </p:spPr>
-        <p:txBody>
-          <a:bodyPr spcFirstLastPara="1" wrap="square" lIns="91425" tIns="91425" rIns="91425" bIns="91425" anchor="ctr" anchorCtr="0">
-            <a:noAutofit/>
-          </a:bodyPr>
-          <a:lstStyle/>
-          <a:p>
-            <a:pPr marL="0" lvl="0" indent="0">
-              <a:spcBef>
-                <a:spcPts val="0"/>
-              </a:spcBef>
-              <a:spcAft>
-                <a:spcPts val="0"/>
-              </a:spcAft>
-              <a:buNone/>
-            </a:pPr>
-            <a:endParaRPr/>
-          </a:p>
-        </p:txBody>
-      </p:sp>
-      <p:sp>
-        <p:nvSpPr>
-          <p:cNvPr id="140" name="Shape 140"/>
-          <p:cNvSpPr txBox="1"/>
-          <p:nvPr/>
-        </p:nvSpPr>
-        <p:spPr>
-          <a:xfrm>
-            <a:off x="526350" y="3851439"/>
-            <a:ext cx="42823500" cy="5280894"/>
-          </a:xfrm>
-          <a:prstGeom prst="rect">
-            <a:avLst/>
-          </a:prstGeom>
-          <a:noFill/>
-          <a:ln>
-            <a:noFill/>
-          </a:ln>
-        </p:spPr>
-        <p:txBody>
-          <a:bodyPr spcFirstLastPara="1" wrap="square" lIns="91425" tIns="91425" rIns="91425" bIns="91425" anchor="ctr" anchorCtr="0">
-            <a:noAutofit/>
-          </a:bodyPr>
-          <a:lstStyle/>
-          <a:p>
-            <a:pPr lvl="0" algn="just"/>
-            <a:r>
-              <a:rPr lang="en-US" sz="3200" dirty="0">
-                <a:solidFill>
-                  <a:schemeClr val="dk1"/>
-                </a:solidFill>
-                <a:latin typeface="Times New Roman"/>
-                <a:ea typeface="Times New Roman"/>
-                <a:cs typeface="Times New Roman"/>
-                <a:sym typeface="Times New Roman"/>
-              </a:rPr>
-              <a:t>Progress in science depends on collaboration, but much of the scientific process happens out of sight in the lab, and often only the final publication is available. This process has led to problems such as p-hacking, analysis errors, and mass failure to replicate—all without the potential for detection and, ultimately, correction. One potential solution is to make the research process more public. Brian </a:t>
-            </a:r>
-            <a:r>
-              <a:rPr lang="en-US" sz="3200" dirty="0" err="1">
-                <a:solidFill>
-                  <a:schemeClr val="dk1"/>
-                </a:solidFill>
-                <a:latin typeface="Times New Roman"/>
-                <a:ea typeface="Times New Roman"/>
-                <a:cs typeface="Times New Roman"/>
-                <a:sym typeface="Times New Roman"/>
-              </a:rPr>
-              <a:t>Nosek</a:t>
-            </a:r>
-            <a:r>
-              <a:rPr lang="en-US" sz="3200" dirty="0">
-                <a:solidFill>
-                  <a:schemeClr val="dk1"/>
-                </a:solidFill>
-                <a:latin typeface="Times New Roman"/>
-                <a:ea typeface="Times New Roman"/>
-                <a:cs typeface="Times New Roman"/>
-                <a:sym typeface="Times New Roman"/>
-              </a:rPr>
-              <a:t> and Jeffrey Spies began the Open Science movement to aid other scientists by creating an online platform in which they could openly record, report, and share data (Nelson, Simmons, &amp; </a:t>
-            </a:r>
-            <a:r>
-              <a:rPr lang="en-US" sz="3200" dirty="0" err="1">
-                <a:solidFill>
-                  <a:schemeClr val="dk1"/>
-                </a:solidFill>
-                <a:latin typeface="Times New Roman"/>
-                <a:ea typeface="Times New Roman"/>
-                <a:cs typeface="Times New Roman"/>
-                <a:sym typeface="Times New Roman"/>
-              </a:rPr>
-              <a:t>Simonsohn</a:t>
-            </a:r>
-            <a:r>
-              <a:rPr lang="en-US" sz="3200" dirty="0">
-                <a:solidFill>
-                  <a:schemeClr val="dk1"/>
-                </a:solidFill>
-                <a:latin typeface="Times New Roman"/>
-                <a:ea typeface="Times New Roman"/>
-                <a:cs typeface="Times New Roman"/>
-                <a:sym typeface="Times New Roman"/>
-              </a:rPr>
-              <a:t>, 2018)</a:t>
-            </a:r>
-            <a:r>
-              <a:rPr lang="en-US" sz="3200" baseline="30000" dirty="0">
-                <a:solidFill>
-                  <a:schemeClr val="dk1"/>
-                </a:solidFill>
-                <a:latin typeface="Times New Roman"/>
-                <a:ea typeface="Times New Roman"/>
-                <a:cs typeface="Times New Roman"/>
-                <a:sym typeface="Times New Roman"/>
-              </a:rPr>
-              <a:t>1</a:t>
-            </a:r>
-            <a:r>
-              <a:rPr lang="en-US" sz="3200" dirty="0">
-                <a:solidFill>
-                  <a:schemeClr val="dk1"/>
-                </a:solidFill>
-                <a:latin typeface="Times New Roman"/>
-                <a:ea typeface="Times New Roman"/>
-                <a:cs typeface="Times New Roman"/>
-                <a:sym typeface="Times New Roman"/>
-              </a:rPr>
-              <a:t>. Open data is beneficial for both individual researchers and science, because it facilitates the spread of knowledge and improvements in research. In fields where p-hacking and false positives run rampant, such as psychology, open data discourages fraud and makes replication more likely (Piwowar, 2013)</a:t>
-            </a:r>
-            <a:r>
-              <a:rPr lang="en-US" sz="3200" baseline="30000" dirty="0">
-                <a:solidFill>
-                  <a:schemeClr val="dk1"/>
-                </a:solidFill>
-                <a:latin typeface="Times New Roman"/>
-                <a:ea typeface="Times New Roman"/>
-                <a:cs typeface="Times New Roman"/>
-                <a:sym typeface="Times New Roman"/>
-              </a:rPr>
-              <a:t> 2</a:t>
-            </a:r>
-            <a:r>
-              <a:rPr lang="en-US" sz="3200" dirty="0">
-                <a:solidFill>
-                  <a:schemeClr val="dk1"/>
-                </a:solidFill>
-                <a:latin typeface="Times New Roman"/>
-                <a:ea typeface="Times New Roman"/>
-                <a:cs typeface="Times New Roman"/>
-                <a:sym typeface="Times New Roman"/>
-              </a:rPr>
-              <a:t>. Still, many researchers have concerns about opening their data. Concerns include copyright laws, time spent working to make data open, and, perhaps most importantly, participant confidentiality. We believe, nonetheless, that data can safely be made open in most cases. One way to make data more open is to use and share a data dictionary: a document that contains metadata describing a dataset. Metadata documents help researchers understand the dataset more efficiently and can allow for more closely matched replications. We looked into three potential data dictionary creators, each with its own benefits and limitations. Each researcher can choose which works best for his or her data and research goals. Codebook has the simplest procedure and provides useful information such as histograms, but allows only limited editing of information. </a:t>
-            </a:r>
-            <a:r>
-              <a:rPr lang="en-US" sz="3200" dirty="0" err="1">
-                <a:solidFill>
-                  <a:schemeClr val="dk1"/>
-                </a:solidFill>
-                <a:latin typeface="Times New Roman"/>
-                <a:ea typeface="Times New Roman"/>
-                <a:cs typeface="Times New Roman"/>
-                <a:sym typeface="Times New Roman"/>
-              </a:rPr>
-              <a:t>DataSpice</a:t>
-            </a:r>
-            <a:r>
-              <a:rPr lang="en-US" sz="3200" dirty="0">
-                <a:solidFill>
-                  <a:schemeClr val="dk1"/>
-                </a:solidFill>
-                <a:latin typeface="Times New Roman"/>
-                <a:ea typeface="Times New Roman"/>
-                <a:cs typeface="Times New Roman"/>
-                <a:sym typeface="Times New Roman"/>
-              </a:rPr>
-              <a:t> 2.0 works well in conjunction with Schema.org, which is a standardized set of practices for sharing computer readable information. Finally, DD Creator requires more data entry input but allows for more detailed descriptions, such as levels of a variable. It also outputs a data file with attributes embedded (</a:t>
-            </a:r>
-            <a:r>
-              <a:rPr lang="en-US" sz="3200" dirty="0" err="1">
-                <a:solidFill>
-                  <a:schemeClr val="dk1"/>
-                </a:solidFill>
-                <a:latin typeface="Times New Roman"/>
-                <a:ea typeface="Times New Roman"/>
-                <a:cs typeface="Times New Roman"/>
-                <a:sym typeface="Times New Roman"/>
-              </a:rPr>
-              <a:t>Rdata</a:t>
-            </a:r>
-            <a:r>
-              <a:rPr lang="en-US" sz="3200" dirty="0">
-                <a:solidFill>
-                  <a:schemeClr val="dk1"/>
-                </a:solidFill>
-                <a:latin typeface="Times New Roman"/>
-                <a:ea typeface="Times New Roman"/>
-                <a:cs typeface="Times New Roman"/>
-                <a:sym typeface="Times New Roman"/>
-              </a:rPr>
-              <a:t>). This project fits in with the broader perspective of the Psychological Data Structure project, which is creating specifications on open data practices. We highlight some of each app’s features below.</a:t>
-            </a:r>
-          </a:p>
-        </p:txBody>
-      </p:sp>
-      <p:sp>
-        <p:nvSpPr>
           <p:cNvPr id="141" name="Shape 141"/>
           <p:cNvSpPr txBox="1"/>
           <p:nvPr/>
         </p:nvSpPr>
         <p:spPr>
           <a:xfrm>
-            <a:off x="29534849" y="17868270"/>
+            <a:off x="29356825" y="13274066"/>
             <a:ext cx="13891800" cy="4181733"/>
           </a:xfrm>
           <a:prstGeom prst="rect">
@@ -19804,32 +19764,8 @@
                 <a:cs typeface="Times New Roman"/>
                 <a:sym typeface="Times New Roman"/>
               </a:rPr>
-              <a:t>DD Creator allows a user to enter metadata for each column provided in the dataset, while automatically providing a starting point for the number of unique values, missing values, variable type (i.e., character, numeric), and minimum/maximum values. A description of each column can be added, along with information about the levels/groups in the data and synonyms for the variables. On a separate page, category labels can be provided for both character and numeric data (i.e., Likert-type scales that include labeled numbers). The screenshots below display examples of these pages.</a:t>
+              <a:t>DD Creator allows a user to enter metadata for each column provided in the dataset, while automatically providing a starting point for the number of unique values, missing values, variable type (i.e., character, numeric), and minimum/maximum values. A description of each column can be added, along with information about the levels/groups in the data and synonyms for the variables. On a separate page, category labels can be provided for both character and numeric data (i.e., Likert-type scales that include labeled numbers). </a:t>
             </a:r>
-            <a:endParaRPr sz="3200" dirty="0"/>
-          </a:p>
-          <a:p>
-            <a:pPr marL="0" lvl="0" indent="0">
-              <a:spcBef>
-                <a:spcPts val="0"/>
-              </a:spcBef>
-              <a:spcAft>
-                <a:spcPts val="0"/>
-              </a:spcAft>
-              <a:buNone/>
-            </a:pPr>
-            <a:endParaRPr sz="2500" dirty="0"/>
-          </a:p>
-          <a:p>
-            <a:pPr marL="0" lvl="0" indent="0">
-              <a:spcBef>
-                <a:spcPts val="0"/>
-              </a:spcBef>
-              <a:spcAft>
-                <a:spcPts val="0"/>
-              </a:spcAft>
-              <a:buNone/>
-            </a:pPr>
             <a:endParaRPr sz="2500" dirty="0"/>
           </a:p>
           <a:p>
@@ -20118,8 +20054,8 @@
         </p:nvSpPr>
         <p:spPr>
           <a:xfrm>
-            <a:off x="29356825" y="28530566"/>
-            <a:ext cx="14094300" cy="4181733"/>
+            <a:off x="29356825" y="26257678"/>
+            <a:ext cx="14094300" cy="6454621"/>
           </a:xfrm>
           <a:prstGeom prst="rect">
             <a:avLst/>
@@ -20148,7 +20084,7 @@
               <a:buNone/>
             </a:pPr>
             <a:r>
-              <a:rPr lang="en" sz="2200" b="1" dirty="0">
+              <a:rPr lang="en" sz="3000" b="1" dirty="0">
                 <a:solidFill>
                   <a:schemeClr val="dk1"/>
                 </a:solidFill>
@@ -20159,7 +20095,7 @@
               </a:rPr>
               <a:t>References</a:t>
             </a:r>
-            <a:endParaRPr sz="2200" dirty="0">
+            <a:endParaRPr sz="3000" dirty="0">
               <a:solidFill>
                 <a:schemeClr val="dk1"/>
               </a:solidFill>
@@ -20179,7 +20115,7 @@
               <a:buAutoNum type="arabicPeriod"/>
             </a:pPr>
             <a:r>
-              <a:rPr lang="en-US" sz="2200" dirty="0">
+              <a:rPr lang="en-US" sz="3000" dirty="0">
                 <a:solidFill>
                   <a:schemeClr val="dk1"/>
                 </a:solidFill>
@@ -20191,7 +20127,7 @@
               <a:t>Nelson, L. D., Simmons, J., &amp; </a:t>
             </a:r>
             <a:r>
-              <a:rPr lang="en-US" sz="2200" dirty="0" err="1">
+              <a:rPr lang="en-US" sz="3000" dirty="0" err="1">
                 <a:solidFill>
                   <a:schemeClr val="dk1"/>
                 </a:solidFill>
@@ -20203,7 +20139,7 @@
               <a:t>Simonsohn</a:t>
             </a:r>
             <a:r>
-              <a:rPr lang="en-US" sz="2200" dirty="0">
+              <a:rPr lang="en-US" sz="3000" dirty="0">
                 <a:solidFill>
                   <a:schemeClr val="dk1"/>
                 </a:solidFill>
@@ -20215,7 +20151,7 @@
               <a:t>, U. (2018). Psychology’s Renaissance. </a:t>
             </a:r>
             <a:r>
-              <a:rPr lang="en-US" sz="2200" i="1" dirty="0">
+              <a:rPr lang="en-US" sz="3000" i="1" dirty="0">
                 <a:solidFill>
                   <a:schemeClr val="dk1"/>
                 </a:solidFill>
@@ -20227,7 +20163,7 @@
               <a:t>Annual Review of Psychology, 69</a:t>
             </a:r>
             <a:r>
-              <a:rPr lang="en-US" sz="2200" dirty="0">
+              <a:rPr lang="en-US" sz="3000" dirty="0">
                 <a:solidFill>
                   <a:schemeClr val="dk1"/>
                 </a:solidFill>
@@ -20249,7 +20185,7 @@
               <a:buAutoNum type="arabicPeriod"/>
             </a:pPr>
             <a:r>
-              <a:rPr lang="en-US" sz="2200" dirty="0">
+              <a:rPr lang="en-US" sz="3000" dirty="0">
                 <a:solidFill>
                   <a:schemeClr val="dk1"/>
                 </a:solidFill>
@@ -20261,7 +20197,7 @@
               <a:t>Piwowar, H. A., &amp; Vision, T. J. (2013). Data reuse and the open data citation advantage. </a:t>
             </a:r>
             <a:r>
-              <a:rPr lang="en-US" sz="2200" i="1" dirty="0" err="1">
+              <a:rPr lang="en-US" sz="3000" i="1" dirty="0" err="1">
                 <a:solidFill>
                   <a:schemeClr val="dk1"/>
                 </a:solidFill>
@@ -20273,7 +20209,7 @@
               <a:t>PeerJ</a:t>
             </a:r>
             <a:r>
-              <a:rPr lang="en-US" sz="2200" i="1" dirty="0">
+              <a:rPr lang="en-US" sz="3000" i="1" dirty="0">
                 <a:solidFill>
                   <a:schemeClr val="dk1"/>
                 </a:solidFill>
@@ -20285,7 +20221,7 @@
               <a:t>, 1</a:t>
             </a:r>
             <a:r>
-              <a:rPr lang="en-US" sz="2200" dirty="0">
+              <a:rPr lang="en-US" sz="3000" dirty="0">
                 <a:solidFill>
                   <a:schemeClr val="dk1"/>
                 </a:solidFill>
@@ -20307,7 +20243,7 @@
               <a:buAutoNum type="arabicPeriod"/>
             </a:pPr>
             <a:r>
-              <a:rPr lang="en-US" sz="2200" dirty="0">
+              <a:rPr lang="en-US" sz="3000" dirty="0">
                 <a:solidFill>
                   <a:schemeClr val="dk1"/>
                 </a:solidFill>
@@ -20329,7 +20265,7 @@
               <a:buAutoNum type="arabicPeriod"/>
             </a:pPr>
             <a:r>
-              <a:rPr lang="en-US" sz="2200" dirty="0">
+              <a:rPr lang="en-US" sz="3000" dirty="0">
                 <a:solidFill>
                   <a:schemeClr val="dk1"/>
                 </a:solidFill>
@@ -20341,7 +20277,7 @@
               <a:t>Boettiger, C., Chamberlain, S., Fournier, A., </a:t>
             </a:r>
             <a:r>
-              <a:rPr lang="en-US" sz="2200" dirty="0" err="1">
+              <a:rPr lang="en-US" sz="3000" dirty="0" err="1">
                 <a:solidFill>
                   <a:schemeClr val="dk1"/>
                 </a:solidFill>
@@ -20353,7 +20289,7 @@
               <a:t>Hondula</a:t>
             </a:r>
             <a:r>
-              <a:rPr lang="en-US" sz="2200" dirty="0">
+              <a:rPr lang="en-US" sz="3000" dirty="0">
                 <a:solidFill>
                   <a:schemeClr val="dk1"/>
                 </a:solidFill>
@@ -20365,7 +20301,7 @@
               <a:t>, K., </a:t>
             </a:r>
             <a:r>
-              <a:rPr lang="en-US" sz="2200" dirty="0" err="1">
+              <a:rPr lang="en-US" sz="3000" dirty="0" err="1">
                 <a:solidFill>
                   <a:schemeClr val="dk1"/>
                 </a:solidFill>
@@ -20377,7 +20313,7 @@
               <a:t>Krystalli</a:t>
             </a:r>
             <a:r>
-              <a:rPr lang="en-US" sz="2200" dirty="0">
+              <a:rPr lang="en-US" sz="3000" dirty="0">
                 <a:solidFill>
                   <a:schemeClr val="dk1"/>
                 </a:solidFill>
@@ -20389,7 +20325,7 @@
               <a:t>, A., Mecum, B., … Woo, K. (2018, October 10). </a:t>
             </a:r>
             <a:r>
-              <a:rPr lang="en-US" sz="2200" dirty="0" err="1">
+              <a:rPr lang="en-US" sz="3000" dirty="0" err="1">
                 <a:solidFill>
                   <a:schemeClr val="dk1"/>
                 </a:solidFill>
@@ -20401,7 +20337,7 @@
               <a:t>dataspice</a:t>
             </a:r>
             <a:r>
-              <a:rPr lang="en-US" sz="2200" dirty="0">
+              <a:rPr lang="en-US" sz="3000" dirty="0">
                 <a:solidFill>
                   <a:schemeClr val="dk1"/>
                 </a:solidFill>
@@ -20423,7 +20359,7 @@
               <a:buAutoNum type="arabicPeriod"/>
             </a:pPr>
             <a:r>
-              <a:rPr lang="en-US" sz="2200" dirty="0" err="1">
+              <a:rPr lang="en-US" sz="3000" dirty="0" err="1">
                 <a:solidFill>
                   <a:schemeClr val="dk1"/>
                 </a:solidFill>
@@ -20435,7 +20371,7 @@
               <a:t>DeBruine</a:t>
             </a:r>
             <a:r>
-              <a:rPr lang="en-US" sz="2200" dirty="0">
+              <a:rPr lang="en-US" sz="3000" dirty="0">
                 <a:solidFill>
                   <a:schemeClr val="dk1"/>
                 </a:solidFill>
@@ -20447,7 +20383,7 @@
               <a:t>, L., Buchanan, E. M., &amp; Mohr, A. H. (2018, July 1). </a:t>
             </a:r>
             <a:r>
-              <a:rPr lang="en-US" sz="2200" dirty="0" err="1">
+              <a:rPr lang="en-US" sz="3000" dirty="0" err="1">
                 <a:solidFill>
                   <a:schemeClr val="dk1"/>
                 </a:solidFill>
@@ -20459,7 +20395,7 @@
               <a:t>ddcreator</a:t>
             </a:r>
             <a:r>
-              <a:rPr lang="en-US" sz="2200" dirty="0">
+              <a:rPr lang="en-US" sz="3000" dirty="0">
                 <a:solidFill>
                   <a:schemeClr val="dk1"/>
                 </a:solidFill>
@@ -20470,7 +20406,7 @@
               </a:rPr>
               <a:t>. Retrieved November 24, 2018, from https://github.com/debruine/ddcreator</a:t>
             </a:r>
-            <a:endParaRPr sz="2200" dirty="0">
+            <a:endParaRPr sz="3000" dirty="0">
               <a:solidFill>
                 <a:schemeClr val="dk1"/>
               </a:solidFill>
@@ -20490,8 +20426,8 @@
         </p:nvSpPr>
         <p:spPr>
           <a:xfrm>
-            <a:off x="1547945" y="29530864"/>
-            <a:ext cx="13410600" cy="2709112"/>
+            <a:off x="15129329" y="27690207"/>
+            <a:ext cx="13926456" cy="4181733"/>
           </a:xfrm>
           <a:prstGeom prst="rect">
             <a:avLst/>
@@ -20507,17 +20443,18 @@
           </a:bodyPr>
           <a:lstStyle/>
           <a:p>
-            <a:pPr marL="0" lvl="0" indent="0">
-              <a:spcBef>
-                <a:spcPts val="0"/>
-              </a:spcBef>
-              <a:spcAft>
-                <a:spcPts val="0"/>
-              </a:spcAft>
-              <a:buNone/>
+            <a:pPr marL="457200" lvl="0" indent="-457200">
+              <a:spcBef>
+                <a:spcPts val="0"/>
+              </a:spcBef>
+              <a:spcAft>
+                <a:spcPts val="0"/>
+              </a:spcAft>
+              <a:buFont typeface="Arial" panose="020B0604020202020204" pitchFamily="34" charset="0"/>
+              <a:buChar char="•"/>
             </a:pPr>
             <a:r>
-              <a:rPr lang="en" sz="3000" dirty="0">
+              <a:rPr lang="en" sz="3200" dirty="0">
                 <a:solidFill>
                   <a:schemeClr val="dk1"/>
                 </a:solidFill>
@@ -20529,7 +20466,7 @@
               <a:t>For more information, please </a:t>
             </a:r>
             <a:r>
-              <a:rPr lang="en-US" sz="3000" dirty="0">
+              <a:rPr lang="en-US" sz="3200" dirty="0">
                 <a:solidFill>
                   <a:schemeClr val="dk1"/>
                 </a:solidFill>
@@ -20541,7 +20478,7 @@
               <a:t>contact Arielle Cunningham </a:t>
             </a:r>
             <a:r>
-              <a:rPr lang="en" sz="3000" dirty="0">
+              <a:rPr lang="en" sz="3200" dirty="0">
                 <a:solidFill>
                   <a:schemeClr val="dk1"/>
                 </a:solidFill>
@@ -20553,7 +20490,7 @@
               <a:t>at:  </a:t>
             </a:r>
             <a:r>
-              <a:rPr lang="en-US" sz="3000" dirty="0">
+              <a:rPr lang="en-US" sz="3200" dirty="0">
                 <a:solidFill>
                   <a:schemeClr val="dk1"/>
                 </a:solidFill>
@@ -20566,7 +20503,7 @@
               <a:t>arielle924@live.missouristate.edu</a:t>
             </a:r>
             <a:r>
-              <a:rPr lang="en-US" sz="3000" dirty="0">
+              <a:rPr lang="en-US" sz="3200" dirty="0">
                 <a:solidFill>
                   <a:schemeClr val="dk1"/>
                 </a:solidFill>
@@ -20577,7 +20514,50 @@
               </a:rPr>
               <a:t> </a:t>
             </a:r>
-            <a:endParaRPr lang="en" sz="3000" dirty="0">
+          </a:p>
+          <a:p>
+            <a:pPr marL="457200" lvl="0" indent="-457200">
+              <a:buFont typeface="Arial" panose="020B0604020202020204" pitchFamily="34" charset="0"/>
+              <a:buChar char="•"/>
+            </a:pPr>
+            <a:r>
+              <a:rPr lang="en-US" sz="3200" dirty="0">
+                <a:solidFill>
+                  <a:schemeClr val="dk1"/>
+                </a:solidFill>
+                <a:latin typeface="Times New Roman"/>
+                <a:ea typeface="Times New Roman"/>
+                <a:cs typeface="Times New Roman"/>
+                <a:sym typeface="Times New Roman"/>
+              </a:rPr>
+              <a:t>Check out the Open Science Page and research tutorial paper at: </a:t>
+            </a:r>
+            <a:r>
+              <a:rPr lang="en-US" sz="3200" dirty="0">
+                <a:solidFill>
+                  <a:schemeClr val="dk1"/>
+                </a:solidFill>
+                <a:latin typeface="Times New Roman"/>
+                <a:ea typeface="Times New Roman"/>
+                <a:cs typeface="Times New Roman"/>
+                <a:sym typeface="Times New Roman"/>
+                <a:hlinkClick r:id="rId4"/>
+              </a:rPr>
+              <a:t>https://osf.io/3y2ex/</a:t>
+            </a:r>
+            <a:r>
+              <a:rPr lang="en-US" sz="3200" dirty="0">
+                <a:solidFill>
+                  <a:schemeClr val="dk1"/>
+                </a:solidFill>
+                <a:latin typeface="Times New Roman"/>
+                <a:ea typeface="Times New Roman"/>
+                <a:cs typeface="Times New Roman"/>
+                <a:sym typeface="Times New Roman"/>
+              </a:rPr>
+              <a:t> </a:t>
+            </a:r>
+            <a:endParaRPr lang="en" sz="3200" dirty="0">
               <a:solidFill>
                 <a:schemeClr val="dk1"/>
               </a:solidFill>
@@ -20588,9 +20568,12 @@
             </a:endParaRPr>
           </a:p>
           <a:p>
-            <a:pPr lvl="0"/>
+            <a:pPr marL="457200" lvl="0" indent="-457200">
+              <a:buFont typeface="Arial" panose="020B0604020202020204" pitchFamily="34" charset="0"/>
+              <a:buChar char="•"/>
+            </a:pPr>
             <a:r>
-              <a:rPr lang="en" sz="3000" dirty="0">
+              <a:rPr lang="en" sz="3200" dirty="0">
                 <a:solidFill>
                   <a:schemeClr val="dk1"/>
                 </a:solidFill>
@@ -20602,7 +20585,7 @@
               <a:t>Check out </a:t>
             </a:r>
             <a:r>
-              <a:rPr lang="en-US" sz="3000" dirty="0">
+              <a:rPr lang="en-US" sz="3200" dirty="0">
                 <a:solidFill>
                   <a:schemeClr val="dk1"/>
                 </a:solidFill>
@@ -20614,7 +20597,7 @@
               <a:t>the </a:t>
             </a:r>
             <a:r>
-              <a:rPr lang="en-US" sz="3000" dirty="0" err="1">
+              <a:rPr lang="en-US" sz="3200" dirty="0" err="1">
                 <a:solidFill>
                   <a:schemeClr val="dk1"/>
                 </a:solidFill>
@@ -20626,7 +20609,7 @@
               <a:t>DataSchema</a:t>
             </a:r>
             <a:r>
-              <a:rPr lang="en" sz="3000" dirty="0">
+              <a:rPr lang="en" sz="3200" dirty="0">
                 <a:solidFill>
                   <a:schemeClr val="dk1"/>
                 </a:solidFill>
@@ -20638,7 +20621,7 @@
               <a:t> code at</a:t>
             </a:r>
             <a:r>
-              <a:rPr lang="en-US" sz="3000" dirty="0">
+              <a:rPr lang="en-US" sz="3200" dirty="0">
                 <a:solidFill>
                   <a:schemeClr val="dk1"/>
                 </a:solidFill>
@@ -20650,7 +20633,7 @@
               <a:t>: </a:t>
             </a:r>
             <a:r>
-              <a:rPr lang="en-US" sz="3000" dirty="0">
+              <a:rPr lang="en-US" sz="3200" dirty="0">
                 <a:solidFill>
                   <a:schemeClr val="dk1"/>
                 </a:solidFill>
@@ -20658,12 +20641,12 @@
                 <a:ea typeface="Times New Roman"/>
                 <a:cs typeface="Times New Roman"/>
                 <a:sym typeface="Times New Roman"/>
-                <a:hlinkClick r:id="rId4"/>
+                <a:hlinkClick r:id="rId5"/>
               </a:rPr>
               <a:t>https://github.com/doomlab/shiny-server/tree/master/MOTE</a:t>
             </a:r>
             <a:r>
-              <a:rPr lang="en-US" sz="3000" dirty="0">
+              <a:rPr lang="en-US" sz="3200" dirty="0">
                 <a:solidFill>
                   <a:schemeClr val="dk1"/>
                 </a:solidFill>
@@ -20676,9 +20659,12 @@
             </a:r>
           </a:p>
           <a:p>
-            <a:pPr lvl="0"/>
+            <a:pPr marL="457200" lvl="0" indent="-457200">
+              <a:buFont typeface="Arial" panose="020B0604020202020204" pitchFamily="34" charset="0"/>
+              <a:buChar char="•"/>
+            </a:pPr>
             <a:r>
-              <a:rPr lang="en-US" sz="3000" dirty="0">
+              <a:rPr lang="en-US" sz="3200" dirty="0">
                 <a:solidFill>
                   <a:schemeClr val="dk1"/>
                 </a:solidFill>
@@ -20690,7 +20676,7 @@
               <a:t>Check out the DD Creator code at </a:t>
             </a:r>
             <a:r>
-              <a:rPr lang="en-US" sz="3000" dirty="0">
+              <a:rPr lang="en-US" sz="3200" dirty="0">
                 <a:solidFill>
                   <a:schemeClr val="dk1"/>
                 </a:solidFill>
@@ -20698,12 +20684,12 @@
                 <a:ea typeface="Times New Roman"/>
                 <a:cs typeface="Times New Roman"/>
                 <a:sym typeface="Times New Roman"/>
-                <a:hlinkClick r:id="rId5"/>
+                <a:hlinkClick r:id="rId6"/>
               </a:rPr>
               <a:t>https://github.com/doomlab/data-dictionary/tree/master/ddcreator</a:t>
             </a:r>
             <a:r>
-              <a:rPr lang="en-US" sz="3000" dirty="0">
+              <a:rPr lang="en-US" sz="3200" dirty="0">
                 <a:solidFill>
                   <a:schemeClr val="dk1"/>
                 </a:solidFill>
@@ -20736,7 +20722,7 @@
           <p:nvPr/>
         </p:nvPicPr>
         <p:blipFill>
-          <a:blip r:embed="rId6">
+          <a:blip r:embed="rId7">
             <a:alphaModFix/>
           </a:blip>
           <a:stretch>
@@ -20764,7 +20750,7 @@
           <p:nvPr/>
         </p:nvPicPr>
         <p:blipFill rotWithShape="1">
-          <a:blip r:embed="rId7">
+          <a:blip r:embed="rId8">
             <a:alphaModFix/>
           </a:blip>
           <a:srcRect r="37926"/>
@@ -20772,7 +20758,7 @@
         </p:blipFill>
         <p:spPr>
           <a:xfrm>
-            <a:off x="-256650" y="771750"/>
+            <a:off x="-256650" y="825732"/>
             <a:ext cx="7071601" cy="2673929"/>
           </a:xfrm>
           <a:prstGeom prst="rect">
@@ -20792,8 +20778,8 @@
         </p:nvSpPr>
         <p:spPr>
           <a:xfrm>
-            <a:off x="549750" y="26408626"/>
-            <a:ext cx="13702870" cy="2623574"/>
+            <a:off x="607920" y="29767233"/>
+            <a:ext cx="13926456" cy="2623574"/>
           </a:xfrm>
           <a:prstGeom prst="rect">
             <a:avLst/>
@@ -20843,14 +20829,14 @@
           <p:nvPr>
             <p:extLst>
               <p:ext uri="{D42A27DB-BD31-4B8C-83A1-F6EECF244321}">
-                <p14:modId xmlns:p14="http://schemas.microsoft.com/office/powerpoint/2010/main" val="3777251041"/>
+                <p14:modId xmlns:p14="http://schemas.microsoft.com/office/powerpoint/2010/main" val="3511877313"/>
               </p:ext>
             </p:extLst>
           </p:nvPr>
         </p:nvGraphicFramePr>
         <p:xfrm>
-          <a:off x="549750" y="10290993"/>
-          <a:ext cx="13926457" cy="6548120"/>
+          <a:off x="383046" y="10854099"/>
+          <a:ext cx="13986221" cy="9135322"/>
         </p:xfrm>
         <a:graphic>
           <a:graphicData uri="http://schemas.openxmlformats.org/drawingml/2006/table">
@@ -20859,28 +20845,28 @@
                 <a:tableStyleId>{9D7B26C5-4107-4FEC-AEDC-1716B250A1EF}</a:tableStyleId>
               </a:tblPr>
               <a:tblGrid>
-                <a:gridCol w="1807455">
+                <a:gridCol w="1815212">
                   <a:extLst>
                     <a:ext uri="{9D8B030D-6E8A-4147-A177-3AD203B41FA5}">
                       <a16:colId xmlns:a16="http://schemas.microsoft.com/office/drawing/2014/main" val="2598367570"/>
                     </a:ext>
                   </a:extLst>
                 </a:gridCol>
-                <a:gridCol w="3647642">
+                <a:gridCol w="3663295">
                   <a:extLst>
                     <a:ext uri="{9D8B030D-6E8A-4147-A177-3AD203B41FA5}">
                       <a16:colId xmlns:a16="http://schemas.microsoft.com/office/drawing/2014/main" val="3042147170"/>
                     </a:ext>
                   </a:extLst>
                 </a:gridCol>
-                <a:gridCol w="3151103">
+                <a:gridCol w="3164626">
                   <a:extLst>
                     <a:ext uri="{9D8B030D-6E8A-4147-A177-3AD203B41FA5}">
                       <a16:colId xmlns:a16="http://schemas.microsoft.com/office/drawing/2014/main" val="3604015598"/>
                     </a:ext>
                   </a:extLst>
                 </a:gridCol>
-                <a:gridCol w="5320257">
+                <a:gridCol w="5343088">
                   <a:extLst>
                     <a:ext uri="{9D8B030D-6E8A-4147-A177-3AD203B41FA5}">
                       <a16:colId xmlns:a16="http://schemas.microsoft.com/office/drawing/2014/main" val="83359757"/>
@@ -20888,7 +20874,7 @@
                   </a:extLst>
                 </a:gridCol>
               </a:tblGrid>
-              <a:tr h="0">
+              <a:tr h="1128267">
                 <a:tc>
                   <a:txBody>
                     <a:bodyPr/>
@@ -20896,12 +20882,16 @@
                     <a:p>
                       <a:pPr fontAlgn="t"/>
                       <a:br>
-                        <a:rPr lang="en-US" sz="2400" dirty="0">
+                        <a:rPr lang="en-US" sz="3200" dirty="0">
                           <a:effectLst/>
+                          <a:latin typeface="Times New Roman" panose="02020603050405020304" pitchFamily="18" charset="0"/>
+                          <a:cs typeface="Times New Roman" panose="02020603050405020304" pitchFamily="18" charset="0"/>
                         </a:rPr>
                       </a:br>
-                      <a:endParaRPr lang="en-US" sz="2400" dirty="0">
+                      <a:endParaRPr lang="en-US" sz="3200" dirty="0">
                         <a:effectLst/>
+                        <a:latin typeface="Times New Roman" panose="02020603050405020304" pitchFamily="18" charset="0"/>
+                        <a:cs typeface="Times New Roman" panose="02020603050405020304" pitchFamily="18" charset="0"/>
                       </a:endParaRPr>
                     </a:p>
                   </a:txBody>
@@ -20921,13 +20911,17 @@
                         </a:spcAft>
                       </a:pPr>
                       <a:r>
-                        <a:rPr lang="en-US" sz="2800" u="none" strike="noStrike" dirty="0">
+                        <a:rPr lang="en-US" sz="3200" u="none" strike="noStrike" dirty="0">
                           <a:effectLst/>
+                          <a:latin typeface="Times New Roman" panose="02020603050405020304" pitchFamily="18" charset="0"/>
+                          <a:cs typeface="Times New Roman" panose="02020603050405020304" pitchFamily="18" charset="0"/>
                         </a:rPr>
                         <a:t>Codebook</a:t>
                       </a:r>
                       <a:endParaRPr lang="en-US" sz="3200" b="1" dirty="0">
                         <a:effectLst/>
+                        <a:latin typeface="Times New Roman" panose="02020603050405020304" pitchFamily="18" charset="0"/>
+                        <a:cs typeface="Times New Roman" panose="02020603050405020304" pitchFamily="18" charset="0"/>
                       </a:endParaRPr>
                     </a:p>
                   </a:txBody>
@@ -20947,13 +20941,17 @@
                         </a:spcAft>
                       </a:pPr>
                       <a:r>
-                        <a:rPr lang="en-US" sz="2800" u="none" strike="noStrike" dirty="0" err="1">
+                        <a:rPr lang="en-US" sz="3200" u="none" strike="noStrike" dirty="0" err="1">
                           <a:effectLst/>
+                          <a:latin typeface="Times New Roman" panose="02020603050405020304" pitchFamily="18" charset="0"/>
+                          <a:cs typeface="Times New Roman" panose="02020603050405020304" pitchFamily="18" charset="0"/>
                         </a:rPr>
                         <a:t>DataSchema</a:t>
                       </a:r>
                       <a:endParaRPr lang="en-US" sz="3200" b="1" dirty="0">
                         <a:effectLst/>
+                        <a:latin typeface="Times New Roman" panose="02020603050405020304" pitchFamily="18" charset="0"/>
+                        <a:cs typeface="Times New Roman" panose="02020603050405020304" pitchFamily="18" charset="0"/>
                       </a:endParaRPr>
                     </a:p>
                   </a:txBody>
@@ -20973,13 +20971,17 @@
                         </a:spcAft>
                       </a:pPr>
                       <a:r>
-                        <a:rPr lang="en-US" sz="2800" u="none" strike="noStrike" dirty="0">
+                        <a:rPr lang="en-US" sz="3200" u="none" strike="noStrike" dirty="0">
                           <a:effectLst/>
+                          <a:latin typeface="Times New Roman" panose="02020603050405020304" pitchFamily="18" charset="0"/>
+                          <a:cs typeface="Times New Roman" panose="02020603050405020304" pitchFamily="18" charset="0"/>
                         </a:rPr>
                         <a:t>DD Creator</a:t>
                       </a:r>
                       <a:endParaRPr lang="en-US" sz="3200" b="1" dirty="0">
                         <a:effectLst/>
+                        <a:latin typeface="Times New Roman" panose="02020603050405020304" pitchFamily="18" charset="0"/>
+                        <a:cs typeface="Times New Roman" panose="02020603050405020304" pitchFamily="18" charset="0"/>
                       </a:endParaRPr>
                     </a:p>
                   </a:txBody>
@@ -20991,7 +20993,7 @@
                   </a:ext>
                 </a:extLst>
               </a:tr>
-              <a:tr h="637571">
+              <a:tr h="1627408">
                 <a:tc>
                   <a:txBody>
                     <a:bodyPr/>
@@ -21006,13 +21008,17 @@
                         </a:spcAft>
                       </a:pPr>
                       <a:r>
-                        <a:rPr lang="en-US" sz="2800" i="1" u="none" strike="noStrike" dirty="0">
+                        <a:rPr lang="en-US" sz="3200" i="1" u="none" strike="noStrike" dirty="0">
                           <a:effectLst/>
+                          <a:latin typeface="Times New Roman" panose="02020603050405020304" pitchFamily="18" charset="0"/>
+                          <a:cs typeface="Times New Roman" panose="02020603050405020304" pitchFamily="18" charset="0"/>
                         </a:rPr>
                         <a:t>Citation</a:t>
                       </a:r>
                       <a:endParaRPr lang="en-US" sz="3200" i="1" dirty="0">
                         <a:effectLst/>
+                        <a:latin typeface="Times New Roman" panose="02020603050405020304" pitchFamily="18" charset="0"/>
+                        <a:cs typeface="Times New Roman" panose="02020603050405020304" pitchFamily="18" charset="0"/>
                       </a:endParaRPr>
                     </a:p>
                   </a:txBody>
@@ -21032,25 +21038,29 @@
                         </a:spcAft>
                       </a:pPr>
                       <a:r>
-                        <a:rPr lang="en-US" sz="2400" u="none" strike="noStrike" dirty="0">
+                        <a:rPr lang="en-US" sz="3200" u="none" strike="noStrike" dirty="0">
                           <a:effectLst/>
+                          <a:latin typeface="Times New Roman" panose="02020603050405020304" pitchFamily="18" charset="0"/>
+                          <a:cs typeface="Times New Roman" panose="02020603050405020304" pitchFamily="18" charset="0"/>
                         </a:rPr>
                         <a:t>Arslan (2018)</a:t>
                       </a:r>
                       <a:r>
-                        <a:rPr lang="en-US" sz="2800" baseline="30000" dirty="0">
+                        <a:rPr lang="en-US" sz="3200" baseline="30000" dirty="0">
                           <a:solidFill>
                             <a:schemeClr val="dk1"/>
                           </a:solidFill>
-                          <a:latin typeface="Times New Roman"/>
+                          <a:latin typeface="Times New Roman" panose="02020603050405020304" pitchFamily="18" charset="0"/>
                           <a:ea typeface="Times New Roman"/>
-                          <a:cs typeface="Times New Roman"/>
+                          <a:cs typeface="Times New Roman" panose="02020603050405020304" pitchFamily="18" charset="0"/>
                           <a:sym typeface="Times New Roman"/>
                         </a:rPr>
                         <a:t> 3</a:t>
                       </a:r>
-                      <a:endParaRPr lang="en-US" sz="2800" dirty="0">
+                      <a:endParaRPr lang="en-US" sz="3200" dirty="0">
                         <a:effectLst/>
+                        <a:latin typeface="Times New Roman" panose="02020603050405020304" pitchFamily="18" charset="0"/>
+                        <a:cs typeface="Times New Roman" panose="02020603050405020304" pitchFamily="18" charset="0"/>
                       </a:endParaRPr>
                     </a:p>
                   </a:txBody>
@@ -21070,25 +21080,29 @@
                         </a:spcAft>
                       </a:pPr>
                       <a:r>
-                        <a:rPr lang="en-US" sz="2400" u="none" strike="noStrike" dirty="0">
+                        <a:rPr lang="en-US" sz="3200" u="none" strike="noStrike" dirty="0">
                           <a:effectLst/>
+                          <a:latin typeface="Times New Roman" panose="02020603050405020304" pitchFamily="18" charset="0"/>
+                          <a:cs typeface="Times New Roman" panose="02020603050405020304" pitchFamily="18" charset="0"/>
                         </a:rPr>
                         <a:t>Inspired by Data Spice (Boettiger et al., 2018)</a:t>
                       </a:r>
                       <a:r>
-                        <a:rPr lang="en-US" sz="2800" baseline="30000" dirty="0">
+                        <a:rPr lang="en-US" sz="3200" baseline="30000" dirty="0">
                           <a:solidFill>
                             <a:schemeClr val="dk1"/>
                           </a:solidFill>
-                          <a:latin typeface="Times New Roman"/>
+                          <a:latin typeface="Times New Roman" panose="02020603050405020304" pitchFamily="18" charset="0"/>
                           <a:ea typeface="Times New Roman"/>
-                          <a:cs typeface="Times New Roman"/>
+                          <a:cs typeface="Times New Roman" panose="02020603050405020304" pitchFamily="18" charset="0"/>
                           <a:sym typeface="Times New Roman"/>
                         </a:rPr>
                         <a:t> 4</a:t>
                       </a:r>
-                      <a:endParaRPr lang="en-US" sz="2800" dirty="0">
+                      <a:endParaRPr lang="en-US" sz="3200" dirty="0">
                         <a:effectLst/>
+                        <a:latin typeface="Times New Roman" panose="02020603050405020304" pitchFamily="18" charset="0"/>
+                        <a:cs typeface="Times New Roman" panose="02020603050405020304" pitchFamily="18" charset="0"/>
                       </a:endParaRPr>
                     </a:p>
                   </a:txBody>
@@ -21108,36 +21122,44 @@
                         </a:spcAft>
                       </a:pPr>
                       <a:r>
-                        <a:rPr lang="de-DE" sz="2400" u="none" strike="noStrike" dirty="0">
+                        <a:rPr lang="de-DE" sz="3200" u="none" strike="noStrike" dirty="0">
                           <a:effectLst/>
+                          <a:latin typeface="Times New Roman" panose="02020603050405020304" pitchFamily="18" charset="0"/>
+                          <a:cs typeface="Times New Roman" panose="02020603050405020304" pitchFamily="18" charset="0"/>
                         </a:rPr>
                         <a:t>(DeBruine, Buchanan, &amp; </a:t>
                       </a:r>
                       <a:br>
-                        <a:rPr lang="de-DE" sz="2400" u="none" strike="noStrike" dirty="0">
+                        <a:rPr lang="de-DE" sz="3200" u="none" strike="noStrike" dirty="0">
                           <a:effectLst/>
+                          <a:latin typeface="Times New Roman" panose="02020603050405020304" pitchFamily="18" charset="0"/>
+                          <a:cs typeface="Times New Roman" panose="02020603050405020304" pitchFamily="18" charset="0"/>
                         </a:rPr>
                       </a:br>
                       <a:r>
-                        <a:rPr lang="de-DE" sz="2400" u="none" strike="noStrike" dirty="0">
+                        <a:rPr lang="de-DE" sz="3200" u="none" strike="noStrike" dirty="0">
                           <a:effectLst/>
+                          <a:latin typeface="Times New Roman" panose="02020603050405020304" pitchFamily="18" charset="0"/>
+                          <a:cs typeface="Times New Roman" panose="02020603050405020304" pitchFamily="18" charset="0"/>
                         </a:rPr>
                         <a:t>Mohr, 2018)</a:t>
                       </a:r>
                       <a:r>
-                        <a:rPr lang="en-US" sz="2800" baseline="30000" dirty="0">
+                        <a:rPr lang="en-US" sz="3200" baseline="30000" dirty="0">
                           <a:solidFill>
                             <a:schemeClr val="dk1"/>
                           </a:solidFill>
-                          <a:latin typeface="Times New Roman"/>
+                          <a:latin typeface="Times New Roman" panose="02020603050405020304" pitchFamily="18" charset="0"/>
                           <a:ea typeface="Times New Roman"/>
-                          <a:cs typeface="Times New Roman"/>
+                          <a:cs typeface="Times New Roman" panose="02020603050405020304" pitchFamily="18" charset="0"/>
                           <a:sym typeface="Times New Roman"/>
                         </a:rPr>
                         <a:t> 5</a:t>
                       </a:r>
-                      <a:endParaRPr lang="de-DE" sz="2800" dirty="0">
+                      <a:endParaRPr lang="de-DE" sz="3200" dirty="0">
                         <a:effectLst/>
+                        <a:latin typeface="Times New Roman" panose="02020603050405020304" pitchFamily="18" charset="0"/>
+                        <a:cs typeface="Times New Roman" panose="02020603050405020304" pitchFamily="18" charset="0"/>
                       </a:endParaRPr>
                     </a:p>
                   </a:txBody>
@@ -21149,7 +21171,7 @@
                   </a:ext>
                 </a:extLst>
               </a:tr>
-              <a:tr h="637571">
+              <a:tr h="1128267">
                 <a:tc>
                   <a:txBody>
                     <a:bodyPr/>
@@ -21164,13 +21186,17 @@
                         </a:spcAft>
                       </a:pPr>
                       <a:r>
-                        <a:rPr lang="en-US" sz="2800" i="1" u="none" strike="noStrike">
+                        <a:rPr lang="en-US" sz="3200" i="1" u="none" strike="noStrike">
                           <a:effectLst/>
+                          <a:latin typeface="Times New Roman" panose="02020603050405020304" pitchFamily="18" charset="0"/>
+                          <a:cs typeface="Times New Roman" panose="02020603050405020304" pitchFamily="18" charset="0"/>
                         </a:rPr>
                         <a:t>Input</a:t>
                       </a:r>
                       <a:endParaRPr lang="en-US" sz="3200" i="1">
                         <a:effectLst/>
+                        <a:latin typeface="Times New Roman" panose="02020603050405020304" pitchFamily="18" charset="0"/>
+                        <a:cs typeface="Times New Roman" panose="02020603050405020304" pitchFamily="18" charset="0"/>
                       </a:endParaRPr>
                     </a:p>
                   </a:txBody>
@@ -21190,13 +21216,17 @@
                         </a:spcAft>
                       </a:pPr>
                       <a:r>
-                        <a:rPr lang="en-US" sz="2400" u="none" strike="noStrike" dirty="0">
+                        <a:rPr lang="en-US" sz="3200" u="none" strike="noStrike" dirty="0">
                           <a:effectLst/>
+                          <a:latin typeface="Times New Roman" panose="02020603050405020304" pitchFamily="18" charset="0"/>
+                          <a:cs typeface="Times New Roman" panose="02020603050405020304" pitchFamily="18" charset="0"/>
                         </a:rPr>
                         <a:t>CSV, SPSS, Stata, RDS</a:t>
                       </a:r>
-                      <a:endParaRPr lang="en-US" sz="2800" dirty="0">
+                      <a:endParaRPr lang="en-US" sz="3200" dirty="0">
                         <a:effectLst/>
+                        <a:latin typeface="Times New Roman" panose="02020603050405020304" pitchFamily="18" charset="0"/>
+                        <a:cs typeface="Times New Roman" panose="02020603050405020304" pitchFamily="18" charset="0"/>
                       </a:endParaRPr>
                     </a:p>
                   </a:txBody>
@@ -21216,13 +21246,17 @@
                         </a:spcAft>
                       </a:pPr>
                       <a:r>
-                        <a:rPr lang="en-US" sz="2400" u="none" strike="noStrike" dirty="0">
+                        <a:rPr lang="en-US" sz="3200" u="none" strike="noStrike" dirty="0">
                           <a:effectLst/>
+                          <a:latin typeface="Times New Roman" panose="02020603050405020304" pitchFamily="18" charset="0"/>
+                          <a:cs typeface="Times New Roman" panose="02020603050405020304" pitchFamily="18" charset="0"/>
                         </a:rPr>
                         <a:t>CSV, Text, Excel, SPSS, SAS</a:t>
                       </a:r>
-                      <a:endParaRPr lang="en-US" sz="2800" dirty="0">
+                      <a:endParaRPr lang="en-US" sz="3200" dirty="0">
                         <a:effectLst/>
+                        <a:latin typeface="Times New Roman" panose="02020603050405020304" pitchFamily="18" charset="0"/>
+                        <a:cs typeface="Times New Roman" panose="02020603050405020304" pitchFamily="18" charset="0"/>
                       </a:endParaRPr>
                     </a:p>
                   </a:txBody>
@@ -21242,13 +21276,17 @@
                         </a:spcAft>
                       </a:pPr>
                       <a:r>
-                        <a:rPr lang="en-US" sz="2400" u="none" strike="noStrike" dirty="0">
+                        <a:rPr lang="en-US" sz="3200" u="none" strike="noStrike" dirty="0">
                           <a:effectLst/>
+                          <a:latin typeface="Times New Roman" panose="02020603050405020304" pitchFamily="18" charset="0"/>
+                          <a:cs typeface="Times New Roman" panose="02020603050405020304" pitchFamily="18" charset="0"/>
                         </a:rPr>
                         <a:t>CSV, Text, Excel, SPSS, SAS</a:t>
                       </a:r>
-                      <a:endParaRPr lang="en-US" sz="2800" dirty="0">
+                      <a:endParaRPr lang="en-US" sz="3200" dirty="0">
                         <a:effectLst/>
+                        <a:latin typeface="Times New Roman" panose="02020603050405020304" pitchFamily="18" charset="0"/>
+                        <a:cs typeface="Times New Roman" panose="02020603050405020304" pitchFamily="18" charset="0"/>
                       </a:endParaRPr>
                     </a:p>
                   </a:txBody>
@@ -21260,7 +21298,7 @@
                   </a:ext>
                 </a:extLst>
               </a:tr>
-              <a:tr h="637571">
+              <a:tr h="1627408">
                 <a:tc>
                   <a:txBody>
                     <a:bodyPr/>
@@ -21275,13 +21313,17 @@
                         </a:spcAft>
                       </a:pPr>
                       <a:r>
-                        <a:rPr lang="en-US" sz="2800" i="1" u="none" strike="noStrike">
+                        <a:rPr lang="en-US" sz="3200" i="1" u="none" strike="noStrike">
                           <a:effectLst/>
+                          <a:latin typeface="Times New Roman" panose="02020603050405020304" pitchFamily="18" charset="0"/>
+                          <a:cs typeface="Times New Roman" panose="02020603050405020304" pitchFamily="18" charset="0"/>
                         </a:rPr>
                         <a:t>Output</a:t>
                       </a:r>
                       <a:endParaRPr lang="en-US" sz="3200" i="1">
                         <a:effectLst/>
+                        <a:latin typeface="Times New Roman" panose="02020603050405020304" pitchFamily="18" charset="0"/>
+                        <a:cs typeface="Times New Roman" panose="02020603050405020304" pitchFamily="18" charset="0"/>
                       </a:endParaRPr>
                     </a:p>
                   </a:txBody>
@@ -21301,13 +21343,17 @@
                         </a:spcAft>
                       </a:pPr>
                       <a:r>
-                        <a:rPr lang="en-US" sz="2400" u="none" strike="noStrike" dirty="0">
+                        <a:rPr lang="en-US" sz="3200" u="none" strike="noStrike" dirty="0">
                           <a:effectLst/>
+                          <a:latin typeface="Times New Roman" panose="02020603050405020304" pitchFamily="18" charset="0"/>
+                          <a:cs typeface="Times New Roman" panose="02020603050405020304" pitchFamily="18" charset="0"/>
                         </a:rPr>
                         <a:t>HTML report from Markdown </a:t>
                       </a:r>
-                      <a:endParaRPr lang="en-US" sz="2800" dirty="0">
+                      <a:endParaRPr lang="en-US" sz="3200" dirty="0">
                         <a:effectLst/>
+                        <a:latin typeface="Times New Roman" panose="02020603050405020304" pitchFamily="18" charset="0"/>
+                        <a:cs typeface="Times New Roman" panose="02020603050405020304" pitchFamily="18" charset="0"/>
                       </a:endParaRPr>
                     </a:p>
                   </a:txBody>
@@ -21327,13 +21373,17 @@
                         </a:spcAft>
                       </a:pPr>
                       <a:r>
-                        <a:rPr lang="en-US" sz="2400" u="none" strike="noStrike" dirty="0">
+                        <a:rPr lang="en-US" sz="3200" u="none" strike="noStrike" dirty="0">
                           <a:effectLst/>
+                          <a:latin typeface="Times New Roman" panose="02020603050405020304" pitchFamily="18" charset="0"/>
+                          <a:cs typeface="Times New Roman" panose="02020603050405020304" pitchFamily="18" charset="0"/>
                         </a:rPr>
                         <a:t>CSV files of meta-data, JSON, and HTML report</a:t>
                       </a:r>
-                      <a:endParaRPr lang="en-US" sz="2800" dirty="0">
+                      <a:endParaRPr lang="en-US" sz="3200" dirty="0">
                         <a:effectLst/>
+                        <a:latin typeface="Times New Roman" panose="02020603050405020304" pitchFamily="18" charset="0"/>
+                        <a:cs typeface="Times New Roman" panose="02020603050405020304" pitchFamily="18" charset="0"/>
                       </a:endParaRPr>
                     </a:p>
                   </a:txBody>
@@ -21353,19 +21403,25 @@
                         </a:spcAft>
                       </a:pPr>
                       <a:r>
-                        <a:rPr lang="en-US" sz="2400" u="none" strike="noStrike" dirty="0">
+                        <a:rPr lang="en-US" sz="3200" u="none" strike="noStrike" dirty="0">
                           <a:effectLst/>
+                          <a:latin typeface="Times New Roman" panose="02020603050405020304" pitchFamily="18" charset="0"/>
+                          <a:cs typeface="Times New Roman" panose="02020603050405020304" pitchFamily="18" charset="0"/>
                         </a:rPr>
                         <a:t>CSV files of meta-data, JSON, </a:t>
                       </a:r>
                       <a:r>
-                        <a:rPr lang="en-US" sz="2400" u="none" strike="noStrike" dirty="0" err="1">
+                        <a:rPr lang="en-US" sz="3200" u="none" strike="noStrike" dirty="0" err="1">
                           <a:effectLst/>
+                          <a:latin typeface="Times New Roman" panose="02020603050405020304" pitchFamily="18" charset="0"/>
+                          <a:cs typeface="Times New Roman" panose="02020603050405020304" pitchFamily="18" charset="0"/>
                         </a:rPr>
                         <a:t>Rdata</a:t>
                       </a:r>
-                      <a:endParaRPr lang="en-US" sz="2800" dirty="0">
+                      <a:endParaRPr lang="en-US" sz="3200" dirty="0">
                         <a:effectLst/>
+                        <a:latin typeface="Times New Roman" panose="02020603050405020304" pitchFamily="18" charset="0"/>
+                        <a:cs typeface="Times New Roman" panose="02020603050405020304" pitchFamily="18" charset="0"/>
                       </a:endParaRPr>
                     </a:p>
                   </a:txBody>
@@ -21377,7 +21433,7 @@
                   </a:ext>
                 </a:extLst>
               </a:tr>
-              <a:tr h="637571">
+              <a:tr h="3623972">
                 <a:tc>
                   <a:txBody>
                     <a:bodyPr/>
@@ -21392,13 +21448,17 @@
                         </a:spcAft>
                       </a:pPr>
                       <a:r>
-                        <a:rPr lang="en-US" sz="2800" i="1" u="none" strike="noStrike" dirty="0">
+                        <a:rPr lang="en-US" sz="3200" i="1" u="none" strike="noStrike" dirty="0">
                           <a:effectLst/>
+                          <a:latin typeface="Times New Roman" panose="02020603050405020304" pitchFamily="18" charset="0"/>
+                          <a:cs typeface="Times New Roman" panose="02020603050405020304" pitchFamily="18" charset="0"/>
                         </a:rPr>
                         <a:t>Benefits</a:t>
                       </a:r>
                       <a:endParaRPr lang="en-US" sz="3200" i="1" dirty="0">
                         <a:effectLst/>
+                        <a:latin typeface="Times New Roman" panose="02020603050405020304" pitchFamily="18" charset="0"/>
+                        <a:cs typeface="Times New Roman" panose="02020603050405020304" pitchFamily="18" charset="0"/>
                       </a:endParaRPr>
                     </a:p>
                   </a:txBody>
@@ -21418,13 +21478,17 @@
                         </a:spcAft>
                       </a:pPr>
                       <a:r>
-                        <a:rPr lang="en-US" sz="2400" u="none" strike="noStrike" dirty="0">
+                        <a:rPr lang="en-US" sz="3200" u="none" strike="noStrike" dirty="0">
                           <a:effectLst/>
+                          <a:latin typeface="Times New Roman" panose="02020603050405020304" pitchFamily="18" charset="0"/>
+                          <a:cs typeface="Times New Roman" panose="02020603050405020304" pitchFamily="18" charset="0"/>
                         </a:rPr>
                         <a:t>Easiest to use</a:t>
                       </a:r>
-                      <a:endParaRPr lang="en-US" sz="2800" dirty="0">
+                      <a:endParaRPr lang="en-US" sz="3200" dirty="0">
                         <a:effectLst/>
+                        <a:latin typeface="Times New Roman" panose="02020603050405020304" pitchFamily="18" charset="0"/>
+                        <a:cs typeface="Times New Roman" panose="02020603050405020304" pitchFamily="18" charset="0"/>
                       </a:endParaRPr>
                     </a:p>
                     <a:p>
@@ -21437,13 +21501,17 @@
                         </a:spcAft>
                       </a:pPr>
                       <a:r>
-                        <a:rPr lang="en-US" sz="2400" u="none" strike="noStrike" dirty="0">
+                        <a:rPr lang="en-US" sz="3200" u="none" strike="noStrike" dirty="0">
                           <a:effectLst/>
+                          <a:latin typeface="Times New Roman" panose="02020603050405020304" pitchFamily="18" charset="0"/>
+                          <a:cs typeface="Times New Roman" panose="02020603050405020304" pitchFamily="18" charset="0"/>
                         </a:rPr>
                         <a:t>Quick metadata generation</a:t>
                       </a:r>
-                      <a:endParaRPr lang="en-US" sz="2800" dirty="0">
+                      <a:endParaRPr lang="en-US" sz="3200" dirty="0">
                         <a:effectLst/>
+                        <a:latin typeface="Times New Roman" panose="02020603050405020304" pitchFamily="18" charset="0"/>
+                        <a:cs typeface="Times New Roman" panose="02020603050405020304" pitchFamily="18" charset="0"/>
                       </a:endParaRPr>
                     </a:p>
                     <a:p>
@@ -21456,13 +21524,17 @@
                         </a:spcAft>
                       </a:pPr>
                       <a:r>
-                        <a:rPr lang="en-US" sz="2400" u="none" strike="noStrike" dirty="0">
+                        <a:rPr lang="en-US" sz="3200" u="none" strike="noStrike" dirty="0">
                           <a:effectLst/>
+                          <a:latin typeface="Times New Roman" panose="02020603050405020304" pitchFamily="18" charset="0"/>
+                          <a:cs typeface="Times New Roman" panose="02020603050405020304" pitchFamily="18" charset="0"/>
                         </a:rPr>
                         <a:t>Generates a summary for each variable in a readable format</a:t>
                       </a:r>
-                      <a:endParaRPr lang="en-US" sz="2800" dirty="0">
+                      <a:endParaRPr lang="en-US" sz="3200" dirty="0">
                         <a:effectLst/>
+                        <a:latin typeface="Times New Roman" panose="02020603050405020304" pitchFamily="18" charset="0"/>
+                        <a:cs typeface="Times New Roman" panose="02020603050405020304" pitchFamily="18" charset="0"/>
                       </a:endParaRPr>
                     </a:p>
                   </a:txBody>
@@ -21482,13 +21554,17 @@
                         </a:spcAft>
                       </a:pPr>
                       <a:r>
-                        <a:rPr lang="en-US" sz="2400" u="none" strike="noStrike" dirty="0">
+                        <a:rPr lang="en-US" sz="3200" u="none" strike="noStrike" dirty="0">
                           <a:effectLst/>
+                          <a:latin typeface="Times New Roman" panose="02020603050405020304" pitchFamily="18" charset="0"/>
+                          <a:cs typeface="Times New Roman" panose="02020603050405020304" pitchFamily="18" charset="0"/>
                         </a:rPr>
                         <a:t>Follows schema.org for output</a:t>
                       </a:r>
-                      <a:endParaRPr lang="en-US" sz="2800" dirty="0">
+                      <a:endParaRPr lang="en-US" sz="3200" dirty="0">
                         <a:effectLst/>
+                        <a:latin typeface="Times New Roman" panose="02020603050405020304" pitchFamily="18" charset="0"/>
+                        <a:cs typeface="Times New Roman" panose="02020603050405020304" pitchFamily="18" charset="0"/>
                       </a:endParaRPr>
                     </a:p>
                     <a:p>
@@ -21501,13 +21577,17 @@
                         </a:spcAft>
                       </a:pPr>
                       <a:r>
-                        <a:rPr lang="en-US" sz="2400" u="none" strike="noStrike" dirty="0">
+                        <a:rPr lang="en-US" sz="3200" u="none" strike="noStrike" dirty="0">
                           <a:effectLst/>
+                          <a:latin typeface="Times New Roman" panose="02020603050405020304" pitchFamily="18" charset="0"/>
+                          <a:cs typeface="Times New Roman" panose="02020603050405020304" pitchFamily="18" charset="0"/>
                         </a:rPr>
                         <a:t>Metadata entry is medium</a:t>
                       </a:r>
-                      <a:endParaRPr lang="en-US" sz="2800" dirty="0">
+                      <a:endParaRPr lang="en-US" sz="3200" dirty="0">
                         <a:effectLst/>
+                        <a:latin typeface="Times New Roman" panose="02020603050405020304" pitchFamily="18" charset="0"/>
+                        <a:cs typeface="Times New Roman" panose="02020603050405020304" pitchFamily="18" charset="0"/>
                       </a:endParaRPr>
                     </a:p>
                   </a:txBody>
@@ -21527,13 +21607,17 @@
                         </a:spcAft>
                       </a:pPr>
                       <a:r>
-                        <a:rPr lang="en-US" sz="2400" u="none" strike="noStrike" dirty="0">
+                        <a:rPr lang="en-US" sz="3200" u="none" strike="noStrike" dirty="0">
                           <a:effectLst/>
+                          <a:latin typeface="Times New Roman" panose="02020603050405020304" pitchFamily="18" charset="0"/>
+                          <a:cs typeface="Times New Roman" panose="02020603050405020304" pitchFamily="18" charset="0"/>
                         </a:rPr>
                         <a:t>Follows schema.org</a:t>
                       </a:r>
-                      <a:endParaRPr lang="en-US" sz="2800" dirty="0">
+                      <a:endParaRPr lang="en-US" sz="3200" dirty="0">
                         <a:effectLst/>
+                        <a:latin typeface="Times New Roman" panose="02020603050405020304" pitchFamily="18" charset="0"/>
+                        <a:cs typeface="Times New Roman" panose="02020603050405020304" pitchFamily="18" charset="0"/>
                       </a:endParaRPr>
                     </a:p>
                     <a:p>
@@ -21546,13 +21630,17 @@
                         </a:spcAft>
                       </a:pPr>
                       <a:r>
-                        <a:rPr lang="en-US" sz="2400" u="none" strike="noStrike" dirty="0">
+                        <a:rPr lang="en-US" sz="3200" u="none" strike="noStrike" dirty="0">
                           <a:effectLst/>
+                          <a:latin typeface="Times New Roman" panose="02020603050405020304" pitchFamily="18" charset="0"/>
+                          <a:cs typeface="Times New Roman" panose="02020603050405020304" pitchFamily="18" charset="0"/>
                         </a:rPr>
                         <a:t>Specifies a separate section for category labels</a:t>
                       </a:r>
-                      <a:endParaRPr lang="en-US" sz="2800" dirty="0">
+                      <a:endParaRPr lang="en-US" sz="3200" dirty="0">
                         <a:effectLst/>
+                        <a:latin typeface="Times New Roman" panose="02020603050405020304" pitchFamily="18" charset="0"/>
+                        <a:cs typeface="Times New Roman" panose="02020603050405020304" pitchFamily="18" charset="0"/>
                       </a:endParaRPr>
                     </a:p>
                     <a:p>
@@ -21565,19 +21653,25 @@
                         </a:spcAft>
                       </a:pPr>
                       <a:r>
-                        <a:rPr lang="en-US" sz="2400" u="none" strike="noStrike" dirty="0" err="1">
+                        <a:rPr lang="en-US" sz="3200" u="none" strike="noStrike" dirty="0" err="1">
                           <a:effectLst/>
+                          <a:latin typeface="Times New Roman" panose="02020603050405020304" pitchFamily="18" charset="0"/>
+                          <a:cs typeface="Times New Roman" panose="02020603050405020304" pitchFamily="18" charset="0"/>
                         </a:rPr>
                         <a:t>Rdata</a:t>
                       </a:r>
                       <a:r>
-                        <a:rPr lang="en-US" sz="2400" u="none" strike="noStrike" dirty="0">
+                        <a:rPr lang="en-US" sz="3200" u="none" strike="noStrike" dirty="0">
                           <a:effectLst/>
+                          <a:latin typeface="Times New Roman" panose="02020603050405020304" pitchFamily="18" charset="0"/>
+                          <a:cs typeface="Times New Roman" panose="02020603050405020304" pitchFamily="18" charset="0"/>
                         </a:rPr>
                         <a:t> output</a:t>
                       </a:r>
-                      <a:endParaRPr lang="en-US" sz="2800" dirty="0">
+                      <a:endParaRPr lang="en-US" sz="3200" dirty="0">
                         <a:effectLst/>
+                        <a:latin typeface="Times New Roman" panose="02020603050405020304" pitchFamily="18" charset="0"/>
+                        <a:cs typeface="Times New Roman" panose="02020603050405020304" pitchFamily="18" charset="0"/>
                       </a:endParaRPr>
                     </a:p>
                     <a:p>
@@ -21590,13 +21684,17 @@
                         </a:spcAft>
                       </a:pPr>
                       <a:r>
-                        <a:rPr lang="en-US" sz="2400" u="none" strike="noStrike" dirty="0">
+                        <a:rPr lang="en-US" sz="3200" u="none" strike="noStrike" dirty="0">
                           <a:effectLst/>
+                          <a:latin typeface="Times New Roman" panose="02020603050405020304" pitchFamily="18" charset="0"/>
+                          <a:cs typeface="Times New Roman" panose="02020603050405020304" pitchFamily="18" charset="0"/>
                         </a:rPr>
                         <a:t>More detailed descriptions, depending on data</a:t>
                       </a:r>
-                      <a:endParaRPr lang="en-US" sz="2800" dirty="0">
+                      <a:endParaRPr lang="en-US" sz="3200" dirty="0">
                         <a:effectLst/>
+                        <a:latin typeface="Times New Roman" panose="02020603050405020304" pitchFamily="18" charset="0"/>
+                        <a:cs typeface="Times New Roman" panose="02020603050405020304" pitchFamily="18" charset="0"/>
                       </a:endParaRPr>
                     </a:p>
                   </a:txBody>
@@ -21626,7 +21724,7 @@
         </p:nvSpPr>
         <p:spPr>
           <a:xfrm>
-            <a:off x="4865224" y="9191509"/>
+            <a:off x="4184551" y="4043475"/>
             <a:ext cx="5260800" cy="1123800"/>
           </a:xfrm>
           <a:prstGeom prst="rect">
@@ -21691,7 +21789,7 @@
           <p:nvPr/>
         </p:nvPicPr>
         <p:blipFill>
-          <a:blip r:embed="rId8">
+          <a:blip r:embed="rId9">
             <a:extLst>
               <a:ext uri="{28A0092B-C50C-407E-A947-70E740481C1C}">
                 <a14:useLocalDpi xmlns:a14="http://schemas.microsoft.com/office/drawing/2010/main" val="0"/>
@@ -21705,7 +21803,7 @@
         </p:blipFill>
         <p:spPr bwMode="auto">
           <a:xfrm>
-            <a:off x="326164" y="18308643"/>
+            <a:off x="383046" y="21434714"/>
             <a:ext cx="13926456" cy="8034494"/>
           </a:xfrm>
           <a:prstGeom prst="rect">
@@ -21734,58 +21832,6 @@
             <a:extLst>
               <a:ext uri="{FF2B5EF4-FFF2-40B4-BE49-F238E27FC236}">
                 <a16:creationId xmlns:a16="http://schemas.microsoft.com/office/drawing/2014/main" id="{E255322A-97DD-4731-B27D-4CBAFDCF2A22}"/>
-              </a:ext>
-            </a:extLst>
-          </p:cNvPr>
-          <p:cNvPicPr>
-            <a:picLocks noChangeAspect="1" noChangeArrowheads="1"/>
-          </p:cNvPicPr>
-          <p:nvPr/>
-        </p:nvPicPr>
-        <p:blipFill>
-          <a:blip r:embed="rId9">
-            <a:extLst>
-              <a:ext uri="{28A0092B-C50C-407E-A947-70E740481C1C}">
-                <a14:useLocalDpi xmlns:a14="http://schemas.microsoft.com/office/drawing/2010/main" val="0"/>
-              </a:ext>
-            </a:extLst>
-          </a:blip>
-          <a:srcRect/>
-          <a:stretch>
-            <a:fillRect/>
-          </a:stretch>
-        </p:blipFill>
-        <p:spPr bwMode="auto">
-          <a:xfrm>
-            <a:off x="15287840" y="10288856"/>
-            <a:ext cx="13410601" cy="8661011"/>
-          </a:xfrm>
-          <a:prstGeom prst="rect">
-            <a:avLst/>
-          </a:prstGeom>
-          <a:noFill/>
-          <a:ln>
-            <a:solidFill>
-              <a:schemeClr val="tx1"/>
-            </a:solidFill>
-          </a:ln>
-          <a:extLst>
-            <a:ext uri="{909E8E84-426E-40DD-AFC4-6F175D3DCCD1}">
-              <a14:hiddenFill xmlns:a14="http://schemas.microsoft.com/office/drawing/2010/main">
-                <a:solidFill>
-                  <a:srgbClr val="FFFFFF"/>
-                </a:solidFill>
-              </a14:hiddenFill>
-            </a:ext>
-          </a:extLst>
-        </p:spPr>
-      </p:pic>
-      <p:pic>
-        <p:nvPicPr>
-          <p:cNvPr id="1032" name="Picture 8" descr="https://lh5.googleusercontent.com/pwZA-J2kgCcGndAxDRNjjhy6hNC2rUnrtVYU4WvnHJbF7dnof1oiJlLSPxiivO8cLIf1diBjR32NN1LGgvVqPqiDYAXni2I9AIa75p0xHyOiykLsLf64NlUk2NJzsmzJvc1Kf3KC">
-            <a:extLst>
-              <a:ext uri="{FF2B5EF4-FFF2-40B4-BE49-F238E27FC236}">
-                <a16:creationId xmlns:a16="http://schemas.microsoft.com/office/drawing/2014/main" id="{7AB8D16F-E4FA-49BB-AE0C-C8C2EA0B9216}"/>
               </a:ext>
             </a:extLst>
           </p:cNvPr>
@@ -21809,7 +21855,59 @@
         </p:blipFill>
         <p:spPr bwMode="auto">
           <a:xfrm>
-            <a:off x="15296420" y="22760339"/>
+            <a:off x="15180899" y="5331493"/>
+            <a:ext cx="13410601" cy="8661011"/>
+          </a:xfrm>
+          <a:prstGeom prst="rect">
+            <a:avLst/>
+          </a:prstGeom>
+          <a:noFill/>
+          <a:ln>
+            <a:solidFill>
+              <a:schemeClr val="tx1"/>
+            </a:solidFill>
+          </a:ln>
+          <a:extLst>
+            <a:ext uri="{909E8E84-426E-40DD-AFC4-6F175D3DCCD1}">
+              <a14:hiddenFill xmlns:a14="http://schemas.microsoft.com/office/drawing/2010/main">
+                <a:solidFill>
+                  <a:srgbClr val="FFFFFF"/>
+                </a:solidFill>
+              </a14:hiddenFill>
+            </a:ext>
+          </a:extLst>
+        </p:spPr>
+      </p:pic>
+      <p:pic>
+        <p:nvPicPr>
+          <p:cNvPr id="1032" name="Picture 8" descr="https://lh5.googleusercontent.com/pwZA-J2kgCcGndAxDRNjjhy6hNC2rUnrtVYU4WvnHJbF7dnof1oiJlLSPxiivO8cLIf1diBjR32NN1LGgvVqPqiDYAXni2I9AIa75p0xHyOiykLsLf64NlUk2NJzsmzJvc1Kf3KC">
+            <a:extLst>
+              <a:ext uri="{FF2B5EF4-FFF2-40B4-BE49-F238E27FC236}">
+                <a16:creationId xmlns:a16="http://schemas.microsoft.com/office/drawing/2014/main" id="{7AB8D16F-E4FA-49BB-AE0C-C8C2EA0B9216}"/>
+              </a:ext>
+            </a:extLst>
+          </p:cNvPr>
+          <p:cNvPicPr>
+            <a:picLocks noChangeAspect="1" noChangeArrowheads="1"/>
+          </p:cNvPicPr>
+          <p:nvPr/>
+        </p:nvPicPr>
+        <p:blipFill>
+          <a:blip r:embed="rId11">
+            <a:extLst>
+              <a:ext uri="{28A0092B-C50C-407E-A947-70E740481C1C}">
+                <a14:useLocalDpi xmlns:a14="http://schemas.microsoft.com/office/drawing/2010/main" val="0"/>
+              </a:ext>
+            </a:extLst>
+          </a:blip>
+          <a:srcRect/>
+          <a:stretch>
+            <a:fillRect/>
+          </a:stretch>
+        </p:blipFill>
+        <p:spPr bwMode="auto">
+          <a:xfrm>
+            <a:off x="15158421" y="18031552"/>
             <a:ext cx="13435705" cy="7980943"/>
           </a:xfrm>
           <a:prstGeom prst="rect">
@@ -21846,8 +21944,8 @@
         </p:nvSpPr>
         <p:spPr>
           <a:xfrm>
-            <a:off x="15180900" y="30780569"/>
-            <a:ext cx="13410600" cy="1960574"/>
+            <a:off x="15111573" y="26257679"/>
+            <a:ext cx="13410600" cy="1329220"/>
           </a:xfrm>
           <a:prstGeom prst="rect">
             <a:avLst/>
@@ -21905,7 +22003,7 @@
           <p:nvPr/>
         </p:nvPicPr>
         <p:blipFill>
-          <a:blip r:embed="rId11">
+          <a:blip r:embed="rId12">
             <a:extLst>
               <a:ext uri="{28A0092B-C50C-407E-A947-70E740481C1C}">
                 <a14:useLocalDpi xmlns:a14="http://schemas.microsoft.com/office/drawing/2010/main" val="0"/>
@@ -21919,7 +22017,7 @@
         </p:blipFill>
         <p:spPr bwMode="auto">
           <a:xfrm>
-            <a:off x="29510074" y="10293796"/>
+            <a:off x="29534849" y="5282201"/>
             <a:ext cx="13845202" cy="7566046"/>
           </a:xfrm>
           <a:prstGeom prst="rect">
@@ -21948,58 +22046,6 @@
             <a:extLst>
               <a:ext uri="{FF2B5EF4-FFF2-40B4-BE49-F238E27FC236}">
                 <a16:creationId xmlns:a16="http://schemas.microsoft.com/office/drawing/2014/main" id="{71F878EC-8922-4849-8398-B4526FCCFBB5}"/>
-              </a:ext>
-            </a:extLst>
-          </p:cNvPr>
-          <p:cNvPicPr>
-            <a:picLocks noChangeAspect="1" noChangeArrowheads="1"/>
-          </p:cNvPicPr>
-          <p:nvPr/>
-        </p:nvPicPr>
-        <p:blipFill>
-          <a:blip r:embed="rId12">
-            <a:extLst>
-              <a:ext uri="{28A0092B-C50C-407E-A947-70E740481C1C}">
-                <a14:useLocalDpi xmlns:a14="http://schemas.microsoft.com/office/drawing/2010/main" val="0"/>
-              </a:ext>
-            </a:extLst>
-          </a:blip>
-          <a:srcRect/>
-          <a:stretch>
-            <a:fillRect/>
-          </a:stretch>
-        </p:blipFill>
-        <p:spPr bwMode="auto">
-          <a:xfrm>
-            <a:off x="29613475" y="22358270"/>
-            <a:ext cx="7483093" cy="5672281"/>
-          </a:xfrm>
-          <a:prstGeom prst="rect">
-            <a:avLst/>
-          </a:prstGeom>
-          <a:noFill/>
-          <a:ln>
-            <a:solidFill>
-              <a:schemeClr val="tx1"/>
-            </a:solidFill>
-          </a:ln>
-          <a:extLst>
-            <a:ext uri="{909E8E84-426E-40DD-AFC4-6F175D3DCCD1}">
-              <a14:hiddenFill xmlns:a14="http://schemas.microsoft.com/office/drawing/2010/main">
-                <a:solidFill>
-                  <a:srgbClr val="FFFFFF"/>
-                </a:solidFill>
-              </a14:hiddenFill>
-            </a:ext>
-          </a:extLst>
-        </p:spPr>
-      </p:pic>
-      <p:pic>
-        <p:nvPicPr>
-          <p:cNvPr id="1044" name="Picture 20" descr="https://lh3.googleusercontent.com/BIedV7C4e4TEyO4up9cKOKiTFAlbeoY65Nkb6o_2uOm9psxWUljITleF58zn9uFr90pB1IqtueU46USc57jB4cRKSyLUxRh84ejjcv9-RDW6VMcqzI_s6RxyJz_WHGeU0tSLqdds">
-            <a:extLst>
-              <a:ext uri="{FF2B5EF4-FFF2-40B4-BE49-F238E27FC236}">
-                <a16:creationId xmlns:a16="http://schemas.microsoft.com/office/drawing/2014/main" id="{037631C4-FB21-4EF7-B97E-80CF74AC50C1}"/>
               </a:ext>
             </a:extLst>
           </p:cNvPr>
@@ -22023,7 +22069,59 @@
         </p:blipFill>
         <p:spPr bwMode="auto">
           <a:xfrm>
-            <a:off x="37483049" y="23782170"/>
+            <a:off x="29356825" y="17853266"/>
+            <a:ext cx="7483093" cy="5672281"/>
+          </a:xfrm>
+          <a:prstGeom prst="rect">
+            <a:avLst/>
+          </a:prstGeom>
+          <a:noFill/>
+          <a:ln>
+            <a:solidFill>
+              <a:schemeClr val="tx1"/>
+            </a:solidFill>
+          </a:ln>
+          <a:extLst>
+            <a:ext uri="{909E8E84-426E-40DD-AFC4-6F175D3DCCD1}">
+              <a14:hiddenFill xmlns:a14="http://schemas.microsoft.com/office/drawing/2010/main">
+                <a:solidFill>
+                  <a:srgbClr val="FFFFFF"/>
+                </a:solidFill>
+              </a14:hiddenFill>
+            </a:ext>
+          </a:extLst>
+        </p:spPr>
+      </p:pic>
+      <p:pic>
+        <p:nvPicPr>
+          <p:cNvPr id="1044" name="Picture 20" descr="https://lh3.googleusercontent.com/BIedV7C4e4TEyO4up9cKOKiTFAlbeoY65Nkb6o_2uOm9psxWUljITleF58zn9uFr90pB1IqtueU46USc57jB4cRKSyLUxRh84ejjcv9-RDW6VMcqzI_s6RxyJz_WHGeU0tSLqdds">
+            <a:extLst>
+              <a:ext uri="{FF2B5EF4-FFF2-40B4-BE49-F238E27FC236}">
+                <a16:creationId xmlns:a16="http://schemas.microsoft.com/office/drawing/2014/main" id="{037631C4-FB21-4EF7-B97E-80CF74AC50C1}"/>
+              </a:ext>
+            </a:extLst>
+          </p:cNvPr>
+          <p:cNvPicPr>
+            <a:picLocks noChangeAspect="1" noChangeArrowheads="1"/>
+          </p:cNvPicPr>
+          <p:nvPr/>
+        </p:nvPicPr>
+        <p:blipFill>
+          <a:blip r:embed="rId14">
+            <a:extLst>
+              <a:ext uri="{28A0092B-C50C-407E-A947-70E740481C1C}">
+                <a14:useLocalDpi xmlns:a14="http://schemas.microsoft.com/office/drawing/2010/main" val="0"/>
+              </a:ext>
+            </a:extLst>
+          </a:blip>
+          <a:srcRect/>
+          <a:stretch>
+            <a:fillRect/>
+          </a:stretch>
+        </p:blipFill>
+        <p:spPr bwMode="auto">
+          <a:xfrm>
+            <a:off x="37226399" y="19277166"/>
             <a:ext cx="5943600" cy="2781300"/>
           </a:xfrm>
           <a:prstGeom prst="rect">
@@ -22046,6 +22144,153 @@
           </a:extLst>
         </p:spPr>
       </p:pic>
+      <p:cxnSp>
+        <p:nvCxnSpPr>
+          <p:cNvPr id="5" name="Straight Connector 4">
+            <a:extLst>
+              <a:ext uri="{FF2B5EF4-FFF2-40B4-BE49-F238E27FC236}">
+                <a16:creationId xmlns:a16="http://schemas.microsoft.com/office/drawing/2014/main" id="{5EC58430-0BAD-1647-BD3C-EE1DE58A2980}"/>
+              </a:ext>
+            </a:extLst>
+          </p:cNvPr>
+          <p:cNvCxnSpPr/>
+          <p:nvPr/>
+        </p:nvCxnSpPr>
+        <p:spPr>
+          <a:xfrm>
+            <a:off x="0" y="3886200"/>
+            <a:ext cx="44185114" cy="0"/>
+          </a:xfrm>
+          <a:prstGeom prst="line">
+            <a:avLst/>
+          </a:prstGeom>
+        </p:spPr>
+        <p:style>
+          <a:lnRef idx="1">
+            <a:schemeClr val="accent1"/>
+          </a:lnRef>
+          <a:fillRef idx="0">
+            <a:schemeClr val="accent1"/>
+          </a:fillRef>
+          <a:effectRef idx="0">
+            <a:schemeClr val="accent1"/>
+          </a:effectRef>
+          <a:fontRef idx="minor">
+            <a:schemeClr val="tx1"/>
+          </a:fontRef>
+        </p:style>
+      </p:cxnSp>
+      <p:sp>
+        <p:nvSpPr>
+          <p:cNvPr id="6" name="TextBox 5">
+            <a:extLst>
+              <a:ext uri="{FF2B5EF4-FFF2-40B4-BE49-F238E27FC236}">
+                <a16:creationId xmlns:a16="http://schemas.microsoft.com/office/drawing/2014/main" id="{25B93DDB-6AB4-AA4F-88F6-FA31A959BD77}"/>
+              </a:ext>
+            </a:extLst>
+          </p:cNvPr>
+          <p:cNvSpPr txBox="1"/>
+          <p:nvPr/>
+        </p:nvSpPr>
+        <p:spPr>
+          <a:xfrm>
+            <a:off x="383046" y="5331493"/>
+            <a:ext cx="13926456" cy="2062103"/>
+          </a:xfrm>
+          <a:prstGeom prst="rect">
+            <a:avLst/>
+          </a:prstGeom>
+          <a:noFill/>
+        </p:spPr>
+        <p:txBody>
+          <a:bodyPr wrap="square" rtlCol="0">
+            <a:spAutoFit/>
+          </a:bodyPr>
+          <a:lstStyle/>
+          <a:p>
+            <a:r>
+              <a:rPr lang="en-US" sz="3200" dirty="0">
+                <a:latin typeface="Times New Roman" panose="02020603050405020304" pitchFamily="18" charset="0"/>
+                <a:cs typeface="Times New Roman" panose="02020603050405020304" pitchFamily="18" charset="0"/>
+              </a:rPr>
+              <a:t>Put in the abstract here that is much shorter blah blah blah than the intro of the paper. Bullets would be great. </a:t>
+            </a:r>
+          </a:p>
+          <a:p>
+            <a:endParaRPr lang="en-US" sz="3200" dirty="0">
+              <a:latin typeface="Times New Roman" panose="02020603050405020304" pitchFamily="18" charset="0"/>
+              <a:cs typeface="Times New Roman" panose="02020603050405020304" pitchFamily="18" charset="0"/>
+            </a:endParaRPr>
+          </a:p>
+          <a:p>
+            <a:r>
+              <a:rPr lang="en-US" sz="3200" dirty="0">
+                <a:latin typeface="Times New Roman" panose="02020603050405020304" pitchFamily="18" charset="0"/>
+                <a:cs typeface="Times New Roman" panose="02020603050405020304" pitchFamily="18" charset="0"/>
+              </a:rPr>
+              <a:t>Can you figure out the blue color and make the background of the table below that? </a:t>
+            </a:r>
+          </a:p>
+        </p:txBody>
+      </p:sp>
+      <p:sp>
+        <p:nvSpPr>
+          <p:cNvPr id="32" name="Shape 138">
+            <a:extLst>
+              <a:ext uri="{FF2B5EF4-FFF2-40B4-BE49-F238E27FC236}">
+                <a16:creationId xmlns:a16="http://schemas.microsoft.com/office/drawing/2014/main" id="{B765583D-9F0C-9C49-BBC7-2AFD24FD671E}"/>
+              </a:ext>
+            </a:extLst>
+          </p:cNvPr>
+          <p:cNvSpPr txBox="1"/>
+          <p:nvPr/>
+        </p:nvSpPr>
+        <p:spPr>
+          <a:xfrm>
+            <a:off x="29356825" y="23975487"/>
+            <a:ext cx="13813174" cy="1329220"/>
+          </a:xfrm>
+          <a:prstGeom prst="rect">
+            <a:avLst/>
+          </a:prstGeom>
+          <a:noFill/>
+          <a:ln>
+            <a:noFill/>
+          </a:ln>
+        </p:spPr>
+        <p:txBody>
+          <a:bodyPr spcFirstLastPara="1" wrap="square" lIns="91425" tIns="91425" rIns="91425" bIns="91425" anchor="t" anchorCtr="0">
+            <a:noAutofit/>
+          </a:bodyPr>
+          <a:lstStyle/>
+          <a:p>
+            <a:pPr marL="0" lvl="0" indent="0">
+              <a:spcBef>
+                <a:spcPts val="0"/>
+              </a:spcBef>
+              <a:spcAft>
+                <a:spcPts val="0"/>
+              </a:spcAft>
+              <a:buNone/>
+            </a:pPr>
+            <a:r>
+              <a:rPr lang="en-US" sz="3200" dirty="0">
+                <a:latin typeface="Times New Roman"/>
+                <a:ea typeface="Times New Roman"/>
+                <a:cs typeface="Times New Roman"/>
+                <a:sym typeface="Times New Roman"/>
+              </a:rPr>
+              <a:t>Screenshots of the data entry for DD Creator, including overall variable and individual level attributes. This app will be familiar to those who like SPSS. </a:t>
+            </a:r>
+            <a:endParaRPr sz="3200" dirty="0">
+              <a:latin typeface="Times New Roman"/>
+              <a:ea typeface="Times New Roman"/>
+              <a:cs typeface="Times New Roman"/>
+              <a:sym typeface="Times New Roman"/>
+            </a:endParaRPr>
+          </a:p>
+        </p:txBody>
+      </p:sp>
     </p:spTree>
   </p:cSld>
   <p:clrMapOvr>

--- a/poster/Data Dictionary Poster.pptx
+++ b/poster/Data Dictionary Poster.pptx
@@ -15,15 +15,19 @@
   <p:notesSz cx="6858000" cy="9144000"/>
   <p:embeddedFontLst>
     <p:embeddedFont>
-      <p:font typeface="Abril Fatface" panose="02000503000000020003" pitchFamily="2" charset="77"/>
+      <p:font typeface="Abril Fatface" panose="020B0604020202020204" charset="0"/>
       <p:regular r:id="rId5"/>
     </p:embeddedFont>
     <p:embeddedFont>
+      <p:font typeface="Arial Black" panose="020B0A04020102020204" pitchFamily="34" charset="0"/>
+      <p:bold r:id="rId6"/>
+    </p:embeddedFont>
+    <p:embeddedFont>
       <p:font typeface="Calibri" panose="020F0502020204030204" pitchFamily="34" charset="0"/>
-      <p:regular r:id="rId6"/>
-      <p:bold r:id="rId7"/>
-      <p:italic r:id="rId8"/>
-      <p:boldItalic r:id="rId9"/>
+      <p:regular r:id="rId7"/>
+      <p:bold r:id="rId8"/>
+      <p:italic r:id="rId9"/>
+      <p:boldItalic r:id="rId10"/>
     </p:embeddedFont>
   </p:embeddedFontLst>
   <p:defaultTextStyle>
@@ -19567,7 +19571,7 @@
         </p:nvSpPr>
         <p:spPr>
           <a:xfrm>
-            <a:off x="3567546" y="19989421"/>
+            <a:off x="3567546" y="20544590"/>
             <a:ext cx="7326600" cy="1123800"/>
           </a:xfrm>
           <a:prstGeom prst="rect">
@@ -20426,7 +20430,7 @@
         </p:nvSpPr>
         <p:spPr>
           <a:xfrm>
-            <a:off x="15129329" y="27690207"/>
+            <a:off x="15129329" y="27867189"/>
             <a:ext cx="13926456" cy="4181733"/>
           </a:xfrm>
           <a:prstGeom prst="rect">
@@ -20778,7 +20782,7 @@
         </p:nvSpPr>
         <p:spPr>
           <a:xfrm>
-            <a:off x="607920" y="29767233"/>
+            <a:off x="607920" y="29897861"/>
             <a:ext cx="13926456" cy="2623574"/>
           </a:xfrm>
           <a:prstGeom prst="rect">
@@ -20829,20 +20833,20 @@
           <p:nvPr>
             <p:extLst>
               <p:ext uri="{D42A27DB-BD31-4B8C-83A1-F6EECF244321}">
-                <p14:modId xmlns:p14="http://schemas.microsoft.com/office/powerpoint/2010/main" val="3511877313"/>
+                <p14:modId xmlns:p14="http://schemas.microsoft.com/office/powerpoint/2010/main" val="2432767537"/>
               </p:ext>
             </p:extLst>
           </p:nvPr>
         </p:nvGraphicFramePr>
         <p:xfrm>
-          <a:off x="383046" y="10854099"/>
-          <a:ext cx="13986221" cy="9135322"/>
+          <a:off x="383046" y="10512469"/>
+          <a:ext cx="13986221" cy="10047407"/>
         </p:xfrm>
         <a:graphic>
           <a:graphicData uri="http://schemas.openxmlformats.org/drawingml/2006/table">
             <a:tbl>
               <a:tblPr firstRow="1" bandRow="1">
-                <a:tableStyleId>{9D7B26C5-4107-4FEC-AEDC-1716B250A1EF}</a:tableStyleId>
+                <a:tableStyleId>{3B4B98B0-60AC-42C2-AFA5-B58CD77FA1E5}</a:tableStyleId>
               </a:tblPr>
               <a:tblGrid>
                 <a:gridCol w="1815212">
@@ -20884,8 +20888,6 @@
                       <a:br>
                         <a:rPr lang="en-US" sz="3200" dirty="0">
                           <a:effectLst/>
-                          <a:latin typeface="Times New Roman" panose="02020603050405020304" pitchFamily="18" charset="0"/>
-                          <a:cs typeface="Times New Roman" panose="02020603050405020304" pitchFamily="18" charset="0"/>
                         </a:rPr>
                       </a:br>
                       <a:endParaRPr lang="en-US" sz="3200" dirty="0">
@@ -20895,7 +20897,11 @@
                       </a:endParaRPr>
                     </a:p>
                   </a:txBody>
-                  <a:tcPr marL="63500" marR="63500" marT="63500" marB="63500"/>
+                  <a:tcPr marL="63500" marR="63500" marT="63500" marB="63500">
+                    <a:solidFill>
+                      <a:srgbClr val="31859B"/>
+                    </a:solidFill>
+                  </a:tcPr>
                 </a:tc>
                 <a:tc>
                   <a:txBody>
@@ -20913,8 +20919,6 @@
                       <a:r>
                         <a:rPr lang="en-US" sz="3200" u="none" strike="noStrike" dirty="0">
                           <a:effectLst/>
-                          <a:latin typeface="Times New Roman" panose="02020603050405020304" pitchFamily="18" charset="0"/>
-                          <a:cs typeface="Times New Roman" panose="02020603050405020304" pitchFamily="18" charset="0"/>
                         </a:rPr>
                         <a:t>Codebook</a:t>
                       </a:r>
@@ -20925,7 +20929,11 @@
                       </a:endParaRPr>
                     </a:p>
                   </a:txBody>
-                  <a:tcPr marL="63500" marR="63500" marT="63500" marB="63500" anchor="ctr"/>
+                  <a:tcPr marL="63500" marR="63500" marT="63500" marB="63500" anchor="ctr">
+                    <a:solidFill>
+                      <a:srgbClr val="31859B"/>
+                    </a:solidFill>
+                  </a:tcPr>
                 </a:tc>
                 <a:tc>
                   <a:txBody>
@@ -20943,8 +20951,6 @@
                       <a:r>
                         <a:rPr lang="en-US" sz="3200" u="none" strike="noStrike" dirty="0" err="1">
                           <a:effectLst/>
-                          <a:latin typeface="Times New Roman" panose="02020603050405020304" pitchFamily="18" charset="0"/>
-                          <a:cs typeface="Times New Roman" panose="02020603050405020304" pitchFamily="18" charset="0"/>
                         </a:rPr>
                         <a:t>DataSchema</a:t>
                       </a:r>
@@ -20955,7 +20961,11 @@
                       </a:endParaRPr>
                     </a:p>
                   </a:txBody>
-                  <a:tcPr marL="63500" marR="63500" marT="63500" marB="63500" anchor="ctr"/>
+                  <a:tcPr marL="63500" marR="63500" marT="63500" marB="63500" anchor="ctr">
+                    <a:solidFill>
+                      <a:srgbClr val="31859B"/>
+                    </a:solidFill>
+                  </a:tcPr>
                 </a:tc>
                 <a:tc>
                   <a:txBody>
@@ -20973,8 +20983,6 @@
                       <a:r>
                         <a:rPr lang="en-US" sz="3200" u="none" strike="noStrike" dirty="0">
                           <a:effectLst/>
-                          <a:latin typeface="Times New Roman" panose="02020603050405020304" pitchFamily="18" charset="0"/>
-                          <a:cs typeface="Times New Roman" panose="02020603050405020304" pitchFamily="18" charset="0"/>
                         </a:rPr>
                         <a:t>DD Creator</a:t>
                       </a:r>
@@ -20985,7 +20993,11 @@
                       </a:endParaRPr>
                     </a:p>
                   </a:txBody>
-                  <a:tcPr marL="63500" marR="63500" marT="63500" marB="63500" anchor="ctr"/>
+                  <a:tcPr marL="63500" marR="63500" marT="63500" marB="63500" anchor="ctr">
+                    <a:solidFill>
+                      <a:srgbClr val="31859B"/>
+                    </a:solidFill>
+                  </a:tcPr>
                 </a:tc>
                 <a:extLst>
                   <a:ext uri="{0D108BD9-81ED-4DB2-BD59-A6C34878D82A}">
@@ -21008,10 +21020,8 @@
                         </a:spcAft>
                       </a:pPr>
                       <a:r>
-                        <a:rPr lang="en-US" sz="3200" i="1" u="none" strike="noStrike" dirty="0">
+                        <a:rPr lang="en-US" sz="3200" u="none" strike="noStrike" dirty="0">
                           <a:effectLst/>
-                          <a:latin typeface="Times New Roman" panose="02020603050405020304" pitchFamily="18" charset="0"/>
-                          <a:cs typeface="Times New Roman" panose="02020603050405020304" pitchFamily="18" charset="0"/>
                         </a:rPr>
                         <a:t>Citation</a:t>
                       </a:r>
@@ -21040,19 +21050,11 @@
                       <a:r>
                         <a:rPr lang="en-US" sz="3200" u="none" strike="noStrike" dirty="0">
                           <a:effectLst/>
-                          <a:latin typeface="Times New Roman" panose="02020603050405020304" pitchFamily="18" charset="0"/>
-                          <a:cs typeface="Times New Roman" panose="02020603050405020304" pitchFamily="18" charset="0"/>
                         </a:rPr>
                         <a:t>Arslan (2018)</a:t>
                       </a:r>
                       <a:r>
                         <a:rPr lang="en-US" sz="3200" baseline="30000" dirty="0">
-                          <a:solidFill>
-                            <a:schemeClr val="dk1"/>
-                          </a:solidFill>
-                          <a:latin typeface="Times New Roman" panose="02020603050405020304" pitchFamily="18" charset="0"/>
-                          <a:ea typeface="Times New Roman"/>
-                          <a:cs typeface="Times New Roman" panose="02020603050405020304" pitchFamily="18" charset="0"/>
                           <a:sym typeface="Times New Roman"/>
                         </a:rPr>
                         <a:t> 3</a:t>
@@ -21082,19 +21084,11 @@
                       <a:r>
                         <a:rPr lang="en-US" sz="3200" u="none" strike="noStrike" dirty="0">
                           <a:effectLst/>
-                          <a:latin typeface="Times New Roman" panose="02020603050405020304" pitchFamily="18" charset="0"/>
-                          <a:cs typeface="Times New Roman" panose="02020603050405020304" pitchFamily="18" charset="0"/>
                         </a:rPr>
                         <a:t>Inspired by Data Spice (Boettiger et al., 2018)</a:t>
                       </a:r>
                       <a:r>
                         <a:rPr lang="en-US" sz="3200" baseline="30000" dirty="0">
-                          <a:solidFill>
-                            <a:schemeClr val="dk1"/>
-                          </a:solidFill>
-                          <a:latin typeface="Times New Roman" panose="02020603050405020304" pitchFamily="18" charset="0"/>
-                          <a:ea typeface="Times New Roman"/>
-                          <a:cs typeface="Times New Roman" panose="02020603050405020304" pitchFamily="18" charset="0"/>
                           <a:sym typeface="Times New Roman"/>
                         </a:rPr>
                         <a:t> 4</a:t>
@@ -21124,34 +21118,22 @@
                       <a:r>
                         <a:rPr lang="de-DE" sz="3200" u="none" strike="noStrike" dirty="0">
                           <a:effectLst/>
-                          <a:latin typeface="Times New Roman" panose="02020603050405020304" pitchFamily="18" charset="0"/>
-                          <a:cs typeface="Times New Roman" panose="02020603050405020304" pitchFamily="18" charset="0"/>
                         </a:rPr>
                         <a:t>(DeBruine, Buchanan, &amp; </a:t>
                       </a:r>
                       <a:br>
                         <a:rPr lang="de-DE" sz="3200" u="none" strike="noStrike" dirty="0">
                           <a:effectLst/>
-                          <a:latin typeface="Times New Roman" panose="02020603050405020304" pitchFamily="18" charset="0"/>
-                          <a:cs typeface="Times New Roman" panose="02020603050405020304" pitchFamily="18" charset="0"/>
                         </a:rPr>
                       </a:br>
                       <a:r>
                         <a:rPr lang="de-DE" sz="3200" u="none" strike="noStrike" dirty="0">
                           <a:effectLst/>
-                          <a:latin typeface="Times New Roman" panose="02020603050405020304" pitchFamily="18" charset="0"/>
-                          <a:cs typeface="Times New Roman" panose="02020603050405020304" pitchFamily="18" charset="0"/>
                         </a:rPr>
                         <a:t>Mohr, 2018)</a:t>
                       </a:r>
                       <a:r>
                         <a:rPr lang="en-US" sz="3200" baseline="30000" dirty="0">
-                          <a:solidFill>
-                            <a:schemeClr val="dk1"/>
-                          </a:solidFill>
-                          <a:latin typeface="Times New Roman" panose="02020603050405020304" pitchFamily="18" charset="0"/>
-                          <a:ea typeface="Times New Roman"/>
-                          <a:cs typeface="Times New Roman" panose="02020603050405020304" pitchFamily="18" charset="0"/>
                           <a:sym typeface="Times New Roman"/>
                         </a:rPr>
                         <a:t> 5</a:t>
@@ -21186,10 +21168,8 @@
                         </a:spcAft>
                       </a:pPr>
                       <a:r>
-                        <a:rPr lang="en-US" sz="3200" i="1" u="none" strike="noStrike">
+                        <a:rPr lang="en-US" sz="3200" u="none" strike="noStrike">
                           <a:effectLst/>
-                          <a:latin typeface="Times New Roman" panose="02020603050405020304" pitchFamily="18" charset="0"/>
-                          <a:cs typeface="Times New Roman" panose="02020603050405020304" pitchFamily="18" charset="0"/>
                         </a:rPr>
                         <a:t>Input</a:t>
                       </a:r>
@@ -21218,8 +21198,6 @@
                       <a:r>
                         <a:rPr lang="en-US" sz="3200" u="none" strike="noStrike" dirty="0">
                           <a:effectLst/>
-                          <a:latin typeface="Times New Roman" panose="02020603050405020304" pitchFamily="18" charset="0"/>
-                          <a:cs typeface="Times New Roman" panose="02020603050405020304" pitchFamily="18" charset="0"/>
                         </a:rPr>
                         <a:t>CSV, SPSS, Stata, RDS</a:t>
                       </a:r>
@@ -21248,8 +21226,6 @@
                       <a:r>
                         <a:rPr lang="en-US" sz="3200" u="none" strike="noStrike" dirty="0">
                           <a:effectLst/>
-                          <a:latin typeface="Times New Roman" panose="02020603050405020304" pitchFamily="18" charset="0"/>
-                          <a:cs typeface="Times New Roman" panose="02020603050405020304" pitchFamily="18" charset="0"/>
                         </a:rPr>
                         <a:t>CSV, Text, Excel, SPSS, SAS</a:t>
                       </a:r>
@@ -21278,8 +21254,6 @@
                       <a:r>
                         <a:rPr lang="en-US" sz="3200" u="none" strike="noStrike" dirty="0">
                           <a:effectLst/>
-                          <a:latin typeface="Times New Roman" panose="02020603050405020304" pitchFamily="18" charset="0"/>
-                          <a:cs typeface="Times New Roman" panose="02020603050405020304" pitchFamily="18" charset="0"/>
                         </a:rPr>
                         <a:t>CSV, Text, Excel, SPSS, SAS</a:t>
                       </a:r>
@@ -21313,10 +21287,8 @@
                         </a:spcAft>
                       </a:pPr>
                       <a:r>
-                        <a:rPr lang="en-US" sz="3200" i="1" u="none" strike="noStrike">
+                        <a:rPr lang="en-US" sz="3200" u="none" strike="noStrike">
                           <a:effectLst/>
-                          <a:latin typeface="Times New Roman" panose="02020603050405020304" pitchFamily="18" charset="0"/>
-                          <a:cs typeface="Times New Roman" panose="02020603050405020304" pitchFamily="18" charset="0"/>
                         </a:rPr>
                         <a:t>Output</a:t>
                       </a:r>
@@ -21345,8 +21317,6 @@
                       <a:r>
                         <a:rPr lang="en-US" sz="3200" u="none" strike="noStrike" dirty="0">
                           <a:effectLst/>
-                          <a:latin typeface="Times New Roman" panose="02020603050405020304" pitchFamily="18" charset="0"/>
-                          <a:cs typeface="Times New Roman" panose="02020603050405020304" pitchFamily="18" charset="0"/>
                         </a:rPr>
                         <a:t>HTML report from Markdown </a:t>
                       </a:r>
@@ -21375,8 +21345,6 @@
                       <a:r>
                         <a:rPr lang="en-US" sz="3200" u="none" strike="noStrike" dirty="0">
                           <a:effectLst/>
-                          <a:latin typeface="Times New Roman" panose="02020603050405020304" pitchFamily="18" charset="0"/>
-                          <a:cs typeface="Times New Roman" panose="02020603050405020304" pitchFamily="18" charset="0"/>
                         </a:rPr>
                         <a:t>CSV files of meta-data, JSON, and HTML report</a:t>
                       </a:r>
@@ -21405,16 +21373,12 @@
                       <a:r>
                         <a:rPr lang="en-US" sz="3200" u="none" strike="noStrike" dirty="0">
                           <a:effectLst/>
-                          <a:latin typeface="Times New Roman" panose="02020603050405020304" pitchFamily="18" charset="0"/>
-                          <a:cs typeface="Times New Roman" panose="02020603050405020304" pitchFamily="18" charset="0"/>
                         </a:rPr>
                         <a:t>CSV files of meta-data, JSON, </a:t>
                       </a:r>
                       <a:r>
                         <a:rPr lang="en-US" sz="3200" u="none" strike="noStrike" dirty="0" err="1">
                           <a:effectLst/>
-                          <a:latin typeface="Times New Roman" panose="02020603050405020304" pitchFamily="18" charset="0"/>
-                          <a:cs typeface="Times New Roman" panose="02020603050405020304" pitchFamily="18" charset="0"/>
                         </a:rPr>
                         <a:t>Rdata</a:t>
                       </a:r>
@@ -21448,10 +21412,8 @@
                         </a:spcAft>
                       </a:pPr>
                       <a:r>
-                        <a:rPr lang="en-US" sz="3200" i="1" u="none" strike="noStrike" dirty="0">
+                        <a:rPr lang="en-US" sz="3200" u="none" strike="noStrike" dirty="0">
                           <a:effectLst/>
-                          <a:latin typeface="Times New Roman" panose="02020603050405020304" pitchFamily="18" charset="0"/>
-                          <a:cs typeface="Times New Roman" panose="02020603050405020304" pitchFamily="18" charset="0"/>
                         </a:rPr>
                         <a:t>Benefits</a:t>
                       </a:r>
@@ -21480,15 +21442,11 @@
                       <a:r>
                         <a:rPr lang="en-US" sz="3200" u="none" strike="noStrike" dirty="0">
                           <a:effectLst/>
-                          <a:latin typeface="Times New Roman" panose="02020603050405020304" pitchFamily="18" charset="0"/>
-                          <a:cs typeface="Times New Roman" panose="02020603050405020304" pitchFamily="18" charset="0"/>
                         </a:rPr>
                         <a:t>Easiest to use</a:t>
                       </a:r>
                       <a:endParaRPr lang="en-US" sz="3200" dirty="0">
                         <a:effectLst/>
-                        <a:latin typeface="Times New Roman" panose="02020603050405020304" pitchFamily="18" charset="0"/>
-                        <a:cs typeface="Times New Roman" panose="02020603050405020304" pitchFamily="18" charset="0"/>
                       </a:endParaRPr>
                     </a:p>
                     <a:p>
@@ -21503,15 +21461,11 @@
                       <a:r>
                         <a:rPr lang="en-US" sz="3200" u="none" strike="noStrike" dirty="0">
                           <a:effectLst/>
-                          <a:latin typeface="Times New Roman" panose="02020603050405020304" pitchFamily="18" charset="0"/>
-                          <a:cs typeface="Times New Roman" panose="02020603050405020304" pitchFamily="18" charset="0"/>
                         </a:rPr>
                         <a:t>Quick metadata generation</a:t>
                       </a:r>
                       <a:endParaRPr lang="en-US" sz="3200" dirty="0">
                         <a:effectLst/>
-                        <a:latin typeface="Times New Roman" panose="02020603050405020304" pitchFamily="18" charset="0"/>
-                        <a:cs typeface="Times New Roman" panose="02020603050405020304" pitchFamily="18" charset="0"/>
                       </a:endParaRPr>
                     </a:p>
                     <a:p>
@@ -21526,8 +21480,6 @@
                       <a:r>
                         <a:rPr lang="en-US" sz="3200" u="none" strike="noStrike" dirty="0">
                           <a:effectLst/>
-                          <a:latin typeface="Times New Roman" panose="02020603050405020304" pitchFamily="18" charset="0"/>
-                          <a:cs typeface="Times New Roman" panose="02020603050405020304" pitchFamily="18" charset="0"/>
                         </a:rPr>
                         <a:t>Generates a summary for each variable in a readable format</a:t>
                       </a:r>
@@ -21556,15 +21508,11 @@
                       <a:r>
                         <a:rPr lang="en-US" sz="3200" u="none" strike="noStrike" dirty="0">
                           <a:effectLst/>
-                          <a:latin typeface="Times New Roman" panose="02020603050405020304" pitchFamily="18" charset="0"/>
-                          <a:cs typeface="Times New Roman" panose="02020603050405020304" pitchFamily="18" charset="0"/>
                         </a:rPr>
                         <a:t>Follows schema.org for output</a:t>
                       </a:r>
                       <a:endParaRPr lang="en-US" sz="3200" dirty="0">
                         <a:effectLst/>
-                        <a:latin typeface="Times New Roman" panose="02020603050405020304" pitchFamily="18" charset="0"/>
-                        <a:cs typeface="Times New Roman" panose="02020603050405020304" pitchFamily="18" charset="0"/>
                       </a:endParaRPr>
                     </a:p>
                     <a:p>
@@ -21579,8 +21527,6 @@
                       <a:r>
                         <a:rPr lang="en-US" sz="3200" u="none" strike="noStrike" dirty="0">
                           <a:effectLst/>
-                          <a:latin typeface="Times New Roman" panose="02020603050405020304" pitchFamily="18" charset="0"/>
-                          <a:cs typeface="Times New Roman" panose="02020603050405020304" pitchFamily="18" charset="0"/>
                         </a:rPr>
                         <a:t>Metadata entry is medium</a:t>
                       </a:r>
@@ -21609,15 +21555,11 @@
                       <a:r>
                         <a:rPr lang="en-US" sz="3200" u="none" strike="noStrike" dirty="0">
                           <a:effectLst/>
-                          <a:latin typeface="Times New Roman" panose="02020603050405020304" pitchFamily="18" charset="0"/>
-                          <a:cs typeface="Times New Roman" panose="02020603050405020304" pitchFamily="18" charset="0"/>
                         </a:rPr>
                         <a:t>Follows schema.org</a:t>
                       </a:r>
                       <a:endParaRPr lang="en-US" sz="3200" dirty="0">
                         <a:effectLst/>
-                        <a:latin typeface="Times New Roman" panose="02020603050405020304" pitchFamily="18" charset="0"/>
-                        <a:cs typeface="Times New Roman" panose="02020603050405020304" pitchFamily="18" charset="0"/>
                       </a:endParaRPr>
                     </a:p>
                     <a:p>
@@ -21632,15 +21574,11 @@
                       <a:r>
                         <a:rPr lang="en-US" sz="3200" u="none" strike="noStrike" dirty="0">
                           <a:effectLst/>
-                          <a:latin typeface="Times New Roman" panose="02020603050405020304" pitchFamily="18" charset="0"/>
-                          <a:cs typeface="Times New Roman" panose="02020603050405020304" pitchFamily="18" charset="0"/>
                         </a:rPr>
                         <a:t>Specifies a separate section for category labels</a:t>
                       </a:r>
                       <a:endParaRPr lang="en-US" sz="3200" dirty="0">
                         <a:effectLst/>
-                        <a:latin typeface="Times New Roman" panose="02020603050405020304" pitchFamily="18" charset="0"/>
-                        <a:cs typeface="Times New Roman" panose="02020603050405020304" pitchFamily="18" charset="0"/>
                       </a:endParaRPr>
                     </a:p>
                     <a:p>
@@ -21655,23 +21593,17 @@
                       <a:r>
                         <a:rPr lang="en-US" sz="3200" u="none" strike="noStrike" dirty="0" err="1">
                           <a:effectLst/>
-                          <a:latin typeface="Times New Roman" panose="02020603050405020304" pitchFamily="18" charset="0"/>
-                          <a:cs typeface="Times New Roman" panose="02020603050405020304" pitchFamily="18" charset="0"/>
                         </a:rPr>
                         <a:t>Rdata</a:t>
                       </a:r>
                       <a:r>
                         <a:rPr lang="en-US" sz="3200" u="none" strike="noStrike" dirty="0">
                           <a:effectLst/>
-                          <a:latin typeface="Times New Roman" panose="02020603050405020304" pitchFamily="18" charset="0"/>
-                          <a:cs typeface="Times New Roman" panose="02020603050405020304" pitchFamily="18" charset="0"/>
                         </a:rPr>
                         <a:t> output</a:t>
                       </a:r>
                       <a:endParaRPr lang="en-US" sz="3200" dirty="0">
                         <a:effectLst/>
-                        <a:latin typeface="Times New Roman" panose="02020603050405020304" pitchFamily="18" charset="0"/>
-                        <a:cs typeface="Times New Roman" panose="02020603050405020304" pitchFamily="18" charset="0"/>
                       </a:endParaRPr>
                     </a:p>
                     <a:p>
@@ -21686,8 +21618,6 @@
                       <a:r>
                         <a:rPr lang="en-US" sz="3200" u="none" strike="noStrike" dirty="0">
                           <a:effectLst/>
-                          <a:latin typeface="Times New Roman" panose="02020603050405020304" pitchFamily="18" charset="0"/>
-                          <a:cs typeface="Times New Roman" panose="02020603050405020304" pitchFamily="18" charset="0"/>
                         </a:rPr>
                         <a:t>More detailed descriptions, depending on data</a:t>
                       </a:r>
@@ -21803,7 +21733,7 @@
         </p:blipFill>
         <p:spPr bwMode="auto">
           <a:xfrm>
-            <a:off x="383046" y="21434714"/>
+            <a:off x="383046" y="21663313"/>
             <a:ext cx="13926456" cy="8034494"/>
           </a:xfrm>
           <a:prstGeom prst="rect">
@@ -22195,7 +22125,7 @@
         <p:spPr>
           <a:xfrm>
             <a:off x="383046" y="5331493"/>
-            <a:ext cx="13926456" cy="2062103"/>
+            <a:ext cx="14151330" cy="5016758"/>
           </a:xfrm>
           <a:prstGeom prst="rect">
             <a:avLst/>
@@ -22209,12 +22139,97 @@
           <a:lstStyle/>
           <a:p>
             <a:r>
+              <a:rPr lang="en-US" sz="3200" b="1" dirty="0">
+                <a:latin typeface="Times New Roman" panose="02020603050405020304" pitchFamily="18" charset="0"/>
+                <a:cs typeface="Times New Roman" panose="02020603050405020304" pitchFamily="18" charset="0"/>
+              </a:rPr>
+              <a:t>What is open science?</a:t>
+            </a:r>
+          </a:p>
+          <a:p>
+            <a:pPr marL="457200" indent="-457200">
+              <a:buFont typeface="Arial" panose="020B0604020202020204" pitchFamily="34" charset="0"/>
+              <a:buChar char="•"/>
+            </a:pPr>
+            <a:r>
               <a:rPr lang="en-US" sz="3200" dirty="0">
                 <a:latin typeface="Times New Roman" panose="02020603050405020304" pitchFamily="18" charset="0"/>
                 <a:cs typeface="Times New Roman" panose="02020603050405020304" pitchFamily="18" charset="0"/>
               </a:rPr>
-              <a:t>Put in the abstract here that is much shorter blah blah blah than the intro of the paper. Bullets would be great. </a:t>
+              <a:t>A collaborative effort to make the research process more public</a:t>
             </a:r>
+          </a:p>
+          <a:p>
+            <a:pPr marL="457200" indent="-457200">
+              <a:buFont typeface="Arial" panose="020B0604020202020204" pitchFamily="34" charset="0"/>
+              <a:buChar char="•"/>
+            </a:pPr>
+            <a:r>
+              <a:rPr lang="en-US" sz="3200" dirty="0">
+                <a:latin typeface="Times New Roman" panose="02020603050405020304" pitchFamily="18" charset="0"/>
+                <a:cs typeface="Times New Roman" panose="02020603050405020304" pitchFamily="18" charset="0"/>
+              </a:rPr>
+              <a:t>Online platform created by Brian </a:t>
+            </a:r>
+            <a:r>
+              <a:rPr lang="en-US" sz="3200" dirty="0" err="1">
+                <a:latin typeface="Times New Roman" panose="02020603050405020304" pitchFamily="18" charset="0"/>
+                <a:cs typeface="Times New Roman" panose="02020603050405020304" pitchFamily="18" charset="0"/>
+              </a:rPr>
+              <a:t>Nosek</a:t>
+            </a:r>
+            <a:r>
+              <a:rPr lang="en-US" sz="3200" dirty="0">
+                <a:latin typeface="Times New Roman" panose="02020603050405020304" pitchFamily="18" charset="0"/>
+                <a:cs typeface="Times New Roman" panose="02020603050405020304" pitchFamily="18" charset="0"/>
+              </a:rPr>
+              <a:t> and Jeffrey Spies to openly record, report, and share data (Nelson, Simmons, &amp; </a:t>
+            </a:r>
+            <a:r>
+              <a:rPr lang="en-US" sz="3200" dirty="0" err="1">
+                <a:latin typeface="Times New Roman" panose="02020603050405020304" pitchFamily="18" charset="0"/>
+                <a:cs typeface="Times New Roman" panose="02020603050405020304" pitchFamily="18" charset="0"/>
+              </a:rPr>
+              <a:t>Simonsohn</a:t>
+            </a:r>
+            <a:r>
+              <a:rPr lang="en-US" sz="3200" dirty="0">
+                <a:latin typeface="Times New Roman" panose="02020603050405020304" pitchFamily="18" charset="0"/>
+                <a:cs typeface="Times New Roman" panose="02020603050405020304" pitchFamily="18" charset="0"/>
+              </a:rPr>
+              <a:t>, 2018)</a:t>
+            </a:r>
+            <a:r>
+              <a:rPr lang="en-US" sz="3200" baseline="30000" dirty="0">
+                <a:latin typeface="Times New Roman" panose="02020603050405020304" pitchFamily="18" charset="0"/>
+                <a:cs typeface="Times New Roman" panose="02020603050405020304" pitchFamily="18" charset="0"/>
+              </a:rPr>
+              <a:t>1</a:t>
+            </a:r>
+          </a:p>
+          <a:p>
+            <a:pPr marL="457200" indent="-457200">
+              <a:buFont typeface="Arial" panose="020B0604020202020204" pitchFamily="34" charset="0"/>
+              <a:buChar char="•"/>
+            </a:pPr>
+            <a:r>
+              <a:rPr lang="en-US" sz="3200" dirty="0">
+                <a:latin typeface="Times New Roman" panose="02020603050405020304" pitchFamily="18" charset="0"/>
+                <a:cs typeface="Times New Roman" panose="02020603050405020304" pitchFamily="18" charset="0"/>
+              </a:rPr>
+              <a:t>Open data discourages fraud and makes replication more likely (Piwowar, 2013)</a:t>
+            </a:r>
+            <a:r>
+              <a:rPr lang="en-US" sz="3200" baseline="30000" dirty="0">
+                <a:latin typeface="Times New Roman" panose="02020603050405020304" pitchFamily="18" charset="0"/>
+                <a:cs typeface="Times New Roman" panose="02020603050405020304" pitchFamily="18" charset="0"/>
+              </a:rPr>
+              <a:t> 2</a:t>
+            </a:r>
+            <a:endParaRPr lang="en-US" sz="3200" dirty="0">
+              <a:latin typeface="Times New Roman" panose="02020603050405020304" pitchFamily="18" charset="0"/>
+              <a:cs typeface="Times New Roman" panose="02020603050405020304" pitchFamily="18" charset="0"/>
+            </a:endParaRPr>
           </a:p>
           <a:p>
             <a:endParaRPr lang="en-US" sz="3200" dirty="0">
@@ -22224,11 +22239,50 @@
           </a:p>
           <a:p>
             <a:r>
+              <a:rPr lang="en-US" sz="3200" b="1" dirty="0">
+                <a:latin typeface="Times New Roman" panose="02020603050405020304" pitchFamily="18" charset="0"/>
+                <a:cs typeface="Times New Roman" panose="02020603050405020304" pitchFamily="18" charset="0"/>
+              </a:rPr>
+              <a:t>Why data dictionaries?</a:t>
+            </a:r>
+          </a:p>
+          <a:p>
+            <a:pPr marL="457200" indent="-457200">
+              <a:buFont typeface="Arial" panose="020B0604020202020204" pitchFamily="34" charset="0"/>
+              <a:buChar char="•"/>
+            </a:pPr>
+            <a:r>
               <a:rPr lang="en-US" sz="3200" dirty="0">
                 <a:latin typeface="Times New Roman" panose="02020603050405020304" pitchFamily="18" charset="0"/>
                 <a:cs typeface="Times New Roman" panose="02020603050405020304" pitchFamily="18" charset="0"/>
               </a:rPr>
-              <a:t>Can you figure out the blue color and make the background of the table below that? </a:t>
+              <a:t>Data dictionaries are documents that contain metadata about a dataset</a:t>
+            </a:r>
+          </a:p>
+          <a:p>
+            <a:pPr marL="457200" indent="-457200">
+              <a:buFont typeface="Arial" panose="020B0604020202020204" pitchFamily="34" charset="0"/>
+              <a:buChar char="•"/>
+            </a:pPr>
+            <a:r>
+              <a:rPr lang="en-US" sz="3200" dirty="0">
+                <a:latin typeface="Times New Roman" panose="02020603050405020304" pitchFamily="18" charset="0"/>
+                <a:cs typeface="Times New Roman" panose="02020603050405020304" pitchFamily="18" charset="0"/>
+              </a:rPr>
+              <a:t>They allow researchers to make data more open and easier to interpret</a:t>
+            </a:r>
+          </a:p>
+          <a:p>
+            <a:pPr marL="457200" indent="-457200">
+              <a:buFont typeface="Arial" panose="020B0604020202020204" pitchFamily="34" charset="0"/>
+              <a:buChar char="•"/>
+            </a:pPr>
+            <a:r>
+              <a:rPr lang="en-US" sz="3200" dirty="0">
+                <a:latin typeface="Times New Roman" panose="02020603050405020304" pitchFamily="18" charset="0"/>
+                <a:cs typeface="Times New Roman" panose="02020603050405020304" pitchFamily="18" charset="0"/>
+              </a:rPr>
+              <a:t>Several dictionary creation apps depending on researchers’ needs</a:t>
             </a:r>
           </a:p>
         </p:txBody>

--- a/poster/Data Dictionary Poster.pptx
+++ b/poster/Data Dictionary Poster.pptx
@@ -15,19 +15,15 @@
   <p:notesSz cx="6858000" cy="9144000"/>
   <p:embeddedFontLst>
     <p:embeddedFont>
-      <p:font typeface="Abril Fatface" panose="020B0604020202020204" charset="0"/>
+      <p:font typeface="Abril Fatface" panose="02000503000000020003" pitchFamily="2" charset="77"/>
       <p:regular r:id="rId5"/>
     </p:embeddedFont>
     <p:embeddedFont>
-      <p:font typeface="Arial Black" panose="020B0A04020102020204" pitchFamily="34" charset="0"/>
-      <p:bold r:id="rId6"/>
-    </p:embeddedFont>
-    <p:embeddedFont>
       <p:font typeface="Calibri" panose="020F0502020204030204" pitchFamily="34" charset="0"/>
-      <p:regular r:id="rId7"/>
-      <p:bold r:id="rId8"/>
-      <p:italic r:id="rId9"/>
-      <p:boldItalic r:id="rId10"/>
+      <p:regular r:id="rId6"/>
+      <p:bold r:id="rId7"/>
+      <p:italic r:id="rId8"/>
+      <p:boldItalic r:id="rId9"/>
     </p:embeddedFont>
   </p:embeddedFontLst>
   <p:defaultTextStyle>
@@ -278,7 +274,7 @@
 <file path=ppt/revisionInfo.xml><?xml version="1.0" encoding="utf-8"?>
 <p1510:revInfo xmlns:a="http://schemas.openxmlformats.org/drawingml/2006/main" xmlns:r="http://schemas.openxmlformats.org/officeDocument/2006/relationships" xmlns:p1510="http://schemas.microsoft.com/office/powerpoint/2015/10/main">
   <p1510:revLst>
-    <p1510:client id="{785FA902-6E67-944C-8DEF-C55885C0C45E}" v="14" dt="2019-03-03T23:54:41.928"/>
+    <p1510:client id="{785FA902-6E67-944C-8DEF-C55885C0C45E}" v="15" dt="2019-03-04T02:38:16.296"/>
   </p1510:revLst>
 </p1510:revInfo>
 </file>
@@ -288,12 +284,12 @@
   <pc:docChgLst>
     <pc:chgData name="Erin Buchanan" userId="a202a620-6e05-42b1-a3fc-fcfad0b42cdc" providerId="ADAL" clId="{785FA902-6E67-944C-8DEF-C55885C0C45E}"/>
     <pc:docChg chg="undo redo custSel modSld">
-      <pc:chgData name="Erin Buchanan" userId="a202a620-6e05-42b1-a3fc-fcfad0b42cdc" providerId="ADAL" clId="{785FA902-6E67-944C-8DEF-C55885C0C45E}" dt="2019-03-03T23:54:52.370" v="646" actId="255"/>
+      <pc:chgData name="Erin Buchanan" userId="a202a620-6e05-42b1-a3fc-fcfad0b42cdc" providerId="ADAL" clId="{785FA902-6E67-944C-8DEF-C55885C0C45E}" dt="2019-03-04T02:39:13.480" v="686" actId="1036"/>
       <pc:docMkLst>
         <pc:docMk/>
       </pc:docMkLst>
       <pc:sldChg chg="addSp delSp modSp">
-        <pc:chgData name="Erin Buchanan" userId="a202a620-6e05-42b1-a3fc-fcfad0b42cdc" providerId="ADAL" clId="{785FA902-6E67-944C-8DEF-C55885C0C45E}" dt="2019-03-03T23:54:52.370" v="646" actId="255"/>
+        <pc:chgData name="Erin Buchanan" userId="a202a620-6e05-42b1-a3fc-fcfad0b42cdc" providerId="ADAL" clId="{785FA902-6E67-944C-8DEF-C55885C0C45E}" dt="2019-03-04T02:39:13.480" v="686" actId="1036"/>
         <pc:sldMkLst>
           <pc:docMk/>
           <pc:sldMk cId="0" sldId="256"/>
@@ -371,7 +367,7 @@
           </ac:spMkLst>
         </pc:spChg>
         <pc:spChg chg="mod">
-          <ac:chgData name="Erin Buchanan" userId="a202a620-6e05-42b1-a3fc-fcfad0b42cdc" providerId="ADAL" clId="{785FA902-6E67-944C-8DEF-C55885C0C45E}" dt="2019-03-03T23:48:18.429" v="199" actId="1076"/>
+          <ac:chgData name="Erin Buchanan" userId="a202a620-6e05-42b1-a3fc-fcfad0b42cdc" providerId="ADAL" clId="{785FA902-6E67-944C-8DEF-C55885C0C45E}" dt="2019-03-04T02:38:29.384" v="663" actId="1035"/>
           <ac:spMkLst>
             <pc:docMk/>
             <pc:sldMk cId="0" sldId="256"/>
@@ -435,7 +431,7 @@
           </ac:spMkLst>
         </pc:spChg>
         <pc:spChg chg="mod">
-          <ac:chgData name="Erin Buchanan" userId="a202a620-6e05-42b1-a3fc-fcfad0b42cdc" providerId="ADAL" clId="{785FA902-6E67-944C-8DEF-C55885C0C45E}" dt="2019-03-03T23:48:05.170" v="196" actId="1076"/>
+          <ac:chgData name="Erin Buchanan" userId="a202a620-6e05-42b1-a3fc-fcfad0b42cdc" providerId="ADAL" clId="{785FA902-6E67-944C-8DEF-C55885C0C45E}" dt="2019-03-04T02:38:44.195" v="684" actId="1037"/>
           <ac:spMkLst>
             <pc:docMk/>
             <pc:sldMk cId="0" sldId="256"/>
@@ -443,7 +439,7 @@
           </ac:spMkLst>
         </pc:spChg>
         <pc:graphicFrameChg chg="mod modGraphic">
-          <ac:chgData name="Erin Buchanan" userId="a202a620-6e05-42b1-a3fc-fcfad0b42cdc" providerId="ADAL" clId="{785FA902-6E67-944C-8DEF-C55885C0C45E}" dt="2019-03-03T23:48:42.533" v="203" actId="14100"/>
+          <ac:chgData name="Erin Buchanan" userId="a202a620-6e05-42b1-a3fc-fcfad0b42cdc" providerId="ADAL" clId="{785FA902-6E67-944C-8DEF-C55885C0C45E}" dt="2019-03-04T02:39:13.480" v="686" actId="1036"/>
           <ac:graphicFrameMkLst>
             <pc:docMk/>
             <pc:sldMk cId="0" sldId="256"/>
@@ -459,7 +455,7 @@
           </ac:picMkLst>
         </pc:picChg>
         <pc:picChg chg="mod">
-          <ac:chgData name="Erin Buchanan" userId="a202a620-6e05-42b1-a3fc-fcfad0b42cdc" providerId="ADAL" clId="{785FA902-6E67-944C-8DEF-C55885C0C45E}" dt="2019-03-03T23:48:10.277" v="197" actId="1076"/>
+          <ac:chgData name="Erin Buchanan" userId="a202a620-6e05-42b1-a3fc-fcfad0b42cdc" providerId="ADAL" clId="{785FA902-6E67-944C-8DEF-C55885C0C45E}" dt="2019-03-04T02:38:33.637" v="673" actId="1035"/>
           <ac:picMkLst>
             <pc:docMk/>
             <pc:sldMk cId="0" sldId="256"/>
@@ -507,7 +503,7 @@
           </ac:picMkLst>
         </pc:picChg>
         <pc:cxnChg chg="add mod">
-          <ac:chgData name="Erin Buchanan" userId="a202a620-6e05-42b1-a3fc-fcfad0b42cdc" providerId="ADAL" clId="{785FA902-6E67-944C-8DEF-C55885C0C45E}" dt="2019-03-03T23:45:45.215" v="53" actId="11529"/>
+          <ac:chgData name="Erin Buchanan" userId="a202a620-6e05-42b1-a3fc-fcfad0b42cdc" providerId="ADAL" clId="{785FA902-6E67-944C-8DEF-C55885C0C45E}" dt="2019-03-04T02:37:57.777" v="647" actId="14100"/>
           <ac:cxnSpMkLst>
             <pc:docMk/>
             <pc:sldMk cId="0" sldId="256"/>
@@ -19571,7 +19567,7 @@
         </p:nvSpPr>
         <p:spPr>
           <a:xfrm>
-            <a:off x="3567546" y="20544590"/>
+            <a:off x="3567546" y="19934988"/>
             <a:ext cx="7326600" cy="1123800"/>
           </a:xfrm>
           <a:prstGeom prst="rect">
@@ -20782,7 +20778,7 @@
         </p:nvSpPr>
         <p:spPr>
           <a:xfrm>
-            <a:off x="607920" y="29897861"/>
+            <a:off x="390205" y="29636603"/>
             <a:ext cx="13926456" cy="2623574"/>
           </a:xfrm>
           <a:prstGeom prst="rect">
@@ -20833,14 +20829,14 @@
           <p:nvPr>
             <p:extLst>
               <p:ext uri="{D42A27DB-BD31-4B8C-83A1-F6EECF244321}">
-                <p14:modId xmlns:p14="http://schemas.microsoft.com/office/powerpoint/2010/main" val="2432767537"/>
+                <p14:modId xmlns:p14="http://schemas.microsoft.com/office/powerpoint/2010/main" val="2459095775"/>
               </p:ext>
             </p:extLst>
           </p:nvPr>
         </p:nvGraphicFramePr>
         <p:xfrm>
-          <a:off x="383046" y="10512469"/>
-          <a:ext cx="13986221" cy="10047407"/>
+          <a:off x="383046" y="10577783"/>
+          <a:ext cx="13986221" cy="9135322"/>
         </p:xfrm>
         <a:graphic>
           <a:graphicData uri="http://schemas.openxmlformats.org/drawingml/2006/table">
@@ -20888,6 +20884,8 @@
                       <a:br>
                         <a:rPr lang="en-US" sz="3200" dirty="0">
                           <a:effectLst/>
+                          <a:latin typeface="Times New Roman" panose="02020603050405020304" pitchFamily="18" charset="0"/>
+                          <a:cs typeface="Times New Roman" panose="02020603050405020304" pitchFamily="18" charset="0"/>
                         </a:rPr>
                       </a:br>
                       <a:endParaRPr lang="en-US" sz="3200" dirty="0">
@@ -20919,6 +20917,8 @@
                       <a:r>
                         <a:rPr lang="en-US" sz="3200" u="none" strike="noStrike" dirty="0">
                           <a:effectLst/>
+                          <a:latin typeface="Times New Roman" panose="02020603050405020304" pitchFamily="18" charset="0"/>
+                          <a:cs typeface="Times New Roman" panose="02020603050405020304" pitchFamily="18" charset="0"/>
                         </a:rPr>
                         <a:t>Codebook</a:t>
                       </a:r>
@@ -20951,6 +20951,8 @@
                       <a:r>
                         <a:rPr lang="en-US" sz="3200" u="none" strike="noStrike" dirty="0" err="1">
                           <a:effectLst/>
+                          <a:latin typeface="Times New Roman" panose="02020603050405020304" pitchFamily="18" charset="0"/>
+                          <a:cs typeface="Times New Roman" panose="02020603050405020304" pitchFamily="18" charset="0"/>
                         </a:rPr>
                         <a:t>DataSchema</a:t>
                       </a:r>
@@ -20983,6 +20985,8 @@
                       <a:r>
                         <a:rPr lang="en-US" sz="3200" u="none" strike="noStrike" dirty="0">
                           <a:effectLst/>
+                          <a:latin typeface="Times New Roman" panose="02020603050405020304" pitchFamily="18" charset="0"/>
+                          <a:cs typeface="Times New Roman" panose="02020603050405020304" pitchFamily="18" charset="0"/>
                         </a:rPr>
                         <a:t>DD Creator</a:t>
                       </a:r>
@@ -21022,6 +21026,8 @@
                       <a:r>
                         <a:rPr lang="en-US" sz="3200" u="none" strike="noStrike" dirty="0">
                           <a:effectLst/>
+                          <a:latin typeface="Times New Roman" panose="02020603050405020304" pitchFamily="18" charset="0"/>
+                          <a:cs typeface="Times New Roman" panose="02020603050405020304" pitchFamily="18" charset="0"/>
                         </a:rPr>
                         <a:t>Citation</a:t>
                       </a:r>
@@ -21050,11 +21056,15 @@
                       <a:r>
                         <a:rPr lang="en-US" sz="3200" u="none" strike="noStrike" dirty="0">
                           <a:effectLst/>
+                          <a:latin typeface="Times New Roman" panose="02020603050405020304" pitchFamily="18" charset="0"/>
+                          <a:cs typeface="Times New Roman" panose="02020603050405020304" pitchFamily="18" charset="0"/>
                         </a:rPr>
                         <a:t>Arslan (2018)</a:t>
                       </a:r>
                       <a:r>
                         <a:rPr lang="en-US" sz="3200" baseline="30000" dirty="0">
+                          <a:latin typeface="Times New Roman" panose="02020603050405020304" pitchFamily="18" charset="0"/>
+                          <a:cs typeface="Times New Roman" panose="02020603050405020304" pitchFamily="18" charset="0"/>
                           <a:sym typeface="Times New Roman"/>
                         </a:rPr>
                         <a:t> 3</a:t>
@@ -21084,11 +21094,15 @@
                       <a:r>
                         <a:rPr lang="en-US" sz="3200" u="none" strike="noStrike" dirty="0">
                           <a:effectLst/>
+                          <a:latin typeface="Times New Roman" panose="02020603050405020304" pitchFamily="18" charset="0"/>
+                          <a:cs typeface="Times New Roman" panose="02020603050405020304" pitchFamily="18" charset="0"/>
                         </a:rPr>
                         <a:t>Inspired by Data Spice (Boettiger et al., 2018)</a:t>
                       </a:r>
                       <a:r>
                         <a:rPr lang="en-US" sz="3200" baseline="30000" dirty="0">
+                          <a:latin typeface="Times New Roman" panose="02020603050405020304" pitchFamily="18" charset="0"/>
+                          <a:cs typeface="Times New Roman" panose="02020603050405020304" pitchFamily="18" charset="0"/>
                           <a:sym typeface="Times New Roman"/>
                         </a:rPr>
                         <a:t> 4</a:t>
@@ -21118,22 +21132,30 @@
                       <a:r>
                         <a:rPr lang="de-DE" sz="3200" u="none" strike="noStrike" dirty="0">
                           <a:effectLst/>
+                          <a:latin typeface="Times New Roman" panose="02020603050405020304" pitchFamily="18" charset="0"/>
+                          <a:cs typeface="Times New Roman" panose="02020603050405020304" pitchFamily="18" charset="0"/>
                         </a:rPr>
                         <a:t>(DeBruine, Buchanan, &amp; </a:t>
                       </a:r>
                       <a:br>
                         <a:rPr lang="de-DE" sz="3200" u="none" strike="noStrike" dirty="0">
                           <a:effectLst/>
+                          <a:latin typeface="Times New Roman" panose="02020603050405020304" pitchFamily="18" charset="0"/>
+                          <a:cs typeface="Times New Roman" panose="02020603050405020304" pitchFamily="18" charset="0"/>
                         </a:rPr>
                       </a:br>
                       <a:r>
                         <a:rPr lang="de-DE" sz="3200" u="none" strike="noStrike" dirty="0">
                           <a:effectLst/>
+                          <a:latin typeface="Times New Roman" panose="02020603050405020304" pitchFamily="18" charset="0"/>
+                          <a:cs typeface="Times New Roman" panose="02020603050405020304" pitchFamily="18" charset="0"/>
                         </a:rPr>
                         <a:t>Mohr, 2018)</a:t>
                       </a:r>
                       <a:r>
                         <a:rPr lang="en-US" sz="3200" baseline="30000" dirty="0">
+                          <a:latin typeface="Times New Roman" panose="02020603050405020304" pitchFamily="18" charset="0"/>
+                          <a:cs typeface="Times New Roman" panose="02020603050405020304" pitchFamily="18" charset="0"/>
                           <a:sym typeface="Times New Roman"/>
                         </a:rPr>
                         <a:t> 5</a:t>
@@ -21170,6 +21192,8 @@
                       <a:r>
                         <a:rPr lang="en-US" sz="3200" u="none" strike="noStrike">
                           <a:effectLst/>
+                          <a:latin typeface="Times New Roman" panose="02020603050405020304" pitchFamily="18" charset="0"/>
+                          <a:cs typeface="Times New Roman" panose="02020603050405020304" pitchFamily="18" charset="0"/>
                         </a:rPr>
                         <a:t>Input</a:t>
                       </a:r>
@@ -21198,6 +21222,8 @@
                       <a:r>
                         <a:rPr lang="en-US" sz="3200" u="none" strike="noStrike" dirty="0">
                           <a:effectLst/>
+                          <a:latin typeface="Times New Roman" panose="02020603050405020304" pitchFamily="18" charset="0"/>
+                          <a:cs typeface="Times New Roman" panose="02020603050405020304" pitchFamily="18" charset="0"/>
                         </a:rPr>
                         <a:t>CSV, SPSS, Stata, RDS</a:t>
                       </a:r>
@@ -21226,6 +21252,8 @@
                       <a:r>
                         <a:rPr lang="en-US" sz="3200" u="none" strike="noStrike" dirty="0">
                           <a:effectLst/>
+                          <a:latin typeface="Times New Roman" panose="02020603050405020304" pitchFamily="18" charset="0"/>
+                          <a:cs typeface="Times New Roman" panose="02020603050405020304" pitchFamily="18" charset="0"/>
                         </a:rPr>
                         <a:t>CSV, Text, Excel, SPSS, SAS</a:t>
                       </a:r>
@@ -21254,6 +21282,8 @@
                       <a:r>
                         <a:rPr lang="en-US" sz="3200" u="none" strike="noStrike" dirty="0">
                           <a:effectLst/>
+                          <a:latin typeface="Times New Roman" panose="02020603050405020304" pitchFamily="18" charset="0"/>
+                          <a:cs typeface="Times New Roman" panose="02020603050405020304" pitchFamily="18" charset="0"/>
                         </a:rPr>
                         <a:t>CSV, Text, Excel, SPSS, SAS</a:t>
                       </a:r>
@@ -21289,6 +21319,8 @@
                       <a:r>
                         <a:rPr lang="en-US" sz="3200" u="none" strike="noStrike">
                           <a:effectLst/>
+                          <a:latin typeface="Times New Roman" panose="02020603050405020304" pitchFamily="18" charset="0"/>
+                          <a:cs typeface="Times New Roman" panose="02020603050405020304" pitchFamily="18" charset="0"/>
                         </a:rPr>
                         <a:t>Output</a:t>
                       </a:r>
@@ -21317,6 +21349,8 @@
                       <a:r>
                         <a:rPr lang="en-US" sz="3200" u="none" strike="noStrike" dirty="0">
                           <a:effectLst/>
+                          <a:latin typeface="Times New Roman" panose="02020603050405020304" pitchFamily="18" charset="0"/>
+                          <a:cs typeface="Times New Roman" panose="02020603050405020304" pitchFamily="18" charset="0"/>
                         </a:rPr>
                         <a:t>HTML report from Markdown </a:t>
                       </a:r>
@@ -21345,6 +21379,8 @@
                       <a:r>
                         <a:rPr lang="en-US" sz="3200" u="none" strike="noStrike" dirty="0">
                           <a:effectLst/>
+                          <a:latin typeface="Times New Roman" panose="02020603050405020304" pitchFamily="18" charset="0"/>
+                          <a:cs typeface="Times New Roman" panose="02020603050405020304" pitchFamily="18" charset="0"/>
                         </a:rPr>
                         <a:t>CSV files of meta-data, JSON, and HTML report</a:t>
                       </a:r>
@@ -21373,12 +21409,16 @@
                       <a:r>
                         <a:rPr lang="en-US" sz="3200" u="none" strike="noStrike" dirty="0">
                           <a:effectLst/>
+                          <a:latin typeface="Times New Roman" panose="02020603050405020304" pitchFamily="18" charset="0"/>
+                          <a:cs typeface="Times New Roman" panose="02020603050405020304" pitchFamily="18" charset="0"/>
                         </a:rPr>
                         <a:t>CSV files of meta-data, JSON, </a:t>
                       </a:r>
                       <a:r>
                         <a:rPr lang="en-US" sz="3200" u="none" strike="noStrike" dirty="0" err="1">
                           <a:effectLst/>
+                          <a:latin typeface="Times New Roman" panose="02020603050405020304" pitchFamily="18" charset="0"/>
+                          <a:cs typeface="Times New Roman" panose="02020603050405020304" pitchFamily="18" charset="0"/>
                         </a:rPr>
                         <a:t>Rdata</a:t>
                       </a:r>
@@ -21414,6 +21454,8 @@
                       <a:r>
                         <a:rPr lang="en-US" sz="3200" u="none" strike="noStrike" dirty="0">
                           <a:effectLst/>
+                          <a:latin typeface="Times New Roman" panose="02020603050405020304" pitchFamily="18" charset="0"/>
+                          <a:cs typeface="Times New Roman" panose="02020603050405020304" pitchFamily="18" charset="0"/>
                         </a:rPr>
                         <a:t>Benefits</a:t>
                       </a:r>
@@ -21442,11 +21484,15 @@
                       <a:r>
                         <a:rPr lang="en-US" sz="3200" u="none" strike="noStrike" dirty="0">
                           <a:effectLst/>
+                          <a:latin typeface="Times New Roman" panose="02020603050405020304" pitchFamily="18" charset="0"/>
+                          <a:cs typeface="Times New Roman" panose="02020603050405020304" pitchFamily="18" charset="0"/>
                         </a:rPr>
                         <a:t>Easiest to use</a:t>
                       </a:r>
                       <a:endParaRPr lang="en-US" sz="3200" dirty="0">
                         <a:effectLst/>
+                        <a:latin typeface="Times New Roman" panose="02020603050405020304" pitchFamily="18" charset="0"/>
+                        <a:cs typeface="Times New Roman" panose="02020603050405020304" pitchFamily="18" charset="0"/>
                       </a:endParaRPr>
                     </a:p>
                     <a:p>
@@ -21461,11 +21507,15 @@
                       <a:r>
                         <a:rPr lang="en-US" sz="3200" u="none" strike="noStrike" dirty="0">
                           <a:effectLst/>
+                          <a:latin typeface="Times New Roman" panose="02020603050405020304" pitchFamily="18" charset="0"/>
+                          <a:cs typeface="Times New Roman" panose="02020603050405020304" pitchFamily="18" charset="0"/>
                         </a:rPr>
                         <a:t>Quick metadata generation</a:t>
                       </a:r>
                       <a:endParaRPr lang="en-US" sz="3200" dirty="0">
                         <a:effectLst/>
+                        <a:latin typeface="Times New Roman" panose="02020603050405020304" pitchFamily="18" charset="0"/>
+                        <a:cs typeface="Times New Roman" panose="02020603050405020304" pitchFamily="18" charset="0"/>
                       </a:endParaRPr>
                     </a:p>
                     <a:p>
@@ -21480,6 +21530,8 @@
                       <a:r>
                         <a:rPr lang="en-US" sz="3200" u="none" strike="noStrike" dirty="0">
                           <a:effectLst/>
+                          <a:latin typeface="Times New Roman" panose="02020603050405020304" pitchFamily="18" charset="0"/>
+                          <a:cs typeface="Times New Roman" panose="02020603050405020304" pitchFamily="18" charset="0"/>
                         </a:rPr>
                         <a:t>Generates a summary for each variable in a readable format</a:t>
                       </a:r>
@@ -21508,11 +21560,15 @@
                       <a:r>
                         <a:rPr lang="en-US" sz="3200" u="none" strike="noStrike" dirty="0">
                           <a:effectLst/>
+                          <a:latin typeface="Times New Roman" panose="02020603050405020304" pitchFamily="18" charset="0"/>
+                          <a:cs typeface="Times New Roman" panose="02020603050405020304" pitchFamily="18" charset="0"/>
                         </a:rPr>
                         <a:t>Follows schema.org for output</a:t>
                       </a:r>
                       <a:endParaRPr lang="en-US" sz="3200" dirty="0">
                         <a:effectLst/>
+                        <a:latin typeface="Times New Roman" panose="02020603050405020304" pitchFamily="18" charset="0"/>
+                        <a:cs typeface="Times New Roman" panose="02020603050405020304" pitchFamily="18" charset="0"/>
                       </a:endParaRPr>
                     </a:p>
                     <a:p>
@@ -21527,6 +21583,8 @@
                       <a:r>
                         <a:rPr lang="en-US" sz="3200" u="none" strike="noStrike" dirty="0">
                           <a:effectLst/>
+                          <a:latin typeface="Times New Roman" panose="02020603050405020304" pitchFamily="18" charset="0"/>
+                          <a:cs typeface="Times New Roman" panose="02020603050405020304" pitchFamily="18" charset="0"/>
                         </a:rPr>
                         <a:t>Metadata entry is medium</a:t>
                       </a:r>
@@ -21555,11 +21613,15 @@
                       <a:r>
                         <a:rPr lang="en-US" sz="3200" u="none" strike="noStrike" dirty="0">
                           <a:effectLst/>
+                          <a:latin typeface="Times New Roman" panose="02020603050405020304" pitchFamily="18" charset="0"/>
+                          <a:cs typeface="Times New Roman" panose="02020603050405020304" pitchFamily="18" charset="0"/>
                         </a:rPr>
                         <a:t>Follows schema.org</a:t>
                       </a:r>
                       <a:endParaRPr lang="en-US" sz="3200" dirty="0">
                         <a:effectLst/>
+                        <a:latin typeface="Times New Roman" panose="02020603050405020304" pitchFamily="18" charset="0"/>
+                        <a:cs typeface="Times New Roman" panose="02020603050405020304" pitchFamily="18" charset="0"/>
                       </a:endParaRPr>
                     </a:p>
                     <a:p>
@@ -21574,11 +21636,15 @@
                       <a:r>
                         <a:rPr lang="en-US" sz="3200" u="none" strike="noStrike" dirty="0">
                           <a:effectLst/>
+                          <a:latin typeface="Times New Roman" panose="02020603050405020304" pitchFamily="18" charset="0"/>
+                          <a:cs typeface="Times New Roman" panose="02020603050405020304" pitchFamily="18" charset="0"/>
                         </a:rPr>
                         <a:t>Specifies a separate section for category labels</a:t>
                       </a:r>
                       <a:endParaRPr lang="en-US" sz="3200" dirty="0">
                         <a:effectLst/>
+                        <a:latin typeface="Times New Roman" panose="02020603050405020304" pitchFamily="18" charset="0"/>
+                        <a:cs typeface="Times New Roman" panose="02020603050405020304" pitchFamily="18" charset="0"/>
                       </a:endParaRPr>
                     </a:p>
                     <a:p>
@@ -21593,17 +21659,23 @@
                       <a:r>
                         <a:rPr lang="en-US" sz="3200" u="none" strike="noStrike" dirty="0" err="1">
                           <a:effectLst/>
+                          <a:latin typeface="Times New Roman" panose="02020603050405020304" pitchFamily="18" charset="0"/>
+                          <a:cs typeface="Times New Roman" panose="02020603050405020304" pitchFamily="18" charset="0"/>
                         </a:rPr>
                         <a:t>Rdata</a:t>
                       </a:r>
                       <a:r>
                         <a:rPr lang="en-US" sz="3200" u="none" strike="noStrike" dirty="0">
                           <a:effectLst/>
+                          <a:latin typeface="Times New Roman" panose="02020603050405020304" pitchFamily="18" charset="0"/>
+                          <a:cs typeface="Times New Roman" panose="02020603050405020304" pitchFamily="18" charset="0"/>
                         </a:rPr>
                         <a:t> output</a:t>
                       </a:r>
                       <a:endParaRPr lang="en-US" sz="3200" dirty="0">
                         <a:effectLst/>
+                        <a:latin typeface="Times New Roman" panose="02020603050405020304" pitchFamily="18" charset="0"/>
+                        <a:cs typeface="Times New Roman" panose="02020603050405020304" pitchFamily="18" charset="0"/>
                       </a:endParaRPr>
                     </a:p>
                     <a:p>
@@ -21618,6 +21690,8 @@
                       <a:r>
                         <a:rPr lang="en-US" sz="3200" u="none" strike="noStrike" dirty="0">
                           <a:effectLst/>
+                          <a:latin typeface="Times New Roman" panose="02020603050405020304" pitchFamily="18" charset="0"/>
+                          <a:cs typeface="Times New Roman" panose="02020603050405020304" pitchFamily="18" charset="0"/>
                         </a:rPr>
                         <a:t>More detailed descriptions, depending on data</a:t>
                       </a:r>
@@ -21733,7 +21807,7 @@
         </p:blipFill>
         <p:spPr bwMode="auto">
           <a:xfrm>
-            <a:off x="383046" y="21663313"/>
+            <a:off x="383046" y="21227883"/>
             <a:ext cx="13926456" cy="8034494"/>
           </a:xfrm>
           <a:prstGeom prst="rect">
@@ -22083,13 +22157,15 @@
               </a:ext>
             </a:extLst>
           </p:cNvPr>
-          <p:cNvCxnSpPr/>
+          <p:cNvCxnSpPr>
+            <a:cxnSpLocks/>
+          </p:cNvCxnSpPr>
           <p:nvPr/>
         </p:nvCxnSpPr>
         <p:spPr>
           <a:xfrm>
             <a:off x="0" y="3886200"/>
-            <a:ext cx="44185114" cy="0"/>
+            <a:ext cx="43891200" cy="0"/>
           </a:xfrm>
           <a:prstGeom prst="line">
             <a:avLst/>

--- a/poster/Data Dictionary Poster.pptx
+++ b/poster/Data Dictionary Poster.pptx
@@ -15,7 +15,7 @@
   <p:notesSz cx="6858000" cy="9144000"/>
   <p:embeddedFontLst>
     <p:embeddedFont>
-      <p:font typeface="Abril Fatface" panose="02000503000000020003" pitchFamily="2" charset="77"/>
+      <p:font typeface="Abril Fatface" panose="020B0604020202020204" charset="0"/>
       <p:regular r:id="rId5"/>
     </p:embeddedFont>
     <p:embeddedFont>
@@ -268,6 +268,13 @@
   <p:cmAuthor id="0" name="William Padfield" initials="" lastIdx="1" clrIdx="0"/>
   <p:cmAuthor id="1" name="Amber Gillenwaters" initials="" lastIdx="7" clrIdx="1"/>
   <p:cmAuthor id="2" name="Addie Wikowsky" initials="" lastIdx="1" clrIdx="2"/>
+  <p:cmAuthor id="3" name="Ari Cunningham" initials="AC" lastIdx="1" clrIdx="3">
+    <p:extLst>
+      <p:ext uri="{19B8F6BF-5375-455C-9EA6-DF929625EA0E}">
+        <p15:presenceInfo xmlns:p15="http://schemas.microsoft.com/office/powerpoint/2012/main" userId="b766d94c7e4eb68e" providerId="Windows Live"/>
+      </p:ext>
+    </p:extLst>
+  </p:cmAuthor>
 </p:cmAuthorLst>
 </file>
 
@@ -1061,15 +1068,18 @@
               </a:spcAft>
               <a:buNone/>
             </a:pPr>
-            <a:endParaRPr sz="1200" b="0" i="0" u="none" strike="noStrike" cap="none">
-              <a:solidFill>
-                <a:schemeClr val="dk1"/>
-              </a:solidFill>
-              <a:latin typeface="Calibri"/>
-              <a:ea typeface="Calibri"/>
-              <a:cs typeface="Calibri"/>
-              <a:sym typeface="Calibri"/>
-            </a:endParaRPr>
+            <a:r>
+              <a:rPr lang="en-US" sz="1200" b="0" i="0" u="none" strike="noStrike" cap="none" dirty="0">
+                <a:solidFill>
+                  <a:schemeClr val="dk1"/>
+                </a:solidFill>
+                <a:latin typeface="Calibri"/>
+                <a:ea typeface="Calibri"/>
+                <a:cs typeface="Calibri"/>
+                <a:sym typeface="Calibri"/>
+              </a:rPr>
+              <a:t>Do we still like the title?</a:t>
+            </a:r>
           </a:p>
         </p:txBody>
       </p:sp>
@@ -19409,7 +19419,7 @@
                 <a:cs typeface="Times New Roman" panose="02020603050405020304" pitchFamily="18" charset="0"/>
                 <a:sym typeface="Arial Black"/>
               </a:rPr>
-              <a:t>Arielle Cunningham, Sarah E. Crain, Hannah R. Johnson, Hannah Stash, Erin M. Buchanan, PhD</a:t>
+              <a:t>Ari L. Cunningham, Sarah E. Crain, Hannah R. Johnson, Hannah Stash, Erin M. Buchanan, PhD</a:t>
             </a:r>
             <a:endParaRPr lang="en" sz="4500" b="1" dirty="0">
               <a:solidFill>
@@ -19509,8 +19519,8 @@
         </p:nvSpPr>
         <p:spPr>
           <a:xfrm>
-            <a:off x="19096800" y="4106942"/>
-            <a:ext cx="5260800" cy="1123800"/>
+            <a:off x="15966111" y="4106943"/>
+            <a:ext cx="11684000" cy="1123800"/>
           </a:xfrm>
           <a:prstGeom prst="rect">
             <a:avLst/>
@@ -19536,7 +19546,7 @@
               <a:buNone/>
             </a:pPr>
             <a:r>
-              <a:rPr lang="en-US" sz="6000" b="1" dirty="0" err="1">
+              <a:rPr lang="en-US" sz="6000" b="1" dirty="0">
                 <a:solidFill>
                   <a:srgbClr val="31859B"/>
                 </a:solidFill>
@@ -19545,7 +19555,7 @@
                 <a:cs typeface="Times New Roman" panose="02020603050405020304" pitchFamily="18" charset="0"/>
                 <a:sym typeface="Calibri"/>
               </a:rPr>
-              <a:t>DataSchema</a:t>
+              <a:t>Data Dictionary Workflow</a:t>
             </a:r>
             <a:endParaRPr sz="6000" b="1" dirty="0">
               <a:solidFill>
@@ -19695,8 +19705,136 @@
         </p:nvSpPr>
         <p:spPr>
           <a:xfrm>
-            <a:off x="15180899" y="14446173"/>
-            <a:ext cx="13410600" cy="5311398"/>
+            <a:off x="15129330" y="18972909"/>
+            <a:ext cx="13168534" cy="5157092"/>
+          </a:xfrm>
+          <a:prstGeom prst="rect">
+            <a:avLst/>
+          </a:prstGeom>
+          <a:noFill/>
+          <a:ln>
+            <a:noFill/>
+          </a:ln>
+        </p:spPr>
+        <p:txBody>
+          <a:bodyPr spcFirstLastPara="1" wrap="square" lIns="91425" tIns="91425" rIns="91425" bIns="91425" anchor="t" anchorCtr="0">
+            <a:noAutofit/>
+          </a:bodyPr>
+          <a:lstStyle/>
+          <a:p>
+            <a:pPr lvl="0"/>
+            <a:r>
+              <a:rPr lang="en-US" sz="3200" b="1" dirty="0">
+                <a:solidFill>
+                  <a:schemeClr val="dk1"/>
+                </a:solidFill>
+                <a:latin typeface="Times New Roman" panose="02020603050405020304" pitchFamily="18" charset="0"/>
+                <a:ea typeface="Calibri"/>
+                <a:cs typeface="Times New Roman" panose="02020603050405020304" pitchFamily="18" charset="0"/>
+                <a:sym typeface="Calibri"/>
+              </a:rPr>
+              <a:t>Why standardization?</a:t>
+            </a:r>
+            <a:endParaRPr lang="en-US" sz="3200" dirty="0">
+              <a:solidFill>
+                <a:schemeClr val="dk1"/>
+              </a:solidFill>
+              <a:latin typeface="Times New Roman" panose="02020603050405020304" pitchFamily="18" charset="0"/>
+              <a:ea typeface="Calibri"/>
+              <a:cs typeface="Times New Roman" panose="02020603050405020304" pitchFamily="18" charset="0"/>
+              <a:sym typeface="Calibri"/>
+            </a:endParaRPr>
+          </a:p>
+          <a:p>
+            <a:pPr lvl="0"/>
+            <a:r>
+              <a:rPr lang="en-US" sz="3200" dirty="0">
+                <a:solidFill>
+                  <a:schemeClr val="dk1"/>
+                </a:solidFill>
+                <a:latin typeface="Times New Roman" panose="02020603050405020304" pitchFamily="18" charset="0"/>
+                <a:ea typeface="Calibri"/>
+                <a:cs typeface="Times New Roman" panose="02020603050405020304" pitchFamily="18" charset="0"/>
+                <a:sym typeface="Calibri"/>
+              </a:rPr>
+              <a:t>Schema.org is a website that provides structure for what can and should be included in metadata. It provides a community-based set of standards for structured data. One benefit of such standardization is the ability to index one’s dataset so that other researchers can easily find it. Google Dataset Search, which is connected to schema.org, allows researchers to index their datasets using metadata and the JSON file format (see below). Visit the site at </a:t>
+            </a:r>
+            <a:r>
+              <a:rPr lang="en-US" sz="3200" dirty="0">
+                <a:solidFill>
+                  <a:srgbClr val="31859B"/>
+                </a:solidFill>
+                <a:latin typeface="Times New Roman" panose="02020603050405020304" pitchFamily="18" charset="0"/>
+                <a:ea typeface="Calibri"/>
+                <a:cs typeface="Times New Roman" panose="02020603050405020304" pitchFamily="18" charset="0"/>
+                <a:sym typeface="Calibri"/>
+                <a:hlinkClick r:id="rId3">
+                  <a:extLst>
+                    <a:ext uri="{A12FA001-AC4F-418D-AE19-62706E023703}">
+                      <ahyp:hlinkClr xmlns:ahyp="http://schemas.microsoft.com/office/drawing/2018/hyperlinkcolor" val="tx"/>
+                    </a:ext>
+                  </a:extLst>
+                </a:hlinkClick>
+              </a:rPr>
+              <a:t>https://toolbox.google.com/datasetsearch</a:t>
+            </a:r>
+            <a:r>
+              <a:rPr lang="en-US" sz="3200" dirty="0">
+                <a:solidFill>
+                  <a:schemeClr val="dk1"/>
+                </a:solidFill>
+                <a:latin typeface="Times New Roman" panose="02020603050405020304" pitchFamily="18" charset="0"/>
+                <a:ea typeface="Calibri"/>
+                <a:cs typeface="Times New Roman" panose="02020603050405020304" pitchFamily="18" charset="0"/>
+                <a:sym typeface="Calibri"/>
+              </a:rPr>
+              <a:t>. For psychological research, current standardization efforts include the Psych-DS project (Kline, 2018)</a:t>
+            </a:r>
+            <a:r>
+              <a:rPr lang="en-US" sz="3200" baseline="30000" dirty="0">
+                <a:latin typeface="Times New Roman" panose="02020603050405020304" pitchFamily="18" charset="0"/>
+                <a:cs typeface="Times New Roman" panose="02020603050405020304" pitchFamily="18" charset="0"/>
+                <a:sym typeface="Times New Roman"/>
+              </a:rPr>
+              <a:t> 5</a:t>
+            </a:r>
+            <a:r>
+              <a:rPr lang="en-US" sz="3200" dirty="0">
+                <a:solidFill>
+                  <a:schemeClr val="dk1"/>
+                </a:solidFill>
+                <a:latin typeface="Times New Roman" panose="02020603050405020304" pitchFamily="18" charset="0"/>
+                <a:ea typeface="Calibri"/>
+                <a:cs typeface="Times New Roman" panose="02020603050405020304" pitchFamily="18" charset="0"/>
+                <a:sym typeface="Calibri"/>
+              </a:rPr>
+              <a:t>. Data dictionaries are one component of this broader effort.</a:t>
+            </a:r>
+          </a:p>
+          <a:p>
+            <a:pPr lvl="0"/>
+            <a:endParaRPr lang="en-US" sz="3200" dirty="0">
+              <a:solidFill>
+                <a:schemeClr val="dk1"/>
+              </a:solidFill>
+              <a:latin typeface="Times New Roman" panose="02020603050405020304" pitchFamily="18" charset="0"/>
+              <a:ea typeface="Calibri"/>
+              <a:cs typeface="Times New Roman" panose="02020603050405020304" pitchFamily="18" charset="0"/>
+              <a:sym typeface="Calibri"/>
+            </a:endParaRPr>
+          </a:p>
+        </p:txBody>
+      </p:sp>
+      <p:sp>
+        <p:nvSpPr>
+          <p:cNvPr id="141" name="Shape 141"/>
+          <p:cNvSpPr txBox="1"/>
+          <p:nvPr/>
+        </p:nvSpPr>
+        <p:spPr>
+          <a:xfrm>
+            <a:off x="29356825" y="13267704"/>
+            <a:ext cx="13891800" cy="5672280"/>
           </a:xfrm>
           <a:prstGeom prst="rect">
             <a:avLst/>
@@ -19720,64 +19858,8 @@
                 <a:cs typeface="Times New Roman"/>
                 <a:sym typeface="Times New Roman"/>
               </a:rPr>
-              <a:t>This application allows users to create an HTML report, a JSON file formatted following guidelines for datasets from schema.org, and .csv files of their metadata. JSON files are machine readable formats, which are encouraged for sharing. In this application, descriptions of the dataset properties (e.g., authors, collection dates) and column information should be entered to complete the metadata files.</a:t>
+              <a:t>DD Creator allows a user to enter metadata for each column provided in the dataset, while automatically providing a starting point for the number of unique values, missing values, variable type (i.e., character, numeric), and minimum/maximum values. A description of each column can be added, along with information about the levels/groups in the data and synonyms for the variables. On a separate page, category labels can be provided for both character and numeric data (i.e., Likert-type scales that include labeled numbers). Users can also enter information about dataset properties such as authors and collection dates, according to schema.org recommendations. This application allows users to create an HTML report, a JSON file formatted to follow guidelines for datasets from schema.org, and CSV files of their metadata.</a:t>
             </a:r>
-            <a:endParaRPr sz="3200" dirty="0">
-              <a:latin typeface="Times New Roman"/>
-              <a:ea typeface="Times New Roman"/>
-              <a:cs typeface="Times New Roman"/>
-              <a:sym typeface="Times New Roman"/>
-            </a:endParaRPr>
-          </a:p>
-        </p:txBody>
-      </p:sp>
-      <p:sp>
-        <p:nvSpPr>
-          <p:cNvPr id="141" name="Shape 141"/>
-          <p:cNvSpPr txBox="1"/>
-          <p:nvPr/>
-        </p:nvSpPr>
-        <p:spPr>
-          <a:xfrm>
-            <a:off x="29356825" y="13274066"/>
-            <a:ext cx="13891800" cy="4181733"/>
-          </a:xfrm>
-          <a:prstGeom prst="rect">
-            <a:avLst/>
-          </a:prstGeom>
-          <a:noFill/>
-          <a:ln>
-            <a:noFill/>
-          </a:ln>
-        </p:spPr>
-        <p:txBody>
-          <a:bodyPr spcFirstLastPara="1" wrap="square" lIns="91425" tIns="91425" rIns="91425" bIns="91425" anchor="t" anchorCtr="0">
-            <a:noAutofit/>
-          </a:bodyPr>
-          <a:lstStyle/>
-          <a:p>
-            <a:pPr lvl="0"/>
-            <a:r>
-              <a:rPr lang="en-US" sz="3200" dirty="0">
-                <a:latin typeface="Times New Roman"/>
-                <a:ea typeface="Times New Roman"/>
-                <a:cs typeface="Times New Roman"/>
-                <a:sym typeface="Times New Roman"/>
-              </a:rPr>
-              <a:t>DD Creator allows a user to enter metadata for each column provided in the dataset, while automatically providing a starting point for the number of unique values, missing values, variable type (i.e., character, numeric), and minimum/maximum values. A description of each column can be added, along with information about the levels/groups in the data and synonyms for the variables. On a separate page, category labels can be provided for both character and numeric data (i.e., Likert-type scales that include labeled numbers). </a:t>
-            </a:r>
-            <a:endParaRPr sz="2500" dirty="0"/>
-          </a:p>
-          <a:p>
-            <a:pPr marL="0" lvl="0" indent="0">
-              <a:spcBef>
-                <a:spcPts val="0"/>
-              </a:spcBef>
-              <a:spcAft>
-                <a:spcPts val="0"/>
-              </a:spcAft>
-              <a:buNone/>
-            </a:pPr>
             <a:endParaRPr sz="2500" dirty="0"/>
           </a:p>
           <a:p>
@@ -20054,8 +20136,8 @@
         </p:nvSpPr>
         <p:spPr>
           <a:xfrm>
-            <a:off x="29356825" y="26257678"/>
-            <a:ext cx="14094300" cy="6454621"/>
+            <a:off x="29356825" y="27184077"/>
+            <a:ext cx="14094300" cy="5076100"/>
           </a:xfrm>
           <a:prstGeom prst="rect">
             <a:avLst/>
@@ -20265,7 +20347,7 @@
               <a:buAutoNum type="arabicPeriod"/>
             </a:pPr>
             <a:r>
-              <a:rPr lang="en-US" sz="3000" dirty="0">
+              <a:rPr lang="en-US" sz="3000" dirty="0" err="1">
                 <a:solidFill>
                   <a:schemeClr val="dk1"/>
                 </a:solidFill>
@@ -20274,10 +20356,10 @@
                 <a:cs typeface="Times New Roman"/>
                 <a:sym typeface="Times New Roman"/>
               </a:rPr>
-              <a:t>Boettiger, C., Chamberlain, S., Fournier, A., </a:t>
+              <a:t>DeBruine</a:t>
             </a:r>
             <a:r>
-              <a:rPr lang="en-US" sz="3000" dirty="0" err="1">
+              <a:rPr lang="en-US" sz="3000" dirty="0">
                 <a:solidFill>
                   <a:schemeClr val="dk1"/>
                 </a:solidFill>
@@ -20286,10 +20368,10 @@
                 <a:cs typeface="Times New Roman"/>
                 <a:sym typeface="Times New Roman"/>
               </a:rPr>
-              <a:t>Hondula</a:t>
+              <a:t>, L., Buchanan, E. M., &amp; Mohr, A. H. (2018, July 1). </a:t>
             </a:r>
             <a:r>
-              <a:rPr lang="en-US" sz="3000" dirty="0">
+              <a:rPr lang="en-US" sz="3000" dirty="0" err="1">
                 <a:solidFill>
                   <a:schemeClr val="dk1"/>
                 </a:solidFill>
@@ -20298,10 +20380,10 @@
                 <a:cs typeface="Times New Roman"/>
                 <a:sym typeface="Times New Roman"/>
               </a:rPr>
-              <a:t>, K., </a:t>
+              <a:t>ddcreator</a:t>
             </a:r>
             <a:r>
-              <a:rPr lang="en-US" sz="3000" dirty="0" err="1">
+              <a:rPr lang="en-US" sz="3000" dirty="0">
                 <a:solidFill>
                   <a:schemeClr val="dk1"/>
                 </a:solidFill>
@@ -20310,43 +20392,7 @@
                 <a:cs typeface="Times New Roman"/>
                 <a:sym typeface="Times New Roman"/>
               </a:rPr>
-              <a:t>Krystalli</a:t>
-            </a:r>
-            <a:r>
-              <a:rPr lang="en-US" sz="3000" dirty="0">
-                <a:solidFill>
-                  <a:schemeClr val="dk1"/>
-                </a:solidFill>
-                <a:latin typeface="Times New Roman"/>
-                <a:ea typeface="Times New Roman"/>
-                <a:cs typeface="Times New Roman"/>
-                <a:sym typeface="Times New Roman"/>
-              </a:rPr>
-              <a:t>, A., Mecum, B., … Woo, K. (2018, October 10). </a:t>
-            </a:r>
-            <a:r>
-              <a:rPr lang="en-US" sz="3000" dirty="0" err="1">
-                <a:solidFill>
-                  <a:schemeClr val="dk1"/>
-                </a:solidFill>
-                <a:latin typeface="Times New Roman"/>
-                <a:ea typeface="Times New Roman"/>
-                <a:cs typeface="Times New Roman"/>
-                <a:sym typeface="Times New Roman"/>
-              </a:rPr>
-              <a:t>dataspice</a:t>
-            </a:r>
-            <a:r>
-              <a:rPr lang="en-US" sz="3000" dirty="0">
-                <a:solidFill>
-                  <a:schemeClr val="dk1"/>
-                </a:solidFill>
-                <a:latin typeface="Times New Roman"/>
-                <a:ea typeface="Times New Roman"/>
-                <a:cs typeface="Times New Roman"/>
-                <a:sym typeface="Times New Roman"/>
-              </a:rPr>
-              <a:t>. Retrieved November 24, 2018, from https://github.com/ropenscilabs/dataspice</a:t>
+              <a:t>. Retrieved November 24, 2018, from https://github.com/debruine/ddcreator</a:t>
             </a:r>
           </a:p>
           <a:p>
@@ -20359,7 +20405,7 @@
               <a:buAutoNum type="arabicPeriod"/>
             </a:pPr>
             <a:r>
-              <a:rPr lang="en-US" sz="3000" dirty="0" err="1">
+              <a:rPr lang="en-US" sz="3000" dirty="0">
                 <a:solidFill>
                   <a:schemeClr val="dk1"/>
                 </a:solidFill>
@@ -20368,43 +20414,7 @@
                 <a:cs typeface="Times New Roman"/>
                 <a:sym typeface="Times New Roman"/>
               </a:rPr>
-              <a:t>DeBruine</a:t>
-            </a:r>
-            <a:r>
-              <a:rPr lang="en-US" sz="3000" dirty="0">
-                <a:solidFill>
-                  <a:schemeClr val="dk1"/>
-                </a:solidFill>
-                <a:latin typeface="Times New Roman"/>
-                <a:ea typeface="Times New Roman"/>
-                <a:cs typeface="Times New Roman"/>
-                <a:sym typeface="Times New Roman"/>
-              </a:rPr>
-              <a:t>, L., Buchanan, E. M., &amp; Mohr, A. H. (2018, July 1). </a:t>
-            </a:r>
-            <a:r>
-              <a:rPr lang="en-US" sz="3000" dirty="0" err="1">
-                <a:solidFill>
-                  <a:schemeClr val="dk1"/>
-                </a:solidFill>
-                <a:latin typeface="Times New Roman"/>
-                <a:ea typeface="Times New Roman"/>
-                <a:cs typeface="Times New Roman"/>
-                <a:sym typeface="Times New Roman"/>
-              </a:rPr>
-              <a:t>ddcreator</a:t>
-            </a:r>
-            <a:r>
-              <a:rPr lang="en-US" sz="3000" dirty="0">
-                <a:solidFill>
-                  <a:schemeClr val="dk1"/>
-                </a:solidFill>
-                <a:latin typeface="Times New Roman"/>
-                <a:ea typeface="Times New Roman"/>
-                <a:cs typeface="Times New Roman"/>
-                <a:sym typeface="Times New Roman"/>
-              </a:rPr>
-              <a:t>. Retrieved November 24, 2018, from https://github.com/debruine/ddcreator</a:t>
+              <a:t>Kline, M. (2018). psych-DS. Retrieved from https://github.com/psych-ds/psych-DS</a:t>
             </a:r>
             <a:endParaRPr sz="3000" dirty="0">
               <a:solidFill>
@@ -20426,8 +20436,8 @@
         </p:nvSpPr>
         <p:spPr>
           <a:xfrm>
-            <a:off x="15129329" y="27867189"/>
-            <a:ext cx="13926456" cy="4181733"/>
+            <a:off x="15129329" y="29636603"/>
+            <a:ext cx="13926456" cy="2623574"/>
           </a:xfrm>
           <a:prstGeom prst="rect">
             <a:avLst/>
@@ -20475,7 +20485,7 @@
                 <a:cs typeface="Times New Roman"/>
                 <a:sym typeface="Times New Roman"/>
               </a:rPr>
-              <a:t>contact Arielle Cunningham </a:t>
+              <a:t>contact Ari Cunningham </a:t>
             </a:r>
             <a:r>
               <a:rPr lang="en" sz="3200" dirty="0">
@@ -20492,20 +20502,26 @@
             <a:r>
               <a:rPr lang="en-US" sz="3200" dirty="0">
                 <a:solidFill>
-                  <a:schemeClr val="dk1"/>
+                  <a:srgbClr val="31859B"/>
                 </a:solidFill>
                 <a:latin typeface="Times New Roman"/>
                 <a:ea typeface="Times New Roman"/>
                 <a:cs typeface="Times New Roman"/>
                 <a:sym typeface="Times New Roman"/>
-                <a:hlinkClick r:id="rId3"/>
+                <a:hlinkClick r:id="rId4">
+                  <a:extLst>
+                    <a:ext uri="{A12FA001-AC4F-418D-AE19-62706E023703}">
+                      <ahyp:hlinkClr xmlns:ahyp="http://schemas.microsoft.com/office/drawing/2018/hyperlinkcolor" val="tx"/>
+                    </a:ext>
+                  </a:extLst>
+                </a:hlinkClick>
               </a:rPr>
               <a:t>arielle924@live.missouristate.edu</a:t>
             </a:r>
             <a:r>
               <a:rPr lang="en-US" sz="3200" dirty="0">
                 <a:solidFill>
-                  <a:schemeClr val="dk1"/>
+                  <a:srgbClr val="31859B"/>
                 </a:solidFill>
                 <a:latin typeface="Times New Roman"/>
                 <a:ea typeface="Times New Roman"/>
@@ -20535,20 +20551,26 @@
             <a:r>
               <a:rPr lang="en-US" sz="3200" dirty="0">
                 <a:solidFill>
-                  <a:schemeClr val="dk1"/>
+                  <a:srgbClr val="31859B"/>
                 </a:solidFill>
                 <a:latin typeface="Times New Roman"/>
                 <a:ea typeface="Times New Roman"/>
                 <a:cs typeface="Times New Roman"/>
                 <a:sym typeface="Times New Roman"/>
-                <a:hlinkClick r:id="rId4"/>
+                <a:hlinkClick r:id="rId5">
+                  <a:extLst>
+                    <a:ext uri="{A12FA001-AC4F-418D-AE19-62706E023703}">
+                      <ahyp:hlinkClr xmlns:ahyp="http://schemas.microsoft.com/office/drawing/2018/hyperlinkcolor" val="tx"/>
+                    </a:ext>
+                  </a:extLst>
+                </a:hlinkClick>
               </a:rPr>
               <a:t>https://osf.io/3y2ex/</a:t>
             </a:r>
             <a:r>
               <a:rPr lang="en-US" sz="3200" dirty="0">
                 <a:solidFill>
-                  <a:schemeClr val="dk1"/>
+                  <a:srgbClr val="31859B"/>
                 </a:solidFill>
                 <a:latin typeface="Times New Roman"/>
                 <a:ea typeface="Times New Roman"/>
@@ -20559,7 +20581,7 @@
             </a:r>
             <a:endParaRPr lang="en" sz="3200" dirty="0">
               <a:solidFill>
-                <a:schemeClr val="dk1"/>
+                <a:srgbClr val="31859B"/>
               </a:solidFill>
               <a:latin typeface="Times New Roman"/>
               <a:ea typeface="Times New Roman"/>
@@ -20573,7 +20595,7 @@
               <a:buChar char="•"/>
             </a:pPr>
             <a:r>
-              <a:rPr lang="en" sz="3200" dirty="0">
+              <a:rPr lang="en-US" sz="3200" dirty="0">
                 <a:solidFill>
                   <a:schemeClr val="dk1"/>
                 </a:solidFill>
@@ -20582,73 +20604,31 @@
                 <a:cs typeface="Times New Roman"/>
                 <a:sym typeface="Times New Roman"/>
               </a:rPr>
-              <a:t>Check out </a:t>
+              <a:t>Check out the DD Creator code at: </a:t>
             </a:r>
             <a:r>
               <a:rPr lang="en-US" sz="3200" dirty="0">
                 <a:solidFill>
-                  <a:schemeClr val="dk1"/>
+                  <a:srgbClr val="31859B"/>
                 </a:solidFill>
                 <a:latin typeface="Times New Roman"/>
                 <a:ea typeface="Times New Roman"/>
                 <a:cs typeface="Times New Roman"/>
                 <a:sym typeface="Times New Roman"/>
+                <a:hlinkClick r:id="rId6">
+                  <a:extLst>
+                    <a:ext uri="{A12FA001-AC4F-418D-AE19-62706E023703}">
+                      <ahyp:hlinkClr xmlns:ahyp="http://schemas.microsoft.com/office/drawing/2018/hyperlinkcolor" val="tx"/>
+                    </a:ext>
+                  </a:extLst>
+                </a:hlinkClick>
               </a:rPr>
-              <a:t>the </a:t>
-            </a:r>
-            <a:r>
-              <a:rPr lang="en-US" sz="3200" dirty="0" err="1">
-                <a:solidFill>
-                  <a:schemeClr val="dk1"/>
-                </a:solidFill>
-                <a:latin typeface="Times New Roman"/>
-                <a:ea typeface="Times New Roman"/>
-                <a:cs typeface="Times New Roman"/>
-                <a:sym typeface="Times New Roman"/>
-              </a:rPr>
-              <a:t>DataSchema</a:t>
-            </a:r>
-            <a:r>
-              <a:rPr lang="en" sz="3200" dirty="0">
-                <a:solidFill>
-                  <a:schemeClr val="dk1"/>
-                </a:solidFill>
-                <a:latin typeface="Times New Roman"/>
-                <a:ea typeface="Times New Roman"/>
-                <a:cs typeface="Times New Roman"/>
-                <a:sym typeface="Times New Roman"/>
-              </a:rPr>
-              <a:t> code at</a:t>
+              <a:t>https://github.com/doomlab/dd-creator</a:t>
             </a:r>
             <a:r>
               <a:rPr lang="en-US" sz="3200" dirty="0">
                 <a:solidFill>
-                  <a:schemeClr val="dk1"/>
-                </a:solidFill>
-                <a:latin typeface="Times New Roman"/>
-                <a:ea typeface="Times New Roman"/>
-                <a:cs typeface="Times New Roman"/>
-                <a:sym typeface="Times New Roman"/>
-              </a:rPr>
-              <a:t>: </a:t>
-            </a:r>
-            <a:r>
-              <a:rPr lang="en-US" sz="3200" dirty="0">
-                <a:solidFill>
-                  <a:schemeClr val="dk1"/>
-                </a:solidFill>
-                <a:latin typeface="Times New Roman"/>
-                <a:ea typeface="Times New Roman"/>
-                <a:cs typeface="Times New Roman"/>
-                <a:sym typeface="Times New Roman"/>
-                <a:hlinkClick r:id="rId5"/>
-              </a:rPr>
-              <a:t>https://github.com/doomlab/shiny-server/tree/master/MOTE</a:t>
-            </a:r>
-            <a:r>
-              <a:rPr lang="en-US" sz="3200" dirty="0">
-                <a:solidFill>
-                  <a:schemeClr val="dk1"/>
+                  <a:srgbClr val="31859B"/>
                 </a:solidFill>
                 <a:latin typeface="Times New Roman"/>
                 <a:ea typeface="Times New Roman"/>
@@ -20657,55 +20637,9 @@
               </a:rPr>
               <a:t> </a:t>
             </a:r>
-          </a:p>
-          <a:p>
-            <a:pPr marL="457200" lvl="0" indent="-457200">
-              <a:buFont typeface="Arial" panose="020B0604020202020204" pitchFamily="34" charset="0"/>
-              <a:buChar char="•"/>
-            </a:pPr>
-            <a:r>
-              <a:rPr lang="en-US" sz="3200" dirty="0">
-                <a:solidFill>
-                  <a:schemeClr val="dk1"/>
-                </a:solidFill>
-                <a:latin typeface="Times New Roman"/>
-                <a:ea typeface="Times New Roman"/>
-                <a:cs typeface="Times New Roman"/>
-                <a:sym typeface="Times New Roman"/>
-              </a:rPr>
-              <a:t>Check out the DD Creator code at </a:t>
-            </a:r>
-            <a:r>
-              <a:rPr lang="en-US" sz="3200" dirty="0">
-                <a:solidFill>
-                  <a:schemeClr val="dk1"/>
-                </a:solidFill>
-                <a:latin typeface="Times New Roman"/>
-                <a:ea typeface="Times New Roman"/>
-                <a:cs typeface="Times New Roman"/>
-                <a:sym typeface="Times New Roman"/>
-                <a:hlinkClick r:id="rId6"/>
-              </a:rPr>
-              <a:t>https://github.com/doomlab/data-dictionary/tree/master/ddcreator</a:t>
-            </a:r>
-            <a:r>
-              <a:rPr lang="en-US" sz="3200" dirty="0">
-                <a:solidFill>
-                  <a:schemeClr val="dk1"/>
-                </a:solidFill>
-                <a:latin typeface="Times New Roman"/>
-                <a:ea typeface="Times New Roman"/>
-                <a:cs typeface="Times New Roman"/>
-                <a:sym typeface="Times New Roman"/>
-              </a:rPr>
-              <a:t> </a:t>
-            </a:r>
-          </a:p>
-          <a:p>
-            <a:pPr lvl="0"/>
             <a:endParaRPr lang="en-US" sz="3000" dirty="0">
               <a:solidFill>
-                <a:schemeClr val="dk1"/>
+                <a:srgbClr val="31859B"/>
               </a:solidFill>
               <a:latin typeface="Times New Roman"/>
               <a:ea typeface="Times New Roman"/>
@@ -20803,7 +20737,7 @@
                 <a:cs typeface="Times New Roman"/>
                 <a:sym typeface="Times New Roman"/>
               </a:rPr>
-              <a:t>Codebook is an R package with a corresponding website that allows researchers to create reports of their data, including reliabilities, summaries of items (histograms, descriptive statistics. Of the three available options, codebook is the quickest and easiest to implement; however, non computer savvy users would have trouble editing the automatically produced output if they wished to add more information.</a:t>
+              <a:t>Codebook is an R package with a corresponding website that allows researchers to create reports of their data, including reliabilities and summaries of items (e.g. histograms, descriptive statistics). Of the available options, codebook is the quickest and easiest to implement; however, non-computer-savvy users would have trouble editing the automatically produced output if they wished to add more information.</a:t>
             </a:r>
             <a:endParaRPr sz="3200" dirty="0">
               <a:latin typeface="Times New Roman"/>
@@ -20829,14 +20763,14 @@
           <p:nvPr>
             <p:extLst>
               <p:ext uri="{D42A27DB-BD31-4B8C-83A1-F6EECF244321}">
-                <p14:modId xmlns:p14="http://schemas.microsoft.com/office/powerpoint/2010/main" val="2459095775"/>
+                <p14:modId xmlns:p14="http://schemas.microsoft.com/office/powerpoint/2010/main" val="2690403231"/>
               </p:ext>
             </p:extLst>
           </p:nvPr>
         </p:nvGraphicFramePr>
         <p:xfrm>
-          <a:off x="383046" y="10577783"/>
-          <a:ext cx="13986221" cy="9135322"/>
+          <a:off x="383045" y="10577783"/>
+          <a:ext cx="13933616" cy="9166837"/>
         </p:xfrm>
         <a:graphic>
           <a:graphicData uri="http://schemas.openxmlformats.org/drawingml/2006/table">
@@ -20845,28 +20779,21 @@
                 <a:tableStyleId>{3B4B98B0-60AC-42C2-AFA5-B58CD77FA1E5}</a:tableStyleId>
               </a:tblPr>
               <a:tblGrid>
-                <a:gridCol w="1815212">
+                <a:gridCol w="2337222">
                   <a:extLst>
                     <a:ext uri="{9D8B030D-6E8A-4147-A177-3AD203B41FA5}">
                       <a16:colId xmlns:a16="http://schemas.microsoft.com/office/drawing/2014/main" val="2598367570"/>
                     </a:ext>
                   </a:extLst>
                 </a:gridCol>
-                <a:gridCol w="3663295">
+                <a:gridCol w="5999767">
                   <a:extLst>
                     <a:ext uri="{9D8B030D-6E8A-4147-A177-3AD203B41FA5}">
                       <a16:colId xmlns:a16="http://schemas.microsoft.com/office/drawing/2014/main" val="3042147170"/>
                     </a:ext>
                   </a:extLst>
                 </a:gridCol>
-                <a:gridCol w="3164626">
-                  <a:extLst>
-                    <a:ext uri="{9D8B030D-6E8A-4147-A177-3AD203B41FA5}">
-                      <a16:colId xmlns:a16="http://schemas.microsoft.com/office/drawing/2014/main" val="3604015598"/>
-                    </a:ext>
-                  </a:extLst>
-                </a:gridCol>
-                <a:gridCol w="5343088">
+                <a:gridCol w="5596627">
                   <a:extLst>
                     <a:ext uri="{9D8B030D-6E8A-4147-A177-3AD203B41FA5}">
                       <a16:colId xmlns:a16="http://schemas.microsoft.com/office/drawing/2014/main" val="83359757"/>
@@ -20921,40 +20848,6 @@
                           <a:cs typeface="Times New Roman" panose="02020603050405020304" pitchFamily="18" charset="0"/>
                         </a:rPr>
                         <a:t>Codebook</a:t>
-                      </a:r>
-                      <a:endParaRPr lang="en-US" sz="3200" b="1" dirty="0">
-                        <a:effectLst/>
-                        <a:latin typeface="Times New Roman" panose="02020603050405020304" pitchFamily="18" charset="0"/>
-                        <a:cs typeface="Times New Roman" panose="02020603050405020304" pitchFamily="18" charset="0"/>
-                      </a:endParaRPr>
-                    </a:p>
-                  </a:txBody>
-                  <a:tcPr marL="63500" marR="63500" marT="63500" marB="63500" anchor="ctr">
-                    <a:solidFill>
-                      <a:srgbClr val="31859B"/>
-                    </a:solidFill>
-                  </a:tcPr>
-                </a:tc>
-                <a:tc>
-                  <a:txBody>
-                    <a:bodyPr/>
-                    <a:lstStyle/>
-                    <a:p>
-                      <a:pPr algn="ctr" rtl="0" fontAlgn="t">
-                        <a:spcBef>
-                          <a:spcPts val="0"/>
-                        </a:spcBef>
-                        <a:spcAft>
-                          <a:spcPts val="0"/>
-                        </a:spcAft>
-                      </a:pPr>
-                      <a:r>
-                        <a:rPr lang="en-US" sz="3200" u="none" strike="noStrike" dirty="0" err="1">
-                          <a:effectLst/>
-                          <a:latin typeface="Times New Roman" panose="02020603050405020304" pitchFamily="18" charset="0"/>
-                          <a:cs typeface="Times New Roman" panose="02020603050405020304" pitchFamily="18" charset="0"/>
-                        </a:rPr>
-                        <a:t>DataSchema</a:t>
                       </a:r>
                       <a:endParaRPr lang="en-US" sz="3200" b="1" dirty="0">
                         <a:effectLst/>
@@ -21092,44 +20985,6 @@
                         </a:spcAft>
                       </a:pPr>
                       <a:r>
-                        <a:rPr lang="en-US" sz="3200" u="none" strike="noStrike" dirty="0">
-                          <a:effectLst/>
-                          <a:latin typeface="Times New Roman" panose="02020603050405020304" pitchFamily="18" charset="0"/>
-                          <a:cs typeface="Times New Roman" panose="02020603050405020304" pitchFamily="18" charset="0"/>
-                        </a:rPr>
-                        <a:t>Inspired by Data Spice (Boettiger et al., 2018)</a:t>
-                      </a:r>
-                      <a:r>
-                        <a:rPr lang="en-US" sz="3200" baseline="30000" dirty="0">
-                          <a:latin typeface="Times New Roman" panose="02020603050405020304" pitchFamily="18" charset="0"/>
-                          <a:cs typeface="Times New Roman" panose="02020603050405020304" pitchFamily="18" charset="0"/>
-                          <a:sym typeface="Times New Roman"/>
-                        </a:rPr>
-                        <a:t> 4</a:t>
-                      </a:r>
-                      <a:endParaRPr lang="en-US" sz="3200" dirty="0">
-                        <a:effectLst/>
-                        <a:latin typeface="Times New Roman" panose="02020603050405020304" pitchFamily="18" charset="0"/>
-                        <a:cs typeface="Times New Roman" panose="02020603050405020304" pitchFamily="18" charset="0"/>
-                      </a:endParaRPr>
-                    </a:p>
-                  </a:txBody>
-                  <a:tcPr marL="63500" marR="63500" marT="63500" marB="63500" anchor="ctr"/>
-                </a:tc>
-                <a:tc>
-                  <a:txBody>
-                    <a:bodyPr/>
-                    <a:lstStyle/>
-                    <a:p>
-                      <a:pPr algn="ctr" rtl="0" fontAlgn="t">
-                        <a:spcBef>
-                          <a:spcPts val="0"/>
-                        </a:spcBef>
-                        <a:spcAft>
-                          <a:spcPts val="0"/>
-                        </a:spcAft>
-                      </a:pPr>
-                      <a:r>
                         <a:rPr lang="de-DE" sz="3200" u="none" strike="noStrike" dirty="0">
                           <a:effectLst/>
                           <a:latin typeface="Times New Roman" panose="02020603050405020304" pitchFamily="18" charset="0"/>
@@ -21158,7 +21013,7 @@
                           <a:cs typeface="Times New Roman" panose="02020603050405020304" pitchFamily="18" charset="0"/>
                           <a:sym typeface="Times New Roman"/>
                         </a:rPr>
-                        <a:t> 5</a:t>
+                        <a:t> 4</a:t>
                       </a:r>
                       <a:endParaRPr lang="de-DE" sz="3200" dirty="0">
                         <a:effectLst/>
@@ -21175,7 +21030,7 @@
                   </a:ext>
                 </a:extLst>
               </a:tr>
-              <a:tr h="1128267">
+              <a:tr h="1159782">
                 <a:tc>
                   <a:txBody>
                     <a:bodyPr/>
@@ -21226,36 +21081,6 @@
                           <a:cs typeface="Times New Roman" panose="02020603050405020304" pitchFamily="18" charset="0"/>
                         </a:rPr>
                         <a:t>CSV, SPSS, Stata, RDS</a:t>
-                      </a:r>
-                      <a:endParaRPr lang="en-US" sz="3200" dirty="0">
-                        <a:effectLst/>
-                        <a:latin typeface="Times New Roman" panose="02020603050405020304" pitchFamily="18" charset="0"/>
-                        <a:cs typeface="Times New Roman" panose="02020603050405020304" pitchFamily="18" charset="0"/>
-                      </a:endParaRPr>
-                    </a:p>
-                  </a:txBody>
-                  <a:tcPr marL="63500" marR="63500" marT="63500" marB="63500" anchor="ctr"/>
-                </a:tc>
-                <a:tc>
-                  <a:txBody>
-                    <a:bodyPr/>
-                    <a:lstStyle/>
-                    <a:p>
-                      <a:pPr algn="ctr" rtl="0" fontAlgn="t">
-                        <a:spcBef>
-                          <a:spcPts val="0"/>
-                        </a:spcBef>
-                        <a:spcAft>
-                          <a:spcPts val="0"/>
-                        </a:spcAft>
-                      </a:pPr>
-                      <a:r>
-                        <a:rPr lang="en-US" sz="3200" u="none" strike="noStrike" dirty="0">
-                          <a:effectLst/>
-                          <a:latin typeface="Times New Roman" panose="02020603050405020304" pitchFamily="18" charset="0"/>
-                          <a:cs typeface="Times New Roman" panose="02020603050405020304" pitchFamily="18" charset="0"/>
-                        </a:rPr>
-                        <a:t>CSV, Text, Excel, SPSS, SAS</a:t>
                       </a:r>
                       <a:endParaRPr lang="en-US" sz="3200" dirty="0">
                         <a:effectLst/>
@@ -21382,36 +21207,6 @@
                           <a:latin typeface="Times New Roman" panose="02020603050405020304" pitchFamily="18" charset="0"/>
                           <a:cs typeface="Times New Roman" panose="02020603050405020304" pitchFamily="18" charset="0"/>
                         </a:rPr>
-                        <a:t>CSV files of meta-data, JSON, and HTML report</a:t>
-                      </a:r>
-                      <a:endParaRPr lang="en-US" sz="3200" dirty="0">
-                        <a:effectLst/>
-                        <a:latin typeface="Times New Roman" panose="02020603050405020304" pitchFamily="18" charset="0"/>
-                        <a:cs typeface="Times New Roman" panose="02020603050405020304" pitchFamily="18" charset="0"/>
-                      </a:endParaRPr>
-                    </a:p>
-                  </a:txBody>
-                  <a:tcPr marL="63500" marR="63500" marT="63500" marB="63500" anchor="ctr"/>
-                </a:tc>
-                <a:tc>
-                  <a:txBody>
-                    <a:bodyPr/>
-                    <a:lstStyle/>
-                    <a:p>
-                      <a:pPr algn="ctr" rtl="0" fontAlgn="t">
-                        <a:spcBef>
-                          <a:spcPts val="0"/>
-                        </a:spcBef>
-                        <a:spcAft>
-                          <a:spcPts val="0"/>
-                        </a:spcAft>
-                      </a:pPr>
-                      <a:r>
-                        <a:rPr lang="en-US" sz="3200" u="none" strike="noStrike" dirty="0">
-                          <a:effectLst/>
-                          <a:latin typeface="Times New Roman" panose="02020603050405020304" pitchFamily="18" charset="0"/>
-                          <a:cs typeface="Times New Roman" panose="02020603050405020304" pitchFamily="18" charset="0"/>
-                        </a:rPr>
                         <a:t>CSV files of meta-data, JSON, </a:t>
                       </a:r>
                       <a:r>
@@ -21421,6 +21216,14 @@
                           <a:cs typeface="Times New Roman" panose="02020603050405020304" pitchFamily="18" charset="0"/>
                         </a:rPr>
                         <a:t>Rdata</a:t>
+                      </a:r>
+                      <a:r>
+                        <a:rPr lang="en-US" sz="3200" u="none" strike="noStrike" dirty="0">
+                          <a:effectLst/>
+                          <a:latin typeface="Times New Roman" panose="02020603050405020304" pitchFamily="18" charset="0"/>
+                          <a:cs typeface="Times New Roman" panose="02020603050405020304" pitchFamily="18" charset="0"/>
+                        </a:rPr>
+                        <a:t>, HTML report</a:t>
                       </a:r>
                       <a:endParaRPr lang="en-US" sz="3200" dirty="0">
                         <a:effectLst/>
@@ -21534,59 +21337,6 @@
                           <a:cs typeface="Times New Roman" panose="02020603050405020304" pitchFamily="18" charset="0"/>
                         </a:rPr>
                         <a:t>Generates a summary for each variable in a readable format</a:t>
-                      </a:r>
-                      <a:endParaRPr lang="en-US" sz="3200" dirty="0">
-                        <a:effectLst/>
-                        <a:latin typeface="Times New Roman" panose="02020603050405020304" pitchFamily="18" charset="0"/>
-                        <a:cs typeface="Times New Roman" panose="02020603050405020304" pitchFamily="18" charset="0"/>
-                      </a:endParaRPr>
-                    </a:p>
-                  </a:txBody>
-                  <a:tcPr marL="63500" marR="63500" marT="63500" marB="63500" anchor="ctr"/>
-                </a:tc>
-                <a:tc>
-                  <a:txBody>
-                    <a:bodyPr/>
-                    <a:lstStyle/>
-                    <a:p>
-                      <a:pPr algn="ctr" rtl="0" fontAlgn="t">
-                        <a:spcBef>
-                          <a:spcPts val="0"/>
-                        </a:spcBef>
-                        <a:spcAft>
-                          <a:spcPts val="0"/>
-                        </a:spcAft>
-                      </a:pPr>
-                      <a:r>
-                        <a:rPr lang="en-US" sz="3200" u="none" strike="noStrike" dirty="0">
-                          <a:effectLst/>
-                          <a:latin typeface="Times New Roman" panose="02020603050405020304" pitchFamily="18" charset="0"/>
-                          <a:cs typeface="Times New Roman" panose="02020603050405020304" pitchFamily="18" charset="0"/>
-                        </a:rPr>
-                        <a:t>Follows schema.org for output</a:t>
-                      </a:r>
-                      <a:endParaRPr lang="en-US" sz="3200" dirty="0">
-                        <a:effectLst/>
-                        <a:latin typeface="Times New Roman" panose="02020603050405020304" pitchFamily="18" charset="0"/>
-                        <a:cs typeface="Times New Roman" panose="02020603050405020304" pitchFamily="18" charset="0"/>
-                      </a:endParaRPr>
-                    </a:p>
-                    <a:p>
-                      <a:pPr algn="ctr" rtl="0" fontAlgn="t">
-                        <a:spcBef>
-                          <a:spcPts val="0"/>
-                        </a:spcBef>
-                        <a:spcAft>
-                          <a:spcPts val="0"/>
-                        </a:spcAft>
-                      </a:pPr>
-                      <a:r>
-                        <a:rPr lang="en-US" sz="3200" u="none" strike="noStrike" dirty="0">
-                          <a:effectLst/>
-                          <a:latin typeface="Times New Roman" panose="02020603050405020304" pitchFamily="18" charset="0"/>
-                          <a:cs typeface="Times New Roman" panose="02020603050405020304" pitchFamily="18" charset="0"/>
-                        </a:rPr>
-                        <a:t>Metadata entry is medium</a:t>
                       </a:r>
                       <a:endParaRPr lang="en-US" sz="3200" dirty="0">
                         <a:effectLst/>
@@ -21832,168 +21582,6 @@
       </p:pic>
       <p:pic>
         <p:nvPicPr>
-          <p:cNvPr id="1030" name="Picture 6" descr="https://lh5.googleusercontent.com/zaPupAAmEZQY_UMhduMaW-QlQ1EU2tZyaHD-EJ3n4jWTjHE8WzHLHNusmqnO1QyY0Y3942K_pDx7pjwhEFwtTE6MAMgfLfxTsgqi90lP1XHkSRH57EBiZmUK5TeY6oq5Cq7_bAg7">
-            <a:extLst>
-              <a:ext uri="{FF2B5EF4-FFF2-40B4-BE49-F238E27FC236}">
-                <a16:creationId xmlns:a16="http://schemas.microsoft.com/office/drawing/2014/main" id="{E255322A-97DD-4731-B27D-4CBAFDCF2A22}"/>
-              </a:ext>
-            </a:extLst>
-          </p:cNvPr>
-          <p:cNvPicPr>
-            <a:picLocks noChangeAspect="1" noChangeArrowheads="1"/>
-          </p:cNvPicPr>
-          <p:nvPr/>
-        </p:nvPicPr>
-        <p:blipFill>
-          <a:blip r:embed="rId10">
-            <a:extLst>
-              <a:ext uri="{28A0092B-C50C-407E-A947-70E740481C1C}">
-                <a14:useLocalDpi xmlns:a14="http://schemas.microsoft.com/office/drawing/2010/main" val="0"/>
-              </a:ext>
-            </a:extLst>
-          </a:blip>
-          <a:srcRect/>
-          <a:stretch>
-            <a:fillRect/>
-          </a:stretch>
-        </p:blipFill>
-        <p:spPr bwMode="auto">
-          <a:xfrm>
-            <a:off x="15180899" y="5331493"/>
-            <a:ext cx="13410601" cy="8661011"/>
-          </a:xfrm>
-          <a:prstGeom prst="rect">
-            <a:avLst/>
-          </a:prstGeom>
-          <a:noFill/>
-          <a:ln>
-            <a:solidFill>
-              <a:schemeClr val="tx1"/>
-            </a:solidFill>
-          </a:ln>
-          <a:extLst>
-            <a:ext uri="{909E8E84-426E-40DD-AFC4-6F175D3DCCD1}">
-              <a14:hiddenFill xmlns:a14="http://schemas.microsoft.com/office/drawing/2010/main">
-                <a:solidFill>
-                  <a:srgbClr val="FFFFFF"/>
-                </a:solidFill>
-              </a14:hiddenFill>
-            </a:ext>
-          </a:extLst>
-        </p:spPr>
-      </p:pic>
-      <p:pic>
-        <p:nvPicPr>
-          <p:cNvPr id="1032" name="Picture 8" descr="https://lh5.googleusercontent.com/pwZA-J2kgCcGndAxDRNjjhy6hNC2rUnrtVYU4WvnHJbF7dnof1oiJlLSPxiivO8cLIf1diBjR32NN1LGgvVqPqiDYAXni2I9AIa75p0xHyOiykLsLf64NlUk2NJzsmzJvc1Kf3KC">
-            <a:extLst>
-              <a:ext uri="{FF2B5EF4-FFF2-40B4-BE49-F238E27FC236}">
-                <a16:creationId xmlns:a16="http://schemas.microsoft.com/office/drawing/2014/main" id="{7AB8D16F-E4FA-49BB-AE0C-C8C2EA0B9216}"/>
-              </a:ext>
-            </a:extLst>
-          </p:cNvPr>
-          <p:cNvPicPr>
-            <a:picLocks noChangeAspect="1" noChangeArrowheads="1"/>
-          </p:cNvPicPr>
-          <p:nvPr/>
-        </p:nvPicPr>
-        <p:blipFill>
-          <a:blip r:embed="rId11">
-            <a:extLst>
-              <a:ext uri="{28A0092B-C50C-407E-A947-70E740481C1C}">
-                <a14:useLocalDpi xmlns:a14="http://schemas.microsoft.com/office/drawing/2010/main" val="0"/>
-              </a:ext>
-            </a:extLst>
-          </a:blip>
-          <a:srcRect/>
-          <a:stretch>
-            <a:fillRect/>
-          </a:stretch>
-        </p:blipFill>
-        <p:spPr bwMode="auto">
-          <a:xfrm>
-            <a:off x="15158421" y="18031552"/>
-            <a:ext cx="13435705" cy="7980943"/>
-          </a:xfrm>
-          <a:prstGeom prst="rect">
-            <a:avLst/>
-          </a:prstGeom>
-          <a:noFill/>
-          <a:ln>
-            <a:solidFill>
-              <a:schemeClr val="tx1"/>
-            </a:solidFill>
-          </a:ln>
-          <a:extLst>
-            <a:ext uri="{909E8E84-426E-40DD-AFC4-6F175D3DCCD1}">
-              <a14:hiddenFill xmlns:a14="http://schemas.microsoft.com/office/drawing/2010/main">
-                <a:solidFill>
-                  <a:srgbClr val="FFFFFF"/>
-                </a:solidFill>
-              </a14:hiddenFill>
-            </a:ext>
-          </a:extLst>
-        </p:spPr>
-      </p:pic>
-      <p:sp>
-        <p:nvSpPr>
-          <p:cNvPr id="30" name="Shape 138">
-            <a:extLst>
-              <a:ext uri="{FF2B5EF4-FFF2-40B4-BE49-F238E27FC236}">
-                <a16:creationId xmlns:a16="http://schemas.microsoft.com/office/drawing/2014/main" id="{221D9526-32FC-4392-A9A9-E38AD721D2CF}"/>
-              </a:ext>
-            </a:extLst>
-          </p:cNvPr>
-          <p:cNvSpPr txBox="1"/>
-          <p:nvPr/>
-        </p:nvSpPr>
-        <p:spPr>
-          <a:xfrm>
-            <a:off x="15111573" y="26257679"/>
-            <a:ext cx="13410600" cy="1329220"/>
-          </a:xfrm>
-          <a:prstGeom prst="rect">
-            <a:avLst/>
-          </a:prstGeom>
-          <a:noFill/>
-          <a:ln>
-            <a:noFill/>
-          </a:ln>
-        </p:spPr>
-        <p:txBody>
-          <a:bodyPr spcFirstLastPara="1" wrap="square" lIns="91425" tIns="91425" rIns="91425" bIns="91425" anchor="t" anchorCtr="0">
-            <a:noAutofit/>
-          </a:bodyPr>
-          <a:lstStyle/>
-          <a:p>
-            <a:pPr marL="0" lvl="0" indent="0">
-              <a:spcBef>
-                <a:spcPts val="0"/>
-              </a:spcBef>
-              <a:spcAft>
-                <a:spcPts val="0"/>
-              </a:spcAft>
-              <a:buNone/>
-            </a:pPr>
-            <a:r>
-              <a:rPr lang="en-US" sz="3200" dirty="0">
-                <a:latin typeface="Times New Roman"/>
-                <a:ea typeface="Times New Roman"/>
-                <a:cs typeface="Times New Roman"/>
-                <a:sym typeface="Times New Roman"/>
-              </a:rPr>
-              <a:t>Screenshot of the Attributes page, in which users can enter detailed information about the variables in their datasets.</a:t>
-            </a:r>
-            <a:endParaRPr sz="3200" dirty="0">
-              <a:latin typeface="Times New Roman"/>
-              <a:ea typeface="Times New Roman"/>
-              <a:cs typeface="Times New Roman"/>
-              <a:sym typeface="Times New Roman"/>
-            </a:endParaRPr>
-          </a:p>
-        </p:txBody>
-      </p:sp>
-      <p:pic>
-        <p:nvPicPr>
           <p:cNvPr id="1036" name="Picture 12" descr="https://lh3.googleusercontent.com/l4cuI_P9ddT1bELZtmKbkF4r8ThrKnUekF2N7WAvr7lN6jPnh1A4ByxgApFv0fVvFmSuo8_Y7J2EgJjCxVZR-KgrHWfpg5r_pNcaau4nr-sTNHvm7Xa5QDlYp7XmODVaEMJl8sEy">
             <a:extLst>
               <a:ext uri="{FF2B5EF4-FFF2-40B4-BE49-F238E27FC236}">
@@ -22007,7 +21595,7 @@
           <p:nvPr/>
         </p:nvPicPr>
         <p:blipFill>
-          <a:blip r:embed="rId12">
+          <a:blip r:embed="rId10">
             <a:extLst>
               <a:ext uri="{28A0092B-C50C-407E-A947-70E740481C1C}">
                 <a14:useLocalDpi xmlns:a14="http://schemas.microsoft.com/office/drawing/2010/main" val="0"/>
@@ -22059,7 +21647,7 @@
           <p:nvPr/>
         </p:nvPicPr>
         <p:blipFill>
-          <a:blip r:embed="rId13">
+          <a:blip r:embed="rId11">
             <a:extLst>
               <a:ext uri="{28A0092B-C50C-407E-A947-70E740481C1C}">
                 <a14:useLocalDpi xmlns:a14="http://schemas.microsoft.com/office/drawing/2010/main" val="0"/>
@@ -22073,7 +21661,7 @@
         </p:blipFill>
         <p:spPr bwMode="auto">
           <a:xfrm>
-            <a:off x="29356825" y="17853266"/>
+            <a:off x="29534849" y="19201508"/>
             <a:ext cx="7483093" cy="5672281"/>
           </a:xfrm>
           <a:prstGeom prst="rect">
@@ -22111,7 +21699,7 @@
           <p:nvPr/>
         </p:nvPicPr>
         <p:blipFill>
-          <a:blip r:embed="rId14">
+          <a:blip r:embed="rId12">
             <a:extLst>
               <a:ext uri="{28A0092B-C50C-407E-A947-70E740481C1C}">
                 <a14:useLocalDpi xmlns:a14="http://schemas.microsoft.com/office/drawing/2010/main" val="0"/>
@@ -22125,7 +21713,7 @@
         </p:blipFill>
         <p:spPr bwMode="auto">
           <a:xfrm>
-            <a:off x="37226399" y="19277166"/>
+            <a:off x="37436451" y="20646998"/>
             <a:ext cx="5943600" cy="2781300"/>
           </a:xfrm>
           <a:prstGeom prst="rect">
@@ -22377,7 +21965,7 @@
         </p:nvSpPr>
         <p:spPr>
           <a:xfrm>
-            <a:off x="29356825" y="23975487"/>
+            <a:off x="29356825" y="25363154"/>
             <a:ext cx="13813174" cy="1329220"/>
           </a:xfrm>
           <a:prstGeom prst="rect">
@@ -22410,7 +21998,7 @@
                 <a:cs typeface="Times New Roman"/>
                 <a:sym typeface="Times New Roman"/>
               </a:rPr>
-              <a:t>Screenshots of the data entry for DD Creator, including overall variable and individual level attributes. This app will be familiar to those who like SPSS. </a:t>
+              <a:t>Screenshots of the data entry for DD Creator, including overall variable and individual level attributes. This app will feel familiar to those who use SPSS. </a:t>
             </a:r>
             <a:endParaRPr sz="3200" dirty="0">
               <a:latin typeface="Times New Roman"/>
@@ -22421,6 +22009,457 @@
           </a:p>
         </p:txBody>
       </p:sp>
+      <p:pic>
+        <p:nvPicPr>
+          <p:cNvPr id="3" name="Picture 2">
+            <a:extLst>
+              <a:ext uri="{FF2B5EF4-FFF2-40B4-BE49-F238E27FC236}">
+                <a16:creationId xmlns:a16="http://schemas.microsoft.com/office/drawing/2014/main" id="{5E1F867D-239C-42E9-8751-8FCBD863150B}"/>
+              </a:ext>
+            </a:extLst>
+          </p:cNvPr>
+          <p:cNvPicPr>
+            <a:picLocks noChangeAspect="1" noChangeArrowheads="1"/>
+          </p:cNvPicPr>
+          <p:nvPr/>
+        </p:nvPicPr>
+        <p:blipFill>
+          <a:blip r:embed="rId13">
+            <a:extLst>
+              <a:ext uri="{28A0092B-C50C-407E-A947-70E740481C1C}">
+                <a14:useLocalDpi xmlns:a14="http://schemas.microsoft.com/office/drawing/2010/main" val="0"/>
+              </a:ext>
+            </a:extLst>
+          </a:blip>
+          <a:srcRect/>
+          <a:stretch>
+            <a:fillRect/>
+          </a:stretch>
+        </p:blipFill>
+        <p:spPr bwMode="auto">
+          <a:xfrm>
+            <a:off x="15129329" y="8476925"/>
+            <a:ext cx="13357564" cy="10724583"/>
+          </a:xfrm>
+          <a:prstGeom prst="rect">
+            <a:avLst/>
+          </a:prstGeom>
+          <a:noFill/>
+          <a:ln>
+            <a:noFill/>
+          </a:ln>
+          <a:extLst>
+            <a:ext uri="{909E8E84-426E-40DD-AFC4-6F175D3DCCD1}">
+              <a14:hiddenFill xmlns:a14="http://schemas.microsoft.com/office/drawing/2010/main">
+                <a:solidFill>
+                  <a:srgbClr val="FFFFFF"/>
+                </a:solidFill>
+              </a14:hiddenFill>
+            </a:ext>
+          </a:extLst>
+        </p:spPr>
+      </p:pic>
+      <p:sp>
+        <p:nvSpPr>
+          <p:cNvPr id="27" name="Shape 141">
+            <a:extLst>
+              <a:ext uri="{FF2B5EF4-FFF2-40B4-BE49-F238E27FC236}">
+                <a16:creationId xmlns:a16="http://schemas.microsoft.com/office/drawing/2014/main" id="{ACDC549A-8470-4B36-B263-639858302765}"/>
+              </a:ext>
+            </a:extLst>
+          </p:cNvPr>
+          <p:cNvSpPr txBox="1"/>
+          <p:nvPr/>
+        </p:nvSpPr>
+        <p:spPr>
+          <a:xfrm>
+            <a:off x="15129328" y="5230743"/>
+            <a:ext cx="13521872" cy="3837056"/>
+          </a:xfrm>
+          <a:prstGeom prst="rect">
+            <a:avLst/>
+          </a:prstGeom>
+          <a:noFill/>
+          <a:ln>
+            <a:noFill/>
+          </a:ln>
+        </p:spPr>
+        <p:txBody>
+          <a:bodyPr spcFirstLastPara="1" wrap="square" lIns="91425" tIns="91425" rIns="91425" bIns="91425" anchor="t" anchorCtr="0">
+            <a:noAutofit/>
+          </a:bodyPr>
+          <a:lstStyle/>
+          <a:p>
+            <a:pPr lvl="0"/>
+            <a:r>
+              <a:rPr lang="en-US" sz="3200" dirty="0">
+                <a:latin typeface="Times New Roman" panose="02020603050405020304" pitchFamily="18" charset="0"/>
+                <a:ea typeface="Calibri"/>
+                <a:cs typeface="Times New Roman" panose="02020603050405020304" pitchFamily="18" charset="0"/>
+                <a:sym typeface="Calibri"/>
+              </a:rPr>
+              <a:t>The flowchart below depicts the process of creating a data dictionary. The left side starts with the rules or structure one should follow for creating a machine-readable data dictionary. Next, the dataset is converted to a data dictionary by using an application, like Codebook or DD Creator, that creates the metadata output in JSON, HTML, or another format. Finally, the data dictionary is stored in an online repository, such as the Open Science Framework or GitHub, to share with a larger audience.</a:t>
+            </a:r>
+            <a:endParaRPr sz="2500" dirty="0"/>
+          </a:p>
+          <a:p>
+            <a:pPr marL="0" lvl="0" indent="0">
+              <a:spcBef>
+                <a:spcPts val="0"/>
+              </a:spcBef>
+              <a:spcAft>
+                <a:spcPts val="0"/>
+              </a:spcAft>
+              <a:buNone/>
+            </a:pPr>
+            <a:endParaRPr sz="2500" dirty="0"/>
+          </a:p>
+          <a:p>
+            <a:pPr marL="0" lvl="0" indent="0">
+              <a:spcBef>
+                <a:spcPts val="0"/>
+              </a:spcBef>
+              <a:spcAft>
+                <a:spcPts val="0"/>
+              </a:spcAft>
+              <a:buNone/>
+            </a:pPr>
+            <a:endParaRPr dirty="0"/>
+          </a:p>
+        </p:txBody>
+      </p:sp>
+      <p:sp>
+        <p:nvSpPr>
+          <p:cNvPr id="28" name="Shape 138">
+            <a:extLst>
+              <a:ext uri="{FF2B5EF4-FFF2-40B4-BE49-F238E27FC236}">
+                <a16:creationId xmlns:a16="http://schemas.microsoft.com/office/drawing/2014/main" id="{F1EAFF35-4A41-4EFF-9E50-C2216B91C2BF}"/>
+              </a:ext>
+            </a:extLst>
+          </p:cNvPr>
+          <p:cNvSpPr txBox="1"/>
+          <p:nvPr/>
+        </p:nvSpPr>
+        <p:spPr>
+          <a:xfrm>
+            <a:off x="21658483" y="25159257"/>
+            <a:ext cx="6992717" cy="3652200"/>
+          </a:xfrm>
+          <a:prstGeom prst="rect">
+            <a:avLst/>
+          </a:prstGeom>
+          <a:solidFill>
+            <a:schemeClr val="bg1">
+              <a:lumMod val="85000"/>
+            </a:schemeClr>
+          </a:solidFill>
+          <a:ln>
+            <a:solidFill>
+              <a:schemeClr val="tx1"/>
+            </a:solidFill>
+          </a:ln>
+        </p:spPr>
+        <p:txBody>
+          <a:bodyPr spcFirstLastPara="1" wrap="square" lIns="91425" tIns="91425" rIns="91425" bIns="91425" anchor="t" anchorCtr="0">
+            <a:noAutofit/>
+          </a:bodyPr>
+          <a:lstStyle/>
+          <a:p>
+            <a:pPr lvl="0"/>
+            <a:r>
+              <a:rPr lang="en-US" sz="2400" dirty="0">
+                <a:solidFill>
+                  <a:schemeClr val="dk1"/>
+                </a:solidFill>
+                <a:latin typeface="Courier New" panose="02070309020205020404" pitchFamily="49" charset="0"/>
+                <a:ea typeface="Calibri"/>
+                <a:cs typeface="Courier New" panose="02070309020205020404" pitchFamily="49" charset="0"/>
+                <a:sym typeface="Calibri"/>
+              </a:rPr>
+              <a:t>"creator": [</a:t>
+            </a:r>
+          </a:p>
+          <a:p>
+            <a:pPr lvl="0"/>
+            <a:r>
+              <a:rPr lang="en-US" sz="2400" dirty="0">
+                <a:solidFill>
+                  <a:schemeClr val="dk1"/>
+                </a:solidFill>
+                <a:latin typeface="Courier New" panose="02070309020205020404" pitchFamily="49" charset="0"/>
+                <a:ea typeface="Calibri"/>
+                <a:cs typeface="Courier New" panose="02070309020205020404" pitchFamily="49" charset="0"/>
+                <a:sym typeface="Calibri"/>
+              </a:rPr>
+              <a:t> {</a:t>
+            </a:r>
+          </a:p>
+          <a:p>
+            <a:pPr lvl="0"/>
+            <a:r>
+              <a:rPr lang="en-US" sz="2400" dirty="0">
+                <a:solidFill>
+                  <a:schemeClr val="dk1"/>
+                </a:solidFill>
+                <a:latin typeface="Courier New" panose="02070309020205020404" pitchFamily="49" charset="0"/>
+                <a:ea typeface="Calibri"/>
+                <a:cs typeface="Courier New" panose="02070309020205020404" pitchFamily="49" charset="0"/>
+                <a:sym typeface="Calibri"/>
+              </a:rPr>
+              <a:t>  "type": "Person“</a:t>
+            </a:r>
+          </a:p>
+          <a:p>
+            <a:pPr lvl="0"/>
+            <a:r>
+              <a:rPr lang="en-US" sz="2400" dirty="0">
+                <a:solidFill>
+                  <a:schemeClr val="dk1"/>
+                </a:solidFill>
+                <a:latin typeface="Courier New" panose="02070309020205020404" pitchFamily="49" charset="0"/>
+                <a:ea typeface="Calibri"/>
+                <a:cs typeface="Courier New" panose="02070309020205020404" pitchFamily="49" charset="0"/>
+                <a:sym typeface="Calibri"/>
+              </a:rPr>
+              <a:t>  "id": 1,</a:t>
+            </a:r>
+          </a:p>
+          <a:p>
+            <a:pPr lvl="0"/>
+            <a:r>
+              <a:rPr lang="en-US" sz="2400" dirty="0">
+                <a:solidFill>
+                  <a:schemeClr val="dk1"/>
+                </a:solidFill>
+                <a:latin typeface="Courier New" panose="02070309020205020404" pitchFamily="49" charset="0"/>
+                <a:ea typeface="Calibri"/>
+                <a:cs typeface="Courier New" panose="02070309020205020404" pitchFamily="49" charset="0"/>
+                <a:sym typeface="Calibri"/>
+              </a:rPr>
+              <a:t>  "</a:t>
+            </a:r>
+            <a:r>
+              <a:rPr lang="en-US" sz="2400" dirty="0" err="1">
+                <a:solidFill>
+                  <a:schemeClr val="dk1"/>
+                </a:solidFill>
+                <a:latin typeface="Courier New" panose="02070309020205020404" pitchFamily="49" charset="0"/>
+                <a:ea typeface="Calibri"/>
+                <a:cs typeface="Courier New" panose="02070309020205020404" pitchFamily="49" charset="0"/>
+                <a:sym typeface="Calibri"/>
+              </a:rPr>
+              <a:t>givenName</a:t>
+            </a:r>
+            <a:r>
+              <a:rPr lang="en-US" sz="2400" dirty="0">
+                <a:solidFill>
+                  <a:schemeClr val="dk1"/>
+                </a:solidFill>
+                <a:latin typeface="Courier New" panose="02070309020205020404" pitchFamily="49" charset="0"/>
+                <a:ea typeface="Calibri"/>
+                <a:cs typeface="Courier New" panose="02070309020205020404" pitchFamily="49" charset="0"/>
+                <a:sym typeface="Calibri"/>
+              </a:rPr>
+              <a:t>": "Ari",</a:t>
+            </a:r>
+          </a:p>
+          <a:p>
+            <a:pPr lvl="0"/>
+            <a:r>
+              <a:rPr lang="en-US" sz="2400" dirty="0">
+                <a:solidFill>
+                  <a:schemeClr val="dk1"/>
+                </a:solidFill>
+                <a:latin typeface="Courier New" panose="02070309020205020404" pitchFamily="49" charset="0"/>
+                <a:ea typeface="Calibri"/>
+                <a:cs typeface="Courier New" panose="02070309020205020404" pitchFamily="49" charset="0"/>
+                <a:sym typeface="Calibri"/>
+              </a:rPr>
+              <a:t>  "</a:t>
+            </a:r>
+            <a:r>
+              <a:rPr lang="en-US" sz="2400" dirty="0" err="1">
+                <a:solidFill>
+                  <a:schemeClr val="dk1"/>
+                </a:solidFill>
+                <a:latin typeface="Courier New" panose="02070309020205020404" pitchFamily="49" charset="0"/>
+                <a:ea typeface="Calibri"/>
+                <a:cs typeface="Courier New" panose="02070309020205020404" pitchFamily="49" charset="0"/>
+                <a:sym typeface="Calibri"/>
+              </a:rPr>
+              <a:t>familyName</a:t>
+            </a:r>
+            <a:r>
+              <a:rPr lang="en-US" sz="2400" dirty="0">
+                <a:solidFill>
+                  <a:schemeClr val="dk1"/>
+                </a:solidFill>
+                <a:latin typeface="Courier New" panose="02070309020205020404" pitchFamily="49" charset="0"/>
+                <a:ea typeface="Calibri"/>
+                <a:cs typeface="Courier New" panose="02070309020205020404" pitchFamily="49" charset="0"/>
+                <a:sym typeface="Calibri"/>
+              </a:rPr>
+              <a:t>": "Cunningham",</a:t>
+            </a:r>
+          </a:p>
+          <a:p>
+            <a:pPr lvl="0"/>
+            <a:r>
+              <a:rPr lang="en-US" sz="2400" dirty="0">
+                <a:solidFill>
+                  <a:schemeClr val="dk1"/>
+                </a:solidFill>
+                <a:latin typeface="Courier New" panose="02070309020205020404" pitchFamily="49" charset="0"/>
+                <a:ea typeface="Calibri"/>
+                <a:cs typeface="Courier New" panose="02070309020205020404" pitchFamily="49" charset="0"/>
+                <a:sym typeface="Calibri"/>
+              </a:rPr>
+              <a:t>  "email": "arielle924@gmail.com",</a:t>
+            </a:r>
+          </a:p>
+          <a:p>
+            <a:pPr lvl="0"/>
+            <a:r>
+              <a:rPr lang="en-US" sz="2400" dirty="0">
+                <a:solidFill>
+                  <a:schemeClr val="dk1"/>
+                </a:solidFill>
+                <a:latin typeface="Courier New" panose="02070309020205020404" pitchFamily="49" charset="0"/>
+                <a:ea typeface="Calibri"/>
+                <a:cs typeface="Courier New" panose="02070309020205020404" pitchFamily="49" charset="0"/>
+                <a:sym typeface="Calibri"/>
+              </a:rPr>
+              <a:t>  "affiliation": "Missouri State U"</a:t>
+            </a:r>
+          </a:p>
+          <a:p>
+            <a:pPr lvl="0"/>
+            <a:r>
+              <a:rPr lang="en-US" sz="2400" dirty="0">
+                <a:solidFill>
+                  <a:schemeClr val="dk1"/>
+                </a:solidFill>
+                <a:latin typeface="Courier New" panose="02070309020205020404" pitchFamily="49" charset="0"/>
+                <a:ea typeface="Calibri"/>
+                <a:cs typeface="Courier New" panose="02070309020205020404" pitchFamily="49" charset="0"/>
+                <a:sym typeface="Calibri"/>
+              </a:rPr>
+              <a:t> }]</a:t>
+            </a:r>
+            <a:endParaRPr sz="3200" dirty="0">
+              <a:latin typeface="Times New Roman"/>
+              <a:ea typeface="Times New Roman"/>
+              <a:cs typeface="Times New Roman"/>
+              <a:sym typeface="Times New Roman"/>
+            </a:endParaRPr>
+          </a:p>
+        </p:txBody>
+      </p:sp>
+      <p:sp>
+        <p:nvSpPr>
+          <p:cNvPr id="29" name="Shape 138">
+            <a:extLst>
+              <a:ext uri="{FF2B5EF4-FFF2-40B4-BE49-F238E27FC236}">
+                <a16:creationId xmlns:a16="http://schemas.microsoft.com/office/drawing/2014/main" id="{3645EAD4-F838-47E8-8DDF-B4B666B2DF9B}"/>
+              </a:ext>
+            </a:extLst>
+          </p:cNvPr>
+          <p:cNvSpPr txBox="1"/>
+          <p:nvPr/>
+        </p:nvSpPr>
+        <p:spPr>
+          <a:xfrm>
+            <a:off x="15129328" y="24306502"/>
+            <a:ext cx="6395240" cy="5076100"/>
+          </a:xfrm>
+          <a:prstGeom prst="rect">
+            <a:avLst/>
+          </a:prstGeom>
+          <a:noFill/>
+          <a:ln>
+            <a:noFill/>
+          </a:ln>
+        </p:spPr>
+        <p:txBody>
+          <a:bodyPr spcFirstLastPara="1" wrap="square" lIns="91425" tIns="91425" rIns="91425" bIns="91425" anchor="t" anchorCtr="0">
+            <a:noAutofit/>
+          </a:bodyPr>
+          <a:lstStyle/>
+          <a:p>
+            <a:pPr lvl="0"/>
+            <a:r>
+              <a:rPr lang="en-US" sz="3200" b="1" dirty="0">
+                <a:solidFill>
+                  <a:schemeClr val="dk1"/>
+                </a:solidFill>
+                <a:latin typeface="Times New Roman" panose="02020603050405020304" pitchFamily="18" charset="0"/>
+                <a:ea typeface="Calibri"/>
+                <a:cs typeface="Times New Roman" panose="02020603050405020304" pitchFamily="18" charset="0"/>
+                <a:sym typeface="Calibri"/>
+              </a:rPr>
+              <a:t>What is JSON?</a:t>
+            </a:r>
+          </a:p>
+          <a:p>
+            <a:pPr lvl="0"/>
+            <a:r>
+              <a:rPr lang="en-US" sz="3200" dirty="0">
+                <a:solidFill>
+                  <a:schemeClr val="dk1"/>
+                </a:solidFill>
+                <a:latin typeface="Times New Roman" panose="02020603050405020304" pitchFamily="18" charset="0"/>
+                <a:ea typeface="Calibri"/>
+                <a:cs typeface="Times New Roman" panose="02020603050405020304" pitchFamily="18" charset="0"/>
+                <a:sym typeface="Calibri"/>
+              </a:rPr>
+              <a:t>JSON, which stands for JavaScript Object Notation, is a machine-readable file format used to represent data. Specifically, data is encoded as name/value pairs. The code block on the right shows an example. JSON files can be easily imported, indexed, and shared through sites such as Google Dataset Search.</a:t>
+            </a:r>
+          </a:p>
+        </p:txBody>
+      </p:sp>
+      <p:cxnSp>
+        <p:nvCxnSpPr>
+          <p:cNvPr id="7" name="Straight Connector 6">
+            <a:extLst>
+              <a:ext uri="{FF2B5EF4-FFF2-40B4-BE49-F238E27FC236}">
+                <a16:creationId xmlns:a16="http://schemas.microsoft.com/office/drawing/2014/main" id="{665E1F9B-3B45-47BC-AA4D-7CCEE622ADAA}"/>
+              </a:ext>
+            </a:extLst>
+          </p:cNvPr>
+          <p:cNvCxnSpPr>
+            <a:cxnSpLocks/>
+          </p:cNvCxnSpPr>
+          <p:nvPr/>
+        </p:nvCxnSpPr>
+        <p:spPr>
+          <a:xfrm>
+            <a:off x="15966111" y="29584503"/>
+            <a:ext cx="11542089" cy="0"/>
+          </a:xfrm>
+          <a:prstGeom prst="line">
+            <a:avLst/>
+          </a:prstGeom>
+          <a:ln w="28575">
+            <a:solidFill>
+              <a:srgbClr val="31859B"/>
+            </a:solidFill>
+          </a:ln>
+        </p:spPr>
+        <p:style>
+          <a:lnRef idx="1">
+            <a:schemeClr val="accent1"/>
+          </a:lnRef>
+          <a:fillRef idx="0">
+            <a:schemeClr val="accent1"/>
+          </a:fillRef>
+          <a:effectRef idx="0">
+            <a:schemeClr val="accent1"/>
+          </a:effectRef>
+          <a:fontRef idx="minor">
+            <a:schemeClr val="tx1"/>
+          </a:fontRef>
+        </p:style>
+      </p:cxnSp>
     </p:spTree>
   </p:cSld>
   <p:clrMapOvr>

--- a/poster/Data Dictionary Poster.pptx
+++ b/poster/Data Dictionary Poster.pptx
@@ -15,7 +15,7 @@
   <p:notesSz cx="6858000" cy="9144000"/>
   <p:embeddedFontLst>
     <p:embeddedFont>
-      <p:font typeface="Abril Fatface" panose="020B0604020202020204" charset="0"/>
+      <p:font typeface="Abril Fatface" panose="02000503000000020003" pitchFamily="2" charset="77"/>
       <p:regular r:id="rId5"/>
     </p:embeddedFont>
     <p:embeddedFont>
@@ -19451,7 +19451,7 @@
                 <a:cs typeface="Times New Roman" panose="02020603050405020304" pitchFamily="18" charset="0"/>
                 <a:sym typeface="Arial Black"/>
               </a:rPr>
-              <a:t>Missouri State University </a:t>
+              <a:t>Missouri State University, Harrisburg University of Science and Technology</a:t>
             </a:r>
             <a:endParaRPr sz="4500" b="1" dirty="0">
               <a:solidFill>
@@ -20667,33 +20667,6 @@
           <a:xfrm>
             <a:off x="36480750" y="1098075"/>
             <a:ext cx="7071601" cy="1944675"/>
-          </a:xfrm>
-          <a:prstGeom prst="rect">
-            <a:avLst/>
-          </a:prstGeom>
-          <a:noFill/>
-          <a:ln>
-            <a:noFill/>
-          </a:ln>
-        </p:spPr>
-      </p:pic>
-      <p:pic>
-        <p:nvPicPr>
-          <p:cNvPr id="148" name="Shape 148"/>
-          <p:cNvPicPr preferRelativeResize="0"/>
-          <p:nvPr/>
-        </p:nvPicPr>
-        <p:blipFill rotWithShape="1">
-          <a:blip r:embed="rId8">
-            <a:alphaModFix/>
-          </a:blip>
-          <a:srcRect r="37926"/>
-          <a:stretch/>
-        </p:blipFill>
-        <p:spPr>
-          <a:xfrm>
-            <a:off x="-256650" y="825732"/>
-            <a:ext cx="7071601" cy="2673929"/>
           </a:xfrm>
           <a:prstGeom prst="rect">
             <a:avLst/>
@@ -21543,7 +21516,7 @@
           <p:nvPr/>
         </p:nvPicPr>
         <p:blipFill>
-          <a:blip r:embed="rId9">
+          <a:blip r:embed="rId8">
             <a:extLst>
               <a:ext uri="{28A0092B-C50C-407E-A947-70E740481C1C}">
                 <a14:useLocalDpi xmlns:a14="http://schemas.microsoft.com/office/drawing/2010/main" val="0"/>
@@ -21595,7 +21568,7 @@
           <p:nvPr/>
         </p:nvPicPr>
         <p:blipFill>
-          <a:blip r:embed="rId10">
+          <a:blip r:embed="rId9">
             <a:extLst>
               <a:ext uri="{28A0092B-C50C-407E-A947-70E740481C1C}">
                 <a14:useLocalDpi xmlns:a14="http://schemas.microsoft.com/office/drawing/2010/main" val="0"/>
@@ -21647,7 +21620,7 @@
           <p:nvPr/>
         </p:nvPicPr>
         <p:blipFill>
-          <a:blip r:embed="rId11">
+          <a:blip r:embed="rId10">
             <a:extLst>
               <a:ext uri="{28A0092B-C50C-407E-A947-70E740481C1C}">
                 <a14:useLocalDpi xmlns:a14="http://schemas.microsoft.com/office/drawing/2010/main" val="0"/>
@@ -21699,7 +21672,7 @@
           <p:nvPr/>
         </p:nvPicPr>
         <p:blipFill>
-          <a:blip r:embed="rId12">
+          <a:blip r:embed="rId11">
             <a:extLst>
               <a:ext uri="{28A0092B-C50C-407E-A947-70E740481C1C}">
                 <a14:useLocalDpi xmlns:a14="http://schemas.microsoft.com/office/drawing/2010/main" val="0"/>
@@ -21833,21 +21806,21 @@
                 <a:latin typeface="Times New Roman" panose="02020603050405020304" pitchFamily="18" charset="0"/>
                 <a:cs typeface="Times New Roman" panose="02020603050405020304" pitchFamily="18" charset="0"/>
               </a:rPr>
-              <a:t>Online platform created by Brian </a:t>
+              <a:t>Encouragement of transparency throughout all stages of the </a:t>
             </a:r>
             <a:r>
-              <a:rPr lang="en-US" sz="3200" dirty="0" err="1">
+              <a:rPr lang="en-US" sz="3200">
                 <a:latin typeface="Times New Roman" panose="02020603050405020304" pitchFamily="18" charset="0"/>
                 <a:cs typeface="Times New Roman" panose="02020603050405020304" pitchFamily="18" charset="0"/>
               </a:rPr>
-              <a:t>Nosek</a:t>
+              <a:t>research process (</a:t>
             </a:r>
             <a:r>
               <a:rPr lang="en-US" sz="3200" dirty="0">
                 <a:latin typeface="Times New Roman" panose="02020603050405020304" pitchFamily="18" charset="0"/>
                 <a:cs typeface="Times New Roman" panose="02020603050405020304" pitchFamily="18" charset="0"/>
               </a:rPr>
-              <a:t> and Jeffrey Spies to openly record, report, and share data (Nelson, Simmons, &amp; </a:t>
+              <a:t>Nelson, Simmons, &amp; </a:t>
             </a:r>
             <a:r>
               <a:rPr lang="en-US" sz="3200" dirty="0" err="1">
@@ -22024,7 +21997,7 @@
           <p:nvPr/>
         </p:nvPicPr>
         <p:blipFill>
-          <a:blip r:embed="rId13">
+          <a:blip r:embed="rId12">
             <a:extLst>
               <a:ext uri="{28A0092B-C50C-407E-A947-70E740481C1C}">
                 <a14:useLocalDpi xmlns:a14="http://schemas.microsoft.com/office/drawing/2010/main" val="0"/>
@@ -22460,6 +22433,42 @@
           </a:fontRef>
         </p:style>
       </p:cxnSp>
+      <p:pic>
+        <p:nvPicPr>
+          <p:cNvPr id="30" name="Picture 29" descr="smallest HUST">
+            <a:extLst>
+              <a:ext uri="{FF2B5EF4-FFF2-40B4-BE49-F238E27FC236}">
+                <a16:creationId xmlns:a16="http://schemas.microsoft.com/office/drawing/2014/main" id="{529E8753-6B45-4947-AD96-BC0CC9EDDA1C}"/>
+              </a:ext>
+            </a:extLst>
+          </p:cNvPr>
+          <p:cNvPicPr/>
+          <p:nvPr/>
+        </p:nvPicPr>
+        <p:blipFill>
+          <a:blip r:embed="rId13" cstate="print"/>
+          <a:srcRect/>
+          <a:stretch>
+            <a:fillRect/>
+          </a:stretch>
+        </p:blipFill>
+        <p:spPr bwMode="auto">
+          <a:xfrm>
+            <a:off x="459930" y="834655"/>
+            <a:ext cx="7001875" cy="2471250"/>
+          </a:xfrm>
+          <a:prstGeom prst="rect">
+            <a:avLst/>
+          </a:prstGeom>
+          <a:noFill/>
+          <a:ln w="9525">
+            <a:noFill/>
+            <a:miter lim="800000"/>
+            <a:headEnd/>
+            <a:tailEnd/>
+          </a:ln>
+        </p:spPr>
+      </p:pic>
     </p:spTree>
   </p:cSld>
   <p:clrMapOvr>
